--- a/AI_presentation/aco_presentation_solution.pptx
+++ b/AI_presentation/aco_presentation_solution.pptx
@@ -5,16 +5,21 @@
     <p:sldMasterId id="2147483663" r:id="rId1"/>
   </p:sldMasterIdLst>
   <p:notesMasterIdLst>
-    <p:notesMasterId r:id="rId9"/>
+    <p:notesMasterId r:id="rId14"/>
   </p:notesMasterIdLst>
   <p:sldIdLst>
     <p:sldId id="325" r:id="rId2"/>
     <p:sldId id="731" r:id="rId3"/>
     <p:sldId id="732" r:id="rId4"/>
-    <p:sldId id="734" r:id="rId5"/>
-    <p:sldId id="733" r:id="rId6"/>
-    <p:sldId id="737" r:id="rId7"/>
-    <p:sldId id="673" r:id="rId8"/>
+    <p:sldId id="740" r:id="rId5"/>
+    <p:sldId id="743" r:id="rId6"/>
+    <p:sldId id="744" r:id="rId7"/>
+    <p:sldId id="742" r:id="rId8"/>
+    <p:sldId id="741" r:id="rId9"/>
+    <p:sldId id="734" r:id="rId10"/>
+    <p:sldId id="733" r:id="rId11"/>
+    <p:sldId id="737" r:id="rId12"/>
+    <p:sldId id="673" r:id="rId13"/>
   </p:sldIdLst>
   <p:sldSz cx="9144000" cy="6858000" type="screen4x3"/>
   <p:notesSz cx="6797675" cy="9926638"/>
@@ -144,8 +149,7 @@
 <file path=ppt/revisionInfo.xml><?xml version="1.0" encoding="utf-8"?>
 <p1510:revInfo xmlns:a="http://schemas.openxmlformats.org/drawingml/2006/main" xmlns:r="http://schemas.openxmlformats.org/officeDocument/2006/relationships" xmlns:p1510="http://schemas.microsoft.com/office/powerpoint/2015/10/main">
   <p1510:revLst>
-    <p1510:client id="{9967441F-B3BD-47B1-9D39-D22AE5E0C8BC}" v="101" dt="2025-02-17T13:59:33.315"/>
-    <p1510:client id="{F788D4C0-ED1F-4555-BBF0-AC30F242B945}" v="10" dt="2025-02-18T08:56:07.492"/>
+    <p1510:client id="{F788D4C0-ED1F-4555-BBF0-AC30F242B945}" v="23" dt="2025-02-25T07:42:07.829"/>
   </p1510:revLst>
 </p1510:revInfo>
 </file>
@@ -154,8 +158,8 @@
 <pc:chgInfo xmlns:a="http://schemas.openxmlformats.org/drawingml/2006/main" xmlns:r="http://schemas.openxmlformats.org/officeDocument/2006/relationships" xmlns:ac="http://schemas.microsoft.com/office/drawing/2013/main/command" xmlns:pc="http://schemas.microsoft.com/office/powerpoint/2013/main/command">
   <pc:docChgLst>
     <pc:chgData name="宏傑 楊" userId="ee57404c450d34c3" providerId="LiveId" clId="{F788D4C0-ED1F-4555-BBF0-AC30F242B945}"/>
-    <pc:docChg chg="undo redo custSel addSld delSld modSld">
-      <pc:chgData name="宏傑 楊" userId="ee57404c450d34c3" providerId="LiveId" clId="{F788D4C0-ED1F-4555-BBF0-AC30F242B945}" dt="2025-02-18T08:56:18.162" v="950" actId="729"/>
+    <pc:docChg chg="undo redo custSel addSld delSld modSld sldOrd">
+      <pc:chgData name="宏傑 楊" userId="ee57404c450d34c3" providerId="LiveId" clId="{F788D4C0-ED1F-4555-BBF0-AC30F242B945}" dt="2025-02-25T07:48:49.787" v="1382" actId="20577"/>
       <pc:docMkLst>
         <pc:docMk/>
       </pc:docMkLst>
@@ -204,46 +208,6 @@
             <ac:spMk id="3" creationId="{D956ADEA-F96D-5B52-6FAD-A44CAAF1F784}"/>
           </ac:spMkLst>
         </pc:spChg>
-        <pc:spChg chg="add del mod">
-          <ac:chgData name="宏傑 楊" userId="ee57404c450d34c3" providerId="LiveId" clId="{F788D4C0-ED1F-4555-BBF0-AC30F242B945}" dt="2025-02-18T08:31:44.063" v="263" actId="478"/>
-          <ac:spMkLst>
-            <pc:docMk/>
-            <pc:sldMk cId="2905167064" sldId="733"/>
-            <ac:spMk id="10" creationId="{A9ED0913-CE1F-3904-0219-2C593B2EE6C8}"/>
-          </ac:spMkLst>
-        </pc:spChg>
-        <pc:spChg chg="add del mod">
-          <ac:chgData name="宏傑 楊" userId="ee57404c450d34c3" providerId="LiveId" clId="{F788D4C0-ED1F-4555-BBF0-AC30F242B945}" dt="2025-02-18T08:31:44.063" v="263" actId="478"/>
-          <ac:spMkLst>
-            <pc:docMk/>
-            <pc:sldMk cId="2905167064" sldId="733"/>
-            <ac:spMk id="11" creationId="{A0B9826A-828E-26B9-F783-5ABAC6524D99}"/>
-          </ac:spMkLst>
-        </pc:spChg>
-        <pc:picChg chg="add del">
-          <ac:chgData name="宏傑 楊" userId="ee57404c450d34c3" providerId="LiveId" clId="{F788D4C0-ED1F-4555-BBF0-AC30F242B945}" dt="2025-02-18T08:07:43.413" v="3" actId="21"/>
-          <ac:picMkLst>
-            <pc:docMk/>
-            <pc:sldMk cId="2905167064" sldId="733"/>
-            <ac:picMk id="6" creationId="{D55669B9-BC09-D8E9-52F1-80DFF4E6071A}"/>
-          </ac:picMkLst>
-        </pc:picChg>
-        <pc:picChg chg="add del mod">
-          <ac:chgData name="宏傑 楊" userId="ee57404c450d34c3" providerId="LiveId" clId="{F788D4C0-ED1F-4555-BBF0-AC30F242B945}" dt="2025-02-18T08:31:40.908" v="261" actId="478"/>
-          <ac:picMkLst>
-            <pc:docMk/>
-            <pc:sldMk cId="2905167064" sldId="733"/>
-            <ac:picMk id="7" creationId="{F53E0CD6-635C-028C-3990-865B7C64617D}"/>
-          </ac:picMkLst>
-        </pc:picChg>
-        <pc:picChg chg="add del mod">
-          <ac:chgData name="宏傑 楊" userId="ee57404c450d34c3" providerId="LiveId" clId="{F788D4C0-ED1F-4555-BBF0-AC30F242B945}" dt="2025-02-18T08:31:41.413" v="262" actId="478"/>
-          <ac:picMkLst>
-            <pc:docMk/>
-            <pc:sldMk cId="2905167064" sldId="733"/>
-            <ac:picMk id="9" creationId="{C5237808-3672-27E8-51CD-1A0A4E8FD339}"/>
-          </ac:picMkLst>
-        </pc:picChg>
       </pc:sldChg>
       <pc:sldChg chg="modSp mod">
         <pc:chgData name="宏傑 楊" userId="ee57404c450d34c3" providerId="LiveId" clId="{F788D4C0-ED1F-4555-BBF0-AC30F242B945}" dt="2025-02-18T08:49:03.422" v="815" actId="20577"/>
@@ -266,22 +230,6 @@
           <pc:docMk/>
           <pc:sldMk cId="775279745" sldId="735"/>
         </pc:sldMkLst>
-        <pc:spChg chg="del">
-          <ac:chgData name="宏傑 楊" userId="ee57404c450d34c3" providerId="LiveId" clId="{F788D4C0-ED1F-4555-BBF0-AC30F242B945}" dt="2025-02-18T08:07:44.424" v="4"/>
-          <ac:spMkLst>
-            <pc:docMk/>
-            <pc:sldMk cId="775279745" sldId="735"/>
-            <ac:spMk id="3" creationId="{E2947805-4442-B1B3-471E-C7A815F3CE36}"/>
-          </ac:spMkLst>
-        </pc:spChg>
-        <pc:picChg chg="add mod">
-          <ac:chgData name="宏傑 楊" userId="ee57404c450d34c3" providerId="LiveId" clId="{F788D4C0-ED1F-4555-BBF0-AC30F242B945}" dt="2025-02-18T08:07:46.759" v="8" actId="14100"/>
-          <ac:picMkLst>
-            <pc:docMk/>
-            <pc:sldMk cId="775279745" sldId="735"/>
-            <ac:picMk id="6" creationId="{D55669B9-BC09-D8E9-52F1-80DFF4E6071A}"/>
-          </ac:picMkLst>
-        </pc:picChg>
       </pc:sldChg>
       <pc:sldChg chg="new del">
         <pc:chgData name="宏傑 楊" userId="ee57404c450d34c3" providerId="LiveId" clId="{F788D4C0-ED1F-4555-BBF0-AC30F242B945}" dt="2025-02-18T08:26:52.303" v="203" actId="47"/>
@@ -290,8 +238,8 @@
           <pc:sldMk cId="3337248355" sldId="736"/>
         </pc:sldMkLst>
       </pc:sldChg>
-      <pc:sldChg chg="modSp add mod">
-        <pc:chgData name="宏傑 楊" userId="ee57404c450d34c3" providerId="LiveId" clId="{F788D4C0-ED1F-4555-BBF0-AC30F242B945}" dt="2025-02-18T08:54:46.722" v="936" actId="1076"/>
+      <pc:sldChg chg="addSp modSp add mod">
+        <pc:chgData name="宏傑 楊" userId="ee57404c450d34c3" providerId="LiveId" clId="{F788D4C0-ED1F-4555-BBF0-AC30F242B945}" dt="2025-02-25T05:06:30.750" v="960" actId="1076"/>
         <pc:sldMkLst>
           <pc:docMk/>
           <pc:sldMk cId="407307563" sldId="737"/>
@@ -302,6 +250,22 @@
             <pc:docMk/>
             <pc:sldMk cId="407307563" sldId="737"/>
             <ac:spMk id="3" creationId="{A2636C1C-8054-7B01-A27C-A3DC8099FFC3}"/>
+          </ac:spMkLst>
+        </pc:spChg>
+        <pc:spChg chg="add mod">
+          <ac:chgData name="宏傑 楊" userId="ee57404c450d34c3" providerId="LiveId" clId="{F788D4C0-ED1F-4555-BBF0-AC30F242B945}" dt="2025-02-25T05:06:23.344" v="958" actId="1076"/>
+          <ac:spMkLst>
+            <pc:docMk/>
+            <pc:sldMk cId="407307563" sldId="737"/>
+            <ac:spMk id="5" creationId="{9B43D342-C6C0-CC0E-2596-127B2B789AB1}"/>
+          </ac:spMkLst>
+        </pc:spChg>
+        <pc:spChg chg="add mod">
+          <ac:chgData name="宏傑 楊" userId="ee57404c450d34c3" providerId="LiveId" clId="{F788D4C0-ED1F-4555-BBF0-AC30F242B945}" dt="2025-02-25T05:06:30.750" v="960" actId="1076"/>
+          <ac:spMkLst>
+            <pc:docMk/>
+            <pc:sldMk cId="407307563" sldId="737"/>
+            <ac:spMk id="6" creationId="{7BAD20E6-0039-251A-2DF0-07ABBF129052}"/>
           </ac:spMkLst>
         </pc:spChg>
         <pc:spChg chg="mod">
@@ -321,7 +285,7 @@
           </ac:spMkLst>
         </pc:spChg>
         <pc:picChg chg="mod">
-          <ac:chgData name="宏傑 楊" userId="ee57404c450d34c3" providerId="LiveId" clId="{F788D4C0-ED1F-4555-BBF0-AC30F242B945}" dt="2025-02-18T08:54:46.722" v="936" actId="1076"/>
+          <ac:chgData name="宏傑 楊" userId="ee57404c450d34c3" providerId="LiveId" clId="{F788D4C0-ED1F-4555-BBF0-AC30F242B945}" dt="2025-02-25T05:06:14.534" v="955" actId="1076"/>
           <ac:picMkLst>
             <pc:docMk/>
             <pc:sldMk cId="407307563" sldId="737"/>
@@ -343,14 +307,319 @@
           <pc:docMk/>
           <pc:sldMk cId="650319768" sldId="738"/>
         </pc:sldMkLst>
+      </pc:sldChg>
+      <pc:sldChg chg="addSp delSp modSp new del mod ord">
+        <pc:chgData name="宏傑 楊" userId="ee57404c450d34c3" providerId="LiveId" clId="{F788D4C0-ED1F-4555-BBF0-AC30F242B945}" dt="2025-02-25T05:36:55.020" v="1197" actId="47"/>
+        <pc:sldMkLst>
+          <pc:docMk/>
+          <pc:sldMk cId="2892009767" sldId="738"/>
+        </pc:sldMkLst>
         <pc:spChg chg="mod">
-          <ac:chgData name="宏傑 楊" userId="ee57404c450d34c3" providerId="LiveId" clId="{F788D4C0-ED1F-4555-BBF0-AC30F242B945}" dt="2025-02-18T08:55:07.072" v="938"/>
+          <ac:chgData name="宏傑 楊" userId="ee57404c450d34c3" providerId="LiveId" clId="{F788D4C0-ED1F-4555-BBF0-AC30F242B945}" dt="2025-02-25T05:15:53.317" v="1041" actId="20577"/>
           <ac:spMkLst>
             <pc:docMk/>
-            <pc:sldMk cId="650319768" sldId="738"/>
-            <ac:spMk id="2" creationId="{CA475918-D206-5A09-5194-F9C8A86F3A83}"/>
+            <pc:sldMk cId="2892009767" sldId="738"/>
+            <ac:spMk id="2" creationId="{1F46E874-20A5-0FB3-4670-E3E4359D3652}"/>
           </ac:spMkLst>
         </pc:spChg>
+        <pc:spChg chg="del">
+          <ac:chgData name="宏傑 楊" userId="ee57404c450d34c3" providerId="LiveId" clId="{F788D4C0-ED1F-4555-BBF0-AC30F242B945}" dt="2025-02-25T05:25:15.295" v="1049" actId="478"/>
+          <ac:spMkLst>
+            <pc:docMk/>
+            <pc:sldMk cId="2892009767" sldId="738"/>
+            <ac:spMk id="3" creationId="{CB798714-1200-7138-1E3B-3B6BFEEB253B}"/>
+          </ac:spMkLst>
+        </pc:spChg>
+        <pc:picChg chg="add mod modCrop">
+          <ac:chgData name="宏傑 楊" userId="ee57404c450d34c3" providerId="LiveId" clId="{F788D4C0-ED1F-4555-BBF0-AC30F242B945}" dt="2025-02-25T05:34:08.887" v="1066" actId="1076"/>
+          <ac:picMkLst>
+            <pc:docMk/>
+            <pc:sldMk cId="2892009767" sldId="738"/>
+            <ac:picMk id="6" creationId="{F706BA4F-CF36-AF1E-8537-F2537E07C937}"/>
+          </ac:picMkLst>
+        </pc:picChg>
+        <pc:picChg chg="add del mod">
+          <ac:chgData name="宏傑 楊" userId="ee57404c450d34c3" providerId="LiveId" clId="{F788D4C0-ED1F-4555-BBF0-AC30F242B945}" dt="2025-02-25T05:33:53.984" v="1059" actId="478"/>
+          <ac:picMkLst>
+            <pc:docMk/>
+            <pc:sldMk cId="2892009767" sldId="738"/>
+            <ac:picMk id="8" creationId="{74C67CAE-0609-8466-624A-30FDE9A1C0B8}"/>
+          </ac:picMkLst>
+        </pc:picChg>
+        <pc:picChg chg="add mod">
+          <ac:chgData name="宏傑 楊" userId="ee57404c450d34c3" providerId="LiveId" clId="{F788D4C0-ED1F-4555-BBF0-AC30F242B945}" dt="2025-02-25T05:34:13.984" v="1067" actId="1076"/>
+          <ac:picMkLst>
+            <pc:docMk/>
+            <pc:sldMk cId="2892009767" sldId="738"/>
+            <ac:picMk id="10" creationId="{846842DD-BAA0-0ED3-BAB1-27CBB111939B}"/>
+          </ac:picMkLst>
+        </pc:picChg>
+      </pc:sldChg>
+      <pc:sldChg chg="addSp delSp modSp new del mod">
+        <pc:chgData name="宏傑 楊" userId="ee57404c450d34c3" providerId="LiveId" clId="{F788D4C0-ED1F-4555-BBF0-AC30F242B945}" dt="2025-02-25T06:44:08.745" v="1259" actId="47"/>
+        <pc:sldMkLst>
+          <pc:docMk/>
+          <pc:sldMk cId="1072418056" sldId="739"/>
+        </pc:sldMkLst>
+        <pc:spChg chg="mod">
+          <ac:chgData name="宏傑 楊" userId="ee57404c450d34c3" providerId="LiveId" clId="{F788D4C0-ED1F-4555-BBF0-AC30F242B945}" dt="2025-02-25T05:25:35.324" v="1053"/>
+          <ac:spMkLst>
+            <pc:docMk/>
+            <pc:sldMk cId="1072418056" sldId="739"/>
+            <ac:spMk id="2" creationId="{A17A31D5-817A-3EBC-657D-A2EF57715A59}"/>
+          </ac:spMkLst>
+        </pc:spChg>
+        <pc:spChg chg="del">
+          <ac:chgData name="宏傑 楊" userId="ee57404c450d34c3" providerId="LiveId" clId="{F788D4C0-ED1F-4555-BBF0-AC30F242B945}" dt="2025-02-25T05:27:24.547" v="1054" actId="478"/>
+          <ac:spMkLst>
+            <pc:docMk/>
+            <pc:sldMk cId="1072418056" sldId="739"/>
+            <ac:spMk id="3" creationId="{1DFD4C53-3D28-B5CE-1DF9-DD58FA150264}"/>
+          </ac:spMkLst>
+        </pc:spChg>
+        <pc:picChg chg="add del mod">
+          <ac:chgData name="宏傑 楊" userId="ee57404c450d34c3" providerId="LiveId" clId="{F788D4C0-ED1F-4555-BBF0-AC30F242B945}" dt="2025-02-25T05:28:54.122" v="1057" actId="478"/>
+          <ac:picMkLst>
+            <pc:docMk/>
+            <pc:sldMk cId="1072418056" sldId="739"/>
+            <ac:picMk id="5" creationId="{3CEEC3D9-D263-56AA-9EDF-B353FBEEAC18}"/>
+          </ac:picMkLst>
+        </pc:picChg>
+        <pc:picChg chg="add del mod">
+          <ac:chgData name="宏傑 楊" userId="ee57404c450d34c3" providerId="LiveId" clId="{F788D4C0-ED1F-4555-BBF0-AC30F242B945}" dt="2025-02-25T05:35:05.118" v="1076" actId="478"/>
+          <ac:picMkLst>
+            <pc:docMk/>
+            <pc:sldMk cId="1072418056" sldId="739"/>
+            <ac:picMk id="7" creationId="{12C90CB6-637B-7D6F-09DC-BD94C69F7734}"/>
+          </ac:picMkLst>
+        </pc:picChg>
+        <pc:picChg chg="add mod">
+          <ac:chgData name="宏傑 楊" userId="ee57404c450d34c3" providerId="LiveId" clId="{F788D4C0-ED1F-4555-BBF0-AC30F242B945}" dt="2025-02-25T05:34:22.219" v="1069" actId="571"/>
+          <ac:picMkLst>
+            <pc:docMk/>
+            <pc:sldMk cId="1072418056" sldId="739"/>
+            <ac:picMk id="8" creationId="{B1239AC6-765C-97D1-2865-0945573E42D7}"/>
+          </ac:picMkLst>
+        </pc:picChg>
+        <pc:picChg chg="add mod">
+          <ac:chgData name="宏傑 楊" userId="ee57404c450d34c3" providerId="LiveId" clId="{F788D4C0-ED1F-4555-BBF0-AC30F242B945}" dt="2025-02-25T06:42:33.116" v="1234" actId="1076"/>
+          <ac:picMkLst>
+            <pc:docMk/>
+            <pc:sldMk cId="1072418056" sldId="739"/>
+            <ac:picMk id="10" creationId="{5109ABF3-AF64-FE95-F908-F7F615BC4A21}"/>
+          </ac:picMkLst>
+        </pc:picChg>
+        <pc:picChg chg="add mod">
+          <ac:chgData name="宏傑 楊" userId="ee57404c450d34c3" providerId="LiveId" clId="{F788D4C0-ED1F-4555-BBF0-AC30F242B945}" dt="2025-02-25T06:42:30.900" v="1233" actId="14100"/>
+          <ac:picMkLst>
+            <pc:docMk/>
+            <pc:sldMk cId="1072418056" sldId="739"/>
+            <ac:picMk id="12" creationId="{901F23AC-E0D8-5F83-7ED3-9BDBB28E3EDE}"/>
+          </ac:picMkLst>
+        </pc:picChg>
+      </pc:sldChg>
+      <pc:sldChg chg="addSp delSp modSp new mod ord">
+        <pc:chgData name="宏傑 楊" userId="ee57404c450d34c3" providerId="LiveId" clId="{F788D4C0-ED1F-4555-BBF0-AC30F242B945}" dt="2025-02-25T07:46:37.903" v="1354"/>
+        <pc:sldMkLst>
+          <pc:docMk/>
+          <pc:sldMk cId="1076020459" sldId="740"/>
+        </pc:sldMkLst>
+        <pc:spChg chg="mod">
+          <ac:chgData name="宏傑 楊" userId="ee57404c450d34c3" providerId="LiveId" clId="{F788D4C0-ED1F-4555-BBF0-AC30F242B945}" dt="2025-02-25T06:49:23.043" v="1297" actId="20577"/>
+          <ac:spMkLst>
+            <pc:docMk/>
+            <pc:sldMk cId="1076020459" sldId="740"/>
+            <ac:spMk id="2" creationId="{14C753BE-23E4-7F37-6C5B-0BAC7A7081C3}"/>
+          </ac:spMkLst>
+        </pc:spChg>
+        <pc:spChg chg="add del mod">
+          <ac:chgData name="宏傑 楊" userId="ee57404c450d34c3" providerId="LiveId" clId="{F788D4C0-ED1F-4555-BBF0-AC30F242B945}" dt="2025-02-25T07:46:37.903" v="1354"/>
+          <ac:spMkLst>
+            <pc:docMk/>
+            <pc:sldMk cId="1076020459" sldId="740"/>
+            <ac:spMk id="3" creationId="{CE5A4CA1-F280-9283-F411-A0DBD13B73A2}"/>
+          </ac:spMkLst>
+        </pc:spChg>
+        <pc:picChg chg="add mod">
+          <ac:chgData name="宏傑 楊" userId="ee57404c450d34c3" providerId="LiveId" clId="{F788D4C0-ED1F-4555-BBF0-AC30F242B945}" dt="2025-02-25T05:35:44.216" v="1083"/>
+          <ac:picMkLst>
+            <pc:docMk/>
+            <pc:sldMk cId="1076020459" sldId="740"/>
+            <ac:picMk id="5" creationId="{D41435E8-83BA-CBF4-A364-7EF11E464256}"/>
+          </ac:picMkLst>
+        </pc:picChg>
+        <pc:picChg chg="add del mod">
+          <ac:chgData name="宏傑 楊" userId="ee57404c450d34c3" providerId="LiveId" clId="{F788D4C0-ED1F-4555-BBF0-AC30F242B945}" dt="2025-02-25T07:35:55.110" v="1298" actId="478"/>
+          <ac:picMkLst>
+            <pc:docMk/>
+            <pc:sldMk cId="1076020459" sldId="740"/>
+            <ac:picMk id="6" creationId="{FC9058F7-7FB6-B8D9-82A9-6125AC1ECBC2}"/>
+          </ac:picMkLst>
+        </pc:picChg>
+        <pc:picChg chg="add del mod">
+          <ac:chgData name="宏傑 楊" userId="ee57404c450d34c3" providerId="LiveId" clId="{F788D4C0-ED1F-4555-BBF0-AC30F242B945}" dt="2025-02-25T07:38:39.251" v="1303" actId="478"/>
+          <ac:picMkLst>
+            <pc:docMk/>
+            <pc:sldMk cId="1076020459" sldId="740"/>
+            <ac:picMk id="7" creationId="{AF412D76-BF56-5272-AD8F-D53840B1DD96}"/>
+          </ac:picMkLst>
+        </pc:picChg>
+        <pc:picChg chg="add mod modCrop">
+          <ac:chgData name="宏傑 楊" userId="ee57404c450d34c3" providerId="LiveId" clId="{F788D4C0-ED1F-4555-BBF0-AC30F242B945}" dt="2025-02-25T07:36:16.419" v="1302" actId="1076"/>
+          <ac:picMkLst>
+            <pc:docMk/>
+            <pc:sldMk cId="1076020459" sldId="740"/>
+            <ac:picMk id="8" creationId="{E51B4932-4386-2C2E-3714-1B1197EDE4A2}"/>
+          </ac:picMkLst>
+        </pc:picChg>
+        <pc:picChg chg="add del mod">
+          <ac:chgData name="宏傑 楊" userId="ee57404c450d34c3" providerId="LiveId" clId="{F788D4C0-ED1F-4555-BBF0-AC30F242B945}" dt="2025-02-25T07:44:38.594" v="1321" actId="478"/>
+          <ac:picMkLst>
+            <pc:docMk/>
+            <pc:sldMk cId="1076020459" sldId="740"/>
+            <ac:picMk id="10" creationId="{82219BA5-6A7A-FDBE-43F6-18D4C2700641}"/>
+          </ac:picMkLst>
+        </pc:picChg>
+        <pc:picChg chg="add mod modCrop">
+          <ac:chgData name="宏傑 楊" userId="ee57404c450d34c3" providerId="LiveId" clId="{F788D4C0-ED1F-4555-BBF0-AC30F242B945}" dt="2025-02-25T07:45:47.388" v="1351" actId="1076"/>
+          <ac:picMkLst>
+            <pc:docMk/>
+            <pc:sldMk cId="1076020459" sldId="740"/>
+            <ac:picMk id="12" creationId="{49687CDB-D18B-A846-6094-71D665EB6875}"/>
+          </ac:picMkLst>
+        </pc:picChg>
+      </pc:sldChg>
+      <pc:sldChg chg="addSp modSp new mod">
+        <pc:chgData name="宏傑 楊" userId="ee57404c450d34c3" providerId="LiveId" clId="{F788D4C0-ED1F-4555-BBF0-AC30F242B945}" dt="2025-02-25T06:48:21.251" v="1277" actId="20577"/>
+        <pc:sldMkLst>
+          <pc:docMk/>
+          <pc:sldMk cId="3764088536" sldId="741"/>
+        </pc:sldMkLst>
+        <pc:spChg chg="mod">
+          <ac:chgData name="宏傑 楊" userId="ee57404c450d34c3" providerId="LiveId" clId="{F788D4C0-ED1F-4555-BBF0-AC30F242B945}" dt="2025-02-25T06:42:40.990" v="1236"/>
+          <ac:spMkLst>
+            <pc:docMk/>
+            <pc:sldMk cId="3764088536" sldId="741"/>
+            <ac:spMk id="2" creationId="{4E2A0817-CB9D-4C1D-9DBD-414C54B2E34E}"/>
+          </ac:spMkLst>
+        </pc:spChg>
+        <pc:spChg chg="mod">
+          <ac:chgData name="宏傑 楊" userId="ee57404c450d34c3" providerId="LiveId" clId="{F788D4C0-ED1F-4555-BBF0-AC30F242B945}" dt="2025-02-25T06:48:21.251" v="1277" actId="20577"/>
+          <ac:spMkLst>
+            <pc:docMk/>
+            <pc:sldMk cId="3764088536" sldId="741"/>
+            <ac:spMk id="3" creationId="{E4EA9397-5188-A102-BC8E-04FE4446795C}"/>
+          </ac:spMkLst>
+        </pc:spChg>
+        <pc:picChg chg="add mod">
+          <ac:chgData name="宏傑 楊" userId="ee57404c450d34c3" providerId="LiveId" clId="{F788D4C0-ED1F-4555-BBF0-AC30F242B945}" dt="2025-02-25T06:42:51.871" v="1243" actId="1076"/>
+          <ac:picMkLst>
+            <pc:docMk/>
+            <pc:sldMk cId="3764088536" sldId="741"/>
+            <ac:picMk id="5" creationId="{90C32DE7-8CFC-09B2-9701-62AEDFE0E76F}"/>
+          </ac:picMkLst>
+        </pc:picChg>
+        <pc:picChg chg="add mod">
+          <ac:chgData name="宏傑 楊" userId="ee57404c450d34c3" providerId="LiveId" clId="{F788D4C0-ED1F-4555-BBF0-AC30F242B945}" dt="2025-02-25T06:44:02.484" v="1258" actId="1076"/>
+          <ac:picMkLst>
+            <pc:docMk/>
+            <pc:sldMk cId="3764088536" sldId="741"/>
+            <ac:picMk id="6" creationId="{B68DB7A0-5024-2E27-496A-52F766B24FD1}"/>
+          </ac:picMkLst>
+        </pc:picChg>
+      </pc:sldChg>
+      <pc:sldChg chg="add">
+        <pc:chgData name="宏傑 楊" userId="ee57404c450d34c3" providerId="LiveId" clId="{F788D4C0-ED1F-4555-BBF0-AC30F242B945}" dt="2025-02-25T06:49:15.268" v="1278"/>
+        <pc:sldMkLst>
+          <pc:docMk/>
+          <pc:sldMk cId="3454420282" sldId="742"/>
+        </pc:sldMkLst>
+      </pc:sldChg>
+      <pc:sldChg chg="addSp delSp modSp new mod">
+        <pc:chgData name="宏傑 楊" userId="ee57404c450d34c3" providerId="LiveId" clId="{F788D4C0-ED1F-4555-BBF0-AC30F242B945}" dt="2025-02-25T07:48:49.787" v="1382" actId="20577"/>
+        <pc:sldMkLst>
+          <pc:docMk/>
+          <pc:sldMk cId="1355149490" sldId="743"/>
+        </pc:sldMkLst>
+        <pc:spChg chg="mod">
+          <ac:chgData name="宏傑 楊" userId="ee57404c450d34c3" providerId="LiveId" clId="{F788D4C0-ED1F-4555-BBF0-AC30F242B945}" dt="2025-02-25T07:39:12.821" v="1308"/>
+          <ac:spMkLst>
+            <pc:docMk/>
+            <pc:sldMk cId="1355149490" sldId="743"/>
+            <ac:spMk id="2" creationId="{E1292033-1A8B-BF11-C371-E0A2EDD9D1B0}"/>
+          </ac:spMkLst>
+        </pc:spChg>
+        <pc:spChg chg="del">
+          <ac:chgData name="宏傑 楊" userId="ee57404c450d34c3" providerId="LiveId" clId="{F788D4C0-ED1F-4555-BBF0-AC30F242B945}" dt="2025-02-25T07:41:56.925" v="1309" actId="22"/>
+          <ac:spMkLst>
+            <pc:docMk/>
+            <pc:sldMk cId="1355149490" sldId="743"/>
+            <ac:spMk id="3" creationId="{8924E9E9-6C87-EA08-5D25-CBDC573A8D2D}"/>
+          </ac:spMkLst>
+        </pc:spChg>
+        <pc:spChg chg="add mod">
+          <ac:chgData name="宏傑 楊" userId="ee57404c450d34c3" providerId="LiveId" clId="{F788D4C0-ED1F-4555-BBF0-AC30F242B945}" dt="2025-02-25T07:48:49.787" v="1382" actId="20577"/>
+          <ac:spMkLst>
+            <pc:docMk/>
+            <pc:sldMk cId="1355149490" sldId="743"/>
+            <ac:spMk id="8" creationId="{14571769-B0FD-33AD-5F03-97C52D6D9A1A}"/>
+          </ac:spMkLst>
+        </pc:spChg>
+        <pc:picChg chg="add del mod ord modCrop">
+          <ac:chgData name="宏傑 楊" userId="ee57404c450d34c3" providerId="LiveId" clId="{F788D4C0-ED1F-4555-BBF0-AC30F242B945}" dt="2025-02-25T07:42:05.479" v="1312" actId="21"/>
+          <ac:picMkLst>
+            <pc:docMk/>
+            <pc:sldMk cId="1355149490" sldId="743"/>
+            <ac:picMk id="6" creationId="{B55ECA92-D835-EE0F-E1AB-D0999459762C}"/>
+          </ac:picMkLst>
+        </pc:picChg>
+        <pc:picChg chg="add mod">
+          <ac:chgData name="宏傑 楊" userId="ee57404c450d34c3" providerId="LiveId" clId="{F788D4C0-ED1F-4555-BBF0-AC30F242B945}" dt="2025-02-25T07:42:26.210" v="1320" actId="1076"/>
+          <ac:picMkLst>
+            <pc:docMk/>
+            <pc:sldMk cId="1355149490" sldId="743"/>
+            <ac:picMk id="9" creationId="{B55ECA92-D835-EE0F-E1AB-D0999459762C}"/>
+          </ac:picMkLst>
+        </pc:picChg>
+      </pc:sldChg>
+      <pc:sldChg chg="addSp delSp modSp new mod">
+        <pc:chgData name="宏傑 楊" userId="ee57404c450d34c3" providerId="LiveId" clId="{F788D4C0-ED1F-4555-BBF0-AC30F242B945}" dt="2025-02-25T07:48:31.261" v="1364" actId="1076"/>
+        <pc:sldMkLst>
+          <pc:docMk/>
+          <pc:sldMk cId="3242046050" sldId="744"/>
+        </pc:sldMkLst>
+        <pc:spChg chg="mod">
+          <ac:chgData name="宏傑 楊" userId="ee57404c450d34c3" providerId="LiveId" clId="{F788D4C0-ED1F-4555-BBF0-AC30F242B945}" dt="2025-02-25T07:47:48.961" v="1356"/>
+          <ac:spMkLst>
+            <pc:docMk/>
+            <pc:sldMk cId="3242046050" sldId="744"/>
+            <ac:spMk id="2" creationId="{9C3178C6-9288-0781-8336-AF40E71AB571}"/>
+          </ac:spMkLst>
+        </pc:spChg>
+        <pc:spChg chg="mod">
+          <ac:chgData name="宏傑 楊" userId="ee57404c450d34c3" providerId="LiveId" clId="{F788D4C0-ED1F-4555-BBF0-AC30F242B945}" dt="2025-02-25T07:48:07.333" v="1357"/>
+          <ac:spMkLst>
+            <pc:docMk/>
+            <pc:sldMk cId="3242046050" sldId="744"/>
+            <ac:spMk id="3" creationId="{5FA68686-1996-50F0-C053-AE7829F90A77}"/>
+          </ac:spMkLst>
+        </pc:spChg>
+        <pc:picChg chg="add del mod">
+          <ac:chgData name="宏傑 楊" userId="ee57404c450d34c3" providerId="LiveId" clId="{F788D4C0-ED1F-4555-BBF0-AC30F242B945}" dt="2025-02-25T07:48:14.667" v="1360" actId="478"/>
+          <ac:picMkLst>
+            <pc:docMk/>
+            <pc:sldMk cId="3242046050" sldId="744"/>
+            <ac:picMk id="6" creationId="{977D68AE-ABDA-1C52-8F55-7AF5FD454391}"/>
+          </ac:picMkLst>
+        </pc:picChg>
+        <pc:picChg chg="add mod modCrop">
+          <ac:chgData name="宏傑 楊" userId="ee57404c450d34c3" providerId="LiveId" clId="{F788D4C0-ED1F-4555-BBF0-AC30F242B945}" dt="2025-02-25T07:48:31.261" v="1364" actId="1076"/>
+          <ac:picMkLst>
+            <pc:docMk/>
+            <pc:sldMk cId="3242046050" sldId="744"/>
+            <ac:picMk id="8" creationId="{72596AD1-3559-D20A-0EBB-59FC5776AD27}"/>
+          </ac:picMkLst>
+        </pc:picChg>
       </pc:sldChg>
     </pc:docChg>
   </pc:docChgLst>
@@ -374,22 +643,6 @@
           <pc:docMk/>
           <pc:sldMk cId="2309695194" sldId="664"/>
         </pc:sldMkLst>
-        <pc:spChg chg="mod">
-          <ac:chgData name="宏傑 楊" userId="ee57404c450d34c3" providerId="LiveId" clId="{9967441F-B3BD-47B1-9D39-D22AE5E0C8BC}" dt="2025-02-17T05:00:51.429" v="1121" actId="20577"/>
-          <ac:spMkLst>
-            <pc:docMk/>
-            <pc:sldMk cId="2309695194" sldId="664"/>
-            <ac:spMk id="3" creationId="{010C1B50-60C2-ED24-7953-AFAC684E2450}"/>
-          </ac:spMkLst>
-        </pc:spChg>
-        <pc:graphicFrameChg chg="add mod">
-          <ac:chgData name="宏傑 楊" userId="ee57404c450d34c3" providerId="LiveId" clId="{9967441F-B3BD-47B1-9D39-D22AE5E0C8BC}" dt="2025-02-17T03:18:12.033" v="972" actId="1076"/>
-          <ac:graphicFrameMkLst>
-            <pc:docMk/>
-            <pc:sldMk cId="2309695194" sldId="664"/>
-            <ac:graphicFrameMk id="5" creationId="{D7FAD2E2-B47D-D57F-7297-C44FFD9058FE}"/>
-          </ac:graphicFrameMkLst>
-        </pc:graphicFrameChg>
       </pc:sldChg>
       <pc:sldChg chg="ord">
         <pc:chgData name="宏傑 楊" userId="ee57404c450d34c3" providerId="LiveId" clId="{9967441F-B3BD-47B1-9D39-D22AE5E0C8BC}" dt="2025-02-17T03:23:59.091" v="1001"/>
@@ -404,14 +657,6 @@
           <pc:docMk/>
           <pc:sldMk cId="2160079817" sldId="671"/>
         </pc:sldMkLst>
-        <pc:spChg chg="mod">
-          <ac:chgData name="宏傑 楊" userId="ee57404c450d34c3" providerId="LiveId" clId="{9967441F-B3BD-47B1-9D39-D22AE5E0C8BC}" dt="2025-02-17T03:26:39.644" v="1072" actId="20577"/>
-          <ac:spMkLst>
-            <pc:docMk/>
-            <pc:sldMk cId="2160079817" sldId="671"/>
-            <ac:spMk id="3" creationId="{5827346C-6EFF-7872-3593-B8B5C46B39FD}"/>
-          </ac:spMkLst>
-        </pc:spChg>
       </pc:sldChg>
       <pc:sldChg chg="mod ord modShow">
         <pc:chgData name="宏傑 楊" userId="ee57404c450d34c3" providerId="LiveId" clId="{9967441F-B3BD-47B1-9D39-D22AE5E0C8BC}" dt="2025-02-18T06:34:44.337" v="1647" actId="729"/>
@@ -426,46 +671,6 @@
           <pc:docMk/>
           <pc:sldMk cId="1634068073" sldId="713"/>
         </pc:sldMkLst>
-        <pc:spChg chg="mod">
-          <ac:chgData name="宏傑 楊" userId="ee57404c450d34c3" providerId="LiveId" clId="{9967441F-B3BD-47B1-9D39-D22AE5E0C8BC}" dt="2025-02-17T01:40:47.255" v="41" actId="1076"/>
-          <ac:spMkLst>
-            <pc:docMk/>
-            <pc:sldMk cId="1634068073" sldId="713"/>
-            <ac:spMk id="3" creationId="{1B81ACB5-0BAE-1A10-ED10-D1562E25AC36}"/>
-          </ac:spMkLst>
-        </pc:spChg>
-        <pc:graphicFrameChg chg="del">
-          <ac:chgData name="宏傑 楊" userId="ee57404c450d34c3" providerId="LiveId" clId="{9967441F-B3BD-47B1-9D39-D22AE5E0C8BC}" dt="2025-02-17T01:40:04.381" v="30" actId="478"/>
-          <ac:graphicFrameMkLst>
-            <pc:docMk/>
-            <pc:sldMk cId="1634068073" sldId="713"/>
-            <ac:graphicFrameMk id="5" creationId="{FD730F78-5C96-87BE-EDE8-F3A90F116585}"/>
-          </ac:graphicFrameMkLst>
-        </pc:graphicFrameChg>
-        <pc:graphicFrameChg chg="add del mod">
-          <ac:chgData name="宏傑 楊" userId="ee57404c450d34c3" providerId="LiveId" clId="{9967441F-B3BD-47B1-9D39-D22AE5E0C8BC}" dt="2025-02-17T01:40:29.880" v="35" actId="478"/>
-          <ac:graphicFrameMkLst>
-            <pc:docMk/>
-            <pc:sldMk cId="1634068073" sldId="713"/>
-            <ac:graphicFrameMk id="6" creationId="{0FFB5489-48DC-F20B-C5D4-FB70BB594602}"/>
-          </ac:graphicFrameMkLst>
-        </pc:graphicFrameChg>
-        <pc:graphicFrameChg chg="mod">
-          <ac:chgData name="宏傑 楊" userId="ee57404c450d34c3" providerId="LiveId" clId="{9967441F-B3BD-47B1-9D39-D22AE5E0C8BC}" dt="2025-02-17T01:40:27.124" v="34" actId="1076"/>
-          <ac:graphicFrameMkLst>
-            <pc:docMk/>
-            <pc:sldMk cId="1634068073" sldId="713"/>
-            <ac:graphicFrameMk id="7" creationId="{1A59F851-5B18-554C-BEF2-CE37FD0FAE07}"/>
-          </ac:graphicFrameMkLst>
-        </pc:graphicFrameChg>
-        <pc:graphicFrameChg chg="add del mod">
-          <ac:chgData name="宏傑 楊" userId="ee57404c450d34c3" providerId="LiveId" clId="{9967441F-B3BD-47B1-9D39-D22AE5E0C8BC}" dt="2025-02-17T01:40:45.990" v="40" actId="478"/>
-          <ac:graphicFrameMkLst>
-            <pc:docMk/>
-            <pc:sldMk cId="1634068073" sldId="713"/>
-            <ac:graphicFrameMk id="8" creationId="{27CE0D30-D903-C18F-88CD-75C8A8C5C466}"/>
-          </ac:graphicFrameMkLst>
-        </pc:graphicFrameChg>
       </pc:sldChg>
       <pc:sldChg chg="modSp mod">
         <pc:chgData name="宏傑 楊" userId="ee57404c450d34c3" providerId="LiveId" clId="{9967441F-B3BD-47B1-9D39-D22AE5E0C8BC}" dt="2025-02-17T09:11:50.824" v="1400" actId="1076"/>
@@ -473,22 +678,6 @@
           <pc:docMk/>
           <pc:sldMk cId="3775253255" sldId="716"/>
         </pc:sldMkLst>
-        <pc:spChg chg="mod">
-          <ac:chgData name="宏傑 楊" userId="ee57404c450d34c3" providerId="LiveId" clId="{9967441F-B3BD-47B1-9D39-D22AE5E0C8BC}" dt="2025-02-17T09:11:43.416" v="1399" actId="20577"/>
-          <ac:spMkLst>
-            <pc:docMk/>
-            <pc:sldMk cId="3775253255" sldId="716"/>
-            <ac:spMk id="3" creationId="{58E83658-1D40-9FDE-5DE3-449E7C90EDE5}"/>
-          </ac:spMkLst>
-        </pc:spChg>
-        <pc:graphicFrameChg chg="mod modGraphic">
-          <ac:chgData name="宏傑 楊" userId="ee57404c450d34c3" providerId="LiveId" clId="{9967441F-B3BD-47B1-9D39-D22AE5E0C8BC}" dt="2025-02-17T09:11:50.824" v="1400" actId="1076"/>
-          <ac:graphicFrameMkLst>
-            <pc:docMk/>
-            <pc:sldMk cId="3775253255" sldId="716"/>
-            <ac:graphicFrameMk id="5" creationId="{EF4681D4-8C37-3DA8-4FDC-9F8ACCED9912}"/>
-          </ac:graphicFrameMkLst>
-        </pc:graphicFrameChg>
       </pc:sldChg>
       <pc:sldChg chg="modSp mod">
         <pc:chgData name="宏傑 楊" userId="ee57404c450d34c3" providerId="LiveId" clId="{9967441F-B3BD-47B1-9D39-D22AE5E0C8BC}" dt="2025-02-17T09:22:04.620" v="1415" actId="21"/>
@@ -496,22 +685,6 @@
           <pc:docMk/>
           <pc:sldMk cId="93890138" sldId="722"/>
         </pc:sldMkLst>
-        <pc:spChg chg="mod">
-          <ac:chgData name="宏傑 楊" userId="ee57404c450d34c3" providerId="LiveId" clId="{9967441F-B3BD-47B1-9D39-D22AE5E0C8BC}" dt="2025-02-17T09:22:04.620" v="1415" actId="21"/>
-          <ac:spMkLst>
-            <pc:docMk/>
-            <pc:sldMk cId="93890138" sldId="722"/>
-            <ac:spMk id="3" creationId="{408E6625-9A50-0717-6351-86641CB51C47}"/>
-          </ac:spMkLst>
-        </pc:spChg>
-        <pc:graphicFrameChg chg="mod">
-          <ac:chgData name="宏傑 楊" userId="ee57404c450d34c3" providerId="LiveId" clId="{9967441F-B3BD-47B1-9D39-D22AE5E0C8BC}" dt="2025-02-17T02:28:29.204" v="105" actId="1076"/>
-          <ac:graphicFrameMkLst>
-            <pc:docMk/>
-            <pc:sldMk cId="93890138" sldId="722"/>
-            <ac:graphicFrameMk id="5" creationId="{2A75371B-0E80-453F-7852-BFD61F91A7B4}"/>
-          </ac:graphicFrameMkLst>
-        </pc:graphicFrameChg>
       </pc:sldChg>
       <pc:sldChg chg="new del">
         <pc:chgData name="宏傑 楊" userId="ee57404c450d34c3" providerId="LiveId" clId="{9967441F-B3BD-47B1-9D39-D22AE5E0C8BC}" dt="2025-02-17T01:38:38.819" v="2" actId="47"/>
@@ -526,38 +699,6 @@
           <pc:docMk/>
           <pc:sldMk cId="2035226247" sldId="724"/>
         </pc:sldMkLst>
-        <pc:spChg chg="mod">
-          <ac:chgData name="宏傑 楊" userId="ee57404c450d34c3" providerId="LiveId" clId="{9967441F-B3BD-47B1-9D39-D22AE5E0C8BC}" dt="2025-02-17T13:57:41.643" v="1509" actId="20577"/>
-          <ac:spMkLst>
-            <pc:docMk/>
-            <pc:sldMk cId="2035226247" sldId="724"/>
-            <ac:spMk id="3" creationId="{28A1551C-800B-251E-BAF2-DDC3344CA151}"/>
-          </ac:spMkLst>
-        </pc:spChg>
-        <pc:graphicFrameChg chg="mod">
-          <ac:chgData name="宏傑 楊" userId="ee57404c450d34c3" providerId="LiveId" clId="{9967441F-B3BD-47B1-9D39-D22AE5E0C8BC}" dt="2025-02-17T01:41:33.245" v="45" actId="1076"/>
-          <ac:graphicFrameMkLst>
-            <pc:docMk/>
-            <pc:sldMk cId="2035226247" sldId="724"/>
-            <ac:graphicFrameMk id="5" creationId="{3670F8DC-6A4D-40E2-688F-17FA76521963}"/>
-          </ac:graphicFrameMkLst>
-        </pc:graphicFrameChg>
-        <pc:graphicFrameChg chg="add del mod">
-          <ac:chgData name="宏傑 楊" userId="ee57404c450d34c3" providerId="LiveId" clId="{9967441F-B3BD-47B1-9D39-D22AE5E0C8BC}" dt="2025-02-17T01:41:35.943" v="46" actId="478"/>
-          <ac:graphicFrameMkLst>
-            <pc:docMk/>
-            <pc:sldMk cId="2035226247" sldId="724"/>
-            <ac:graphicFrameMk id="6" creationId="{F895E10E-0C3D-18B9-4DC9-D9970C911F4E}"/>
-          </ac:graphicFrameMkLst>
-        </pc:graphicFrameChg>
-        <pc:graphicFrameChg chg="del">
-          <ac:chgData name="宏傑 楊" userId="ee57404c450d34c3" providerId="LiveId" clId="{9967441F-B3BD-47B1-9D39-D22AE5E0C8BC}" dt="2025-02-17T01:38:52.895" v="5" actId="478"/>
-          <ac:graphicFrameMkLst>
-            <pc:docMk/>
-            <pc:sldMk cId="2035226247" sldId="724"/>
-            <ac:graphicFrameMk id="7" creationId="{851902D9-66B3-E98B-13E5-405B78EAA313}"/>
-          </ac:graphicFrameMkLst>
-        </pc:graphicFrameChg>
       </pc:sldChg>
       <pc:sldChg chg="addSp delSp modSp new del mod">
         <pc:chgData name="宏傑 楊" userId="ee57404c450d34c3" providerId="LiveId" clId="{9967441F-B3BD-47B1-9D39-D22AE5E0C8BC}" dt="2025-02-17T03:18:13.697" v="973" actId="47"/>
@@ -565,62 +706,6 @@
           <pc:docMk/>
           <pc:sldMk cId="3461883302" sldId="725"/>
         </pc:sldMkLst>
-        <pc:spChg chg="mod">
-          <ac:chgData name="宏傑 楊" userId="ee57404c450d34c3" providerId="LiveId" clId="{9967441F-B3BD-47B1-9D39-D22AE5E0C8BC}" dt="2025-02-17T02:32:59.663" v="158" actId="20577"/>
-          <ac:spMkLst>
-            <pc:docMk/>
-            <pc:sldMk cId="3461883302" sldId="725"/>
-            <ac:spMk id="2" creationId="{478D85E6-2554-B6D4-EE37-F0E3EDF42245}"/>
-          </ac:spMkLst>
-        </pc:spChg>
-        <pc:spChg chg="mod">
-          <ac:chgData name="宏傑 楊" userId="ee57404c450d34c3" providerId="LiveId" clId="{9967441F-B3BD-47B1-9D39-D22AE5E0C8BC}" dt="2025-02-17T03:06:17.853" v="672" actId="20577"/>
-          <ac:spMkLst>
-            <pc:docMk/>
-            <pc:sldMk cId="3461883302" sldId="725"/>
-            <ac:spMk id="3" creationId="{19EA2B6E-98AB-C65D-BC5A-A26A20883991}"/>
-          </ac:spMkLst>
-        </pc:spChg>
-        <pc:graphicFrameChg chg="add mod modGraphic">
-          <ac:chgData name="宏傑 楊" userId="ee57404c450d34c3" providerId="LiveId" clId="{9967441F-B3BD-47B1-9D39-D22AE5E0C8BC}" dt="2025-02-17T03:06:08.383" v="671" actId="1076"/>
-          <ac:graphicFrameMkLst>
-            <pc:docMk/>
-            <pc:sldMk cId="3461883302" sldId="725"/>
-            <ac:graphicFrameMk id="5" creationId="{74BD8B93-44E8-33D0-5BD6-42E33A33A7E2}"/>
-          </ac:graphicFrameMkLst>
-        </pc:graphicFrameChg>
-        <pc:graphicFrameChg chg="add del mod">
-          <ac:chgData name="宏傑 楊" userId="ee57404c450d34c3" providerId="LiveId" clId="{9967441F-B3BD-47B1-9D39-D22AE5E0C8BC}" dt="2025-02-17T03:05:54.253" v="670" actId="478"/>
-          <ac:graphicFrameMkLst>
-            <pc:docMk/>
-            <pc:sldMk cId="3461883302" sldId="725"/>
-            <ac:graphicFrameMk id="8" creationId="{9C06A600-B133-5D22-6BB9-D37082D4B247}"/>
-          </ac:graphicFrameMkLst>
-        </pc:graphicFrameChg>
-        <pc:graphicFrameChg chg="add del mod modGraphic">
-          <ac:chgData name="宏傑 楊" userId="ee57404c450d34c3" providerId="LiveId" clId="{9967441F-B3BD-47B1-9D39-D22AE5E0C8BC}" dt="2025-02-17T03:05:54.253" v="670" actId="478"/>
-          <ac:graphicFrameMkLst>
-            <pc:docMk/>
-            <pc:sldMk cId="3461883302" sldId="725"/>
-            <ac:graphicFrameMk id="9" creationId="{16A0718A-2781-5ED3-CA3B-42EA99BA06CD}"/>
-          </ac:graphicFrameMkLst>
-        </pc:graphicFrameChg>
-        <pc:graphicFrameChg chg="add mod">
-          <ac:chgData name="宏傑 楊" userId="ee57404c450d34c3" providerId="LiveId" clId="{9967441F-B3BD-47B1-9D39-D22AE5E0C8BC}" dt="2025-02-17T03:07:12.796" v="673"/>
-          <ac:graphicFrameMkLst>
-            <pc:docMk/>
-            <pc:sldMk cId="3461883302" sldId="725"/>
-            <ac:graphicFrameMk id="10" creationId="{7B23C21C-89F2-B0DB-FD33-6A2C4ACDDCFC}"/>
-          </ac:graphicFrameMkLst>
-        </pc:graphicFrameChg>
-        <pc:picChg chg="add del mod">
-          <ac:chgData name="宏傑 楊" userId="ee57404c450d34c3" providerId="LiveId" clId="{9967441F-B3BD-47B1-9D39-D22AE5E0C8BC}" dt="2025-02-17T03:00:42.124" v="581" actId="478"/>
-          <ac:picMkLst>
-            <pc:docMk/>
-            <pc:sldMk cId="3461883302" sldId="725"/>
-            <ac:picMk id="7" creationId="{5A2F49D1-AE89-6501-D093-EFB95878C91F}"/>
-          </ac:picMkLst>
-        </pc:picChg>
       </pc:sldChg>
       <pc:sldChg chg="addSp delSp modSp add mod ord">
         <pc:chgData name="宏傑 楊" userId="ee57404c450d34c3" providerId="LiveId" clId="{9967441F-B3BD-47B1-9D39-D22AE5E0C8BC}" dt="2025-02-17T09:14:46.401" v="1414" actId="20577"/>
@@ -628,38 +713,6 @@
           <pc:docMk/>
           <pc:sldMk cId="1036148628" sldId="726"/>
         </pc:sldMkLst>
-        <pc:spChg chg="mod">
-          <ac:chgData name="宏傑 楊" userId="ee57404c450d34c3" providerId="LiveId" clId="{9967441F-B3BD-47B1-9D39-D22AE5E0C8BC}" dt="2025-02-17T09:14:20.717" v="1404" actId="207"/>
-          <ac:spMkLst>
-            <pc:docMk/>
-            <pc:sldMk cId="1036148628" sldId="726"/>
-            <ac:spMk id="2" creationId="{EFA14821-FEC3-2733-C1DD-C31A51473297}"/>
-          </ac:spMkLst>
-        </pc:spChg>
-        <pc:spChg chg="mod">
-          <ac:chgData name="宏傑 楊" userId="ee57404c450d34c3" providerId="LiveId" clId="{9967441F-B3BD-47B1-9D39-D22AE5E0C8BC}" dt="2025-02-17T09:14:46.401" v="1414" actId="20577"/>
-          <ac:spMkLst>
-            <pc:docMk/>
-            <pc:sldMk cId="1036148628" sldId="726"/>
-            <ac:spMk id="3" creationId="{EF91E016-E194-F5A5-6772-C95C48507609}"/>
-          </ac:spMkLst>
-        </pc:spChg>
-        <pc:graphicFrameChg chg="del">
-          <ac:chgData name="宏傑 楊" userId="ee57404c450d34c3" providerId="LiveId" clId="{9967441F-B3BD-47B1-9D39-D22AE5E0C8BC}" dt="2025-02-17T03:07:19.616" v="675" actId="478"/>
-          <ac:graphicFrameMkLst>
-            <pc:docMk/>
-            <pc:sldMk cId="1036148628" sldId="726"/>
-            <ac:graphicFrameMk id="5" creationId="{63AE332F-3367-756A-1723-2A4DE1228EA1}"/>
-          </ac:graphicFrameMkLst>
-        </pc:graphicFrameChg>
-        <pc:graphicFrameChg chg="add mod modGraphic">
-          <ac:chgData name="宏傑 楊" userId="ee57404c450d34c3" providerId="LiveId" clId="{9967441F-B3BD-47B1-9D39-D22AE5E0C8BC}" dt="2025-02-17T03:13:43.752" v="927" actId="1076"/>
-          <ac:graphicFrameMkLst>
-            <pc:docMk/>
-            <pc:sldMk cId="1036148628" sldId="726"/>
-            <ac:graphicFrameMk id="6" creationId="{BDEF19AF-9D6A-8F80-5E8D-D36D444FAB00}"/>
-          </ac:graphicFrameMkLst>
-        </pc:graphicFrameChg>
       </pc:sldChg>
       <pc:sldChg chg="modSp new mod">
         <pc:chgData name="宏傑 楊" userId="ee57404c450d34c3" providerId="LiveId" clId="{9967441F-B3BD-47B1-9D39-D22AE5E0C8BC}" dt="2025-02-17T14:06:21.320" v="1589" actId="20577"/>
@@ -667,22 +720,6 @@
           <pc:docMk/>
           <pc:sldMk cId="794539410" sldId="727"/>
         </pc:sldMkLst>
-        <pc:spChg chg="mod">
-          <ac:chgData name="宏傑 楊" userId="ee57404c450d34c3" providerId="LiveId" clId="{9967441F-B3BD-47B1-9D39-D22AE5E0C8BC}" dt="2025-02-17T09:22:24.752" v="1418"/>
-          <ac:spMkLst>
-            <pc:docMk/>
-            <pc:sldMk cId="794539410" sldId="727"/>
-            <ac:spMk id="2" creationId="{268600E0-D3D5-978E-19EB-73F688C38F62}"/>
-          </ac:spMkLst>
-        </pc:spChg>
-        <pc:spChg chg="mod">
-          <ac:chgData name="宏傑 楊" userId="ee57404c450d34c3" providerId="LiveId" clId="{9967441F-B3BD-47B1-9D39-D22AE5E0C8BC}" dt="2025-02-17T14:06:21.320" v="1589" actId="20577"/>
-          <ac:spMkLst>
-            <pc:docMk/>
-            <pc:sldMk cId="794539410" sldId="727"/>
-            <ac:spMk id="3" creationId="{B087B53C-B563-928A-3424-94E39F7DCFE8}"/>
-          </ac:spMkLst>
-        </pc:spChg>
       </pc:sldChg>
       <pc:sldChg chg="new del">
         <pc:chgData name="宏傑 楊" userId="ee57404c450d34c3" providerId="LiveId" clId="{9967441F-B3BD-47B1-9D39-D22AE5E0C8BC}" dt="2025-02-17T03:23:35.710" v="999" actId="47"/>
@@ -697,14 +734,6 @@
           <pc:docMk/>
           <pc:sldMk cId="1453969740" sldId="727"/>
         </pc:sldMkLst>
-        <pc:spChg chg="mod">
-          <ac:chgData name="宏傑 楊" userId="ee57404c450d34c3" providerId="LiveId" clId="{9967441F-B3BD-47B1-9D39-D22AE5E0C8BC}" dt="2025-02-17T03:21:49.489" v="996" actId="20577"/>
-          <ac:spMkLst>
-            <pc:docMk/>
-            <pc:sldMk cId="1453969740" sldId="727"/>
-            <ac:spMk id="2" creationId="{D0DEC2A0-C3C7-9341-7324-C33BF38CE68E}"/>
-          </ac:spMkLst>
-        </pc:spChg>
       </pc:sldChg>
       <pc:sldChg chg="modSp new del mod">
         <pc:chgData name="宏傑 楊" userId="ee57404c450d34c3" providerId="LiveId" clId="{9967441F-B3BD-47B1-9D39-D22AE5E0C8BC}" dt="2025-02-17T08:58:03.470" v="1366" actId="47"/>
@@ -712,14 +741,6 @@
           <pc:docMk/>
           <pc:sldMk cId="2403320767" sldId="727"/>
         </pc:sldMkLst>
-        <pc:spChg chg="mod">
-          <ac:chgData name="宏傑 楊" userId="ee57404c450d34c3" providerId="LiveId" clId="{9967441F-B3BD-47B1-9D39-D22AE5E0C8BC}" dt="2025-02-17T06:30:28.260" v="1122"/>
-          <ac:spMkLst>
-            <pc:docMk/>
-            <pc:sldMk cId="2403320767" sldId="727"/>
-            <ac:spMk id="2" creationId="{95150BCE-2C2C-6B50-7DA6-B12C2E871AD8}"/>
-          </ac:spMkLst>
-        </pc:spChg>
       </pc:sldChg>
       <pc:sldChg chg="add del">
         <pc:chgData name="宏傑 楊" userId="ee57404c450d34c3" providerId="LiveId" clId="{9967441F-B3BD-47B1-9D39-D22AE5E0C8BC}" dt="2025-02-17T03:07:23.466" v="677"/>
@@ -734,54 +755,6 @@
           <pc:docMk/>
           <pc:sldMk cId="971628583" sldId="728"/>
         </pc:sldMkLst>
-        <pc:spChg chg="del">
-          <ac:chgData name="宏傑 楊" userId="ee57404c450d34c3" providerId="LiveId" clId="{9967441F-B3BD-47B1-9D39-D22AE5E0C8BC}" dt="2025-02-17T09:33:52.846" v="1493" actId="22"/>
-          <ac:spMkLst>
-            <pc:docMk/>
-            <pc:sldMk cId="971628583" sldId="728"/>
-            <ac:spMk id="3" creationId="{570B317E-6682-33E2-13D7-C1CA910D2EEE}"/>
-          </ac:spMkLst>
-        </pc:spChg>
-        <pc:spChg chg="add del mod">
-          <ac:chgData name="宏傑 楊" userId="ee57404c450d34c3" providerId="LiveId" clId="{9967441F-B3BD-47B1-9D39-D22AE5E0C8BC}" dt="2025-02-17T09:35:33.688" v="1500" actId="22"/>
-          <ac:spMkLst>
-            <pc:docMk/>
-            <pc:sldMk cId="971628583" sldId="728"/>
-            <ac:spMk id="10" creationId="{1411E141-F115-6094-DD38-42C1FCAF9A3E}"/>
-          </ac:spMkLst>
-        </pc:spChg>
-        <pc:picChg chg="add del">
-          <ac:chgData name="宏傑 楊" userId="ee57404c450d34c3" providerId="LiveId" clId="{9967441F-B3BD-47B1-9D39-D22AE5E0C8BC}" dt="2025-02-17T09:33:52.314" v="1492" actId="22"/>
-          <ac:picMkLst>
-            <pc:docMk/>
-            <pc:sldMk cId="971628583" sldId="728"/>
-            <ac:picMk id="6" creationId="{22FDF554-4E31-BE1C-3862-B12008081D53}"/>
-          </ac:picMkLst>
-        </pc:picChg>
-        <pc:picChg chg="add del mod ord">
-          <ac:chgData name="宏傑 楊" userId="ee57404c450d34c3" providerId="LiveId" clId="{9967441F-B3BD-47B1-9D39-D22AE5E0C8BC}" dt="2025-02-17T09:35:30.752" v="1497" actId="478"/>
-          <ac:picMkLst>
-            <pc:docMk/>
-            <pc:sldMk cId="971628583" sldId="728"/>
-            <ac:picMk id="8" creationId="{6206F6D4-582F-F866-5529-B57EDEFB6B22}"/>
-          </ac:picMkLst>
-        </pc:picChg>
-        <pc:picChg chg="add del">
-          <ac:chgData name="宏傑 楊" userId="ee57404c450d34c3" providerId="LiveId" clId="{9967441F-B3BD-47B1-9D39-D22AE5E0C8BC}" dt="2025-02-17T09:35:32.139" v="1499" actId="22"/>
-          <ac:picMkLst>
-            <pc:docMk/>
-            <pc:sldMk cId="971628583" sldId="728"/>
-            <ac:picMk id="12" creationId="{5E05D409-A07E-F362-A998-76964D1EC575}"/>
-          </ac:picMkLst>
-        </pc:picChg>
-        <pc:picChg chg="add mod ord">
-          <ac:chgData name="宏傑 楊" userId="ee57404c450d34c3" providerId="LiveId" clId="{9967441F-B3BD-47B1-9D39-D22AE5E0C8BC}" dt="2025-02-17T09:35:35.482" v="1501" actId="14100"/>
-          <ac:picMkLst>
-            <pc:docMk/>
-            <pc:sldMk cId="971628583" sldId="728"/>
-            <ac:picMk id="14" creationId="{AA5ABDD8-8955-31E7-ACB3-0F74FBC2B6DD}"/>
-          </ac:picMkLst>
-        </pc:picChg>
       </pc:sldChg>
       <pc:sldChg chg="modSp new mod ord modShow">
         <pc:chgData name="宏傑 楊" userId="ee57404c450d34c3" providerId="LiveId" clId="{9967441F-B3BD-47B1-9D39-D22AE5E0C8BC}" dt="2025-02-17T17:43:40.535" v="1644" actId="729"/>
@@ -789,22 +762,6 @@
           <pc:docMk/>
           <pc:sldMk cId="4095993211" sldId="729"/>
         </pc:sldMkLst>
-        <pc:spChg chg="mod">
-          <ac:chgData name="宏傑 楊" userId="ee57404c450d34c3" providerId="LiveId" clId="{9967441F-B3BD-47B1-9D39-D22AE5E0C8BC}" dt="2025-02-17T14:09:22.408" v="1596"/>
-          <ac:spMkLst>
-            <pc:docMk/>
-            <pc:sldMk cId="4095993211" sldId="729"/>
-            <ac:spMk id="2" creationId="{A6446883-F933-28C5-45E9-613FE18C54DA}"/>
-          </ac:spMkLst>
-        </pc:spChg>
-        <pc:spChg chg="mod">
-          <ac:chgData name="宏傑 楊" userId="ee57404c450d34c3" providerId="LiveId" clId="{9967441F-B3BD-47B1-9D39-D22AE5E0C8BC}" dt="2025-02-17T14:13:50.058" v="1640" actId="15"/>
-          <ac:spMkLst>
-            <pc:docMk/>
-            <pc:sldMk cId="4095993211" sldId="729"/>
-            <ac:spMk id="3" creationId="{64027999-A5E1-F001-3FA0-DB11661ECC19}"/>
-          </ac:spMkLst>
-        </pc:spChg>
       </pc:sldChg>
       <pc:sldChg chg="addSp delSp modSp new mod modShow">
         <pc:chgData name="宏傑 楊" userId="ee57404c450d34c3" providerId="LiveId" clId="{9967441F-B3BD-47B1-9D39-D22AE5E0C8BC}" dt="2025-02-18T06:36:06.031" v="1651" actId="729"/>
@@ -812,22 +769,6 @@
           <pc:docMk/>
           <pc:sldMk cId="2086363690" sldId="730"/>
         </pc:sldMkLst>
-        <pc:spChg chg="del">
-          <ac:chgData name="宏傑 楊" userId="ee57404c450d34c3" providerId="LiveId" clId="{9967441F-B3BD-47B1-9D39-D22AE5E0C8BC}" dt="2025-02-18T06:35:26.774" v="1649" actId="22"/>
-          <ac:spMkLst>
-            <pc:docMk/>
-            <pc:sldMk cId="2086363690" sldId="730"/>
-            <ac:spMk id="3" creationId="{68AEB7C8-4A4E-7F3A-CF11-3BD2E90AE768}"/>
-          </ac:spMkLst>
-        </pc:spChg>
-        <pc:picChg chg="add mod ord">
-          <ac:chgData name="宏傑 楊" userId="ee57404c450d34c3" providerId="LiveId" clId="{9967441F-B3BD-47B1-9D39-D22AE5E0C8BC}" dt="2025-02-18T06:35:27.894" v="1650" actId="14100"/>
-          <ac:picMkLst>
-            <pc:docMk/>
-            <pc:sldMk cId="2086363690" sldId="730"/>
-            <ac:picMk id="6" creationId="{90468970-10C6-BC0D-4A7B-98D6FBF9706F}"/>
-          </ac:picMkLst>
-        </pc:picChg>
       </pc:sldChg>
     </pc:docChg>
   </pc:docChgLst>
@@ -916,7 +857,7 @@
           <a:p>
             <a:fld id="{236E2DC6-5F02-4BAC-8FEE-35E3F54D4DA8}" type="datetimeFigureOut">
               <a:rPr lang="zh-TW" altLang="en-US" smtClean="0"/>
-              <a:t>2025/2/18</a:t>
+              <a:t>2025/2/25</a:t>
             </a:fld>
             <a:endParaRPr lang="zh-TW" altLang="en-US"/>
           </a:p>
@@ -1260,7 +1201,7 @@
                 <a:latin typeface="Times New Roman" pitchFamily="18" charset="0"/>
               </a:rPr>
               <a:pPr/>
-              <a:t>February 18, 2025</a:t>
+              <a:t>February 25, 2025</a:t>
             </a:fld>
             <a:endParaRPr lang="en-US" altLang="zh-TW">
               <a:latin typeface="Times New Roman" pitchFamily="18" charset="0"/>
@@ -2892,6 +2833,908 @@
 </p:sld>
 </file>
 
+<file path=ppt/slides/slide10.xml><?xml version="1.0" encoding="utf-8"?>
+<p:sld xmlns:a="http://schemas.openxmlformats.org/drawingml/2006/main" xmlns:r="http://schemas.openxmlformats.org/officeDocument/2006/relationships" xmlns:p="http://schemas.openxmlformats.org/presentationml/2006/main">
+  <p:cSld>
+    <p:spTree>
+      <p:nvGrpSpPr>
+        <p:cNvPr id="1" name=""/>
+        <p:cNvGrpSpPr/>
+        <p:nvPr/>
+      </p:nvGrpSpPr>
+      <p:grpSpPr>
+        <a:xfrm>
+          <a:off x="0" y="0"/>
+          <a:ext cx="0" cy="0"/>
+          <a:chOff x="0" y="0"/>
+          <a:chExt cx="0" cy="0"/>
+        </a:xfrm>
+      </p:grpSpPr>
+      <p:sp>
+        <p:nvSpPr>
+          <p:cNvPr id="2" name="標題 1">
+            <a:extLst>
+              <a:ext uri="{FF2B5EF4-FFF2-40B4-BE49-F238E27FC236}">
+                <a16:creationId xmlns:a16="http://schemas.microsoft.com/office/drawing/2014/main" id="{2EB7B835-E899-B7BA-2DDF-A787679811BD}"/>
+              </a:ext>
+            </a:extLst>
+          </p:cNvPr>
+          <p:cNvSpPr>
+            <a:spLocks noGrp="1"/>
+          </p:cNvSpPr>
+          <p:nvPr>
+            <p:ph type="title"/>
+          </p:nvPr>
+        </p:nvSpPr>
+        <p:spPr/>
+        <p:txBody>
+          <a:bodyPr/>
+          <a:lstStyle/>
+          <a:p>
+            <a:r>
+              <a:rPr lang="en-US" altLang="zh-TW" dirty="0">
+                <a:solidFill>
+                  <a:srgbClr val="FF0000"/>
+                </a:solidFill>
+              </a:rPr>
+              <a:t>Exercise:</a:t>
+            </a:r>
+            <a:r>
+              <a:rPr lang="zh-TW" altLang="en-US" dirty="0">
+                <a:solidFill>
+                  <a:srgbClr val="FF0000"/>
+                </a:solidFill>
+              </a:rPr>
+              <a:t> </a:t>
+            </a:r>
+            <a:r>
+              <a:rPr lang="en-US" altLang="zh-TW" dirty="0">
+                <a:solidFill>
+                  <a:srgbClr val="FF0000"/>
+                </a:solidFill>
+              </a:rPr>
+              <a:t>Traveling Salesman Problem</a:t>
+            </a:r>
+            <a:endParaRPr lang="zh-TW" altLang="en-US" dirty="0"/>
+          </a:p>
+        </p:txBody>
+      </p:sp>
+      <p:sp>
+        <p:nvSpPr>
+          <p:cNvPr id="3" name="內容版面配置區 2">
+            <a:extLst>
+              <a:ext uri="{FF2B5EF4-FFF2-40B4-BE49-F238E27FC236}">
+                <a16:creationId xmlns:a16="http://schemas.microsoft.com/office/drawing/2014/main" id="{D956ADEA-F96D-5B52-6FAD-A44CAAF1F784}"/>
+              </a:ext>
+            </a:extLst>
+          </p:cNvPr>
+          <p:cNvSpPr>
+            <a:spLocks noGrp="1"/>
+          </p:cNvSpPr>
+          <p:nvPr>
+            <p:ph idx="1"/>
+          </p:nvPr>
+        </p:nvSpPr>
+        <p:spPr/>
+        <p:txBody>
+          <a:bodyPr/>
+          <a:lstStyle/>
+          <a:p>
+            <a:r>
+              <a:rPr lang="en-US" altLang="zh-TW" dirty="0"/>
+              <a:t>Compare the differences between these two algorithms</a:t>
+            </a:r>
+          </a:p>
+          <a:p>
+            <a:pPr lvl="1"/>
+            <a:r>
+              <a:rPr lang="en-US" altLang="zh-TW" dirty="0">
+                <a:solidFill>
+                  <a:srgbClr val="FF0000"/>
+                </a:solidFill>
+              </a:rPr>
+              <a:t>Dynamic Programming </a:t>
+            </a:r>
+          </a:p>
+          <a:p>
+            <a:pPr lvl="2"/>
+            <a:r>
+              <a:rPr lang="en-US" altLang="zh-TW" dirty="0">
+                <a:solidFill>
+                  <a:srgbClr val="FF0000"/>
+                </a:solidFill>
+              </a:rPr>
+              <a:t>Exact Algorithm</a:t>
+            </a:r>
+          </a:p>
+          <a:p>
+            <a:pPr lvl="2"/>
+            <a:r>
+              <a:rPr lang="en-US" altLang="zh-TW" dirty="0">
+                <a:solidFill>
+                  <a:srgbClr val="FF0000"/>
+                </a:solidFill>
+              </a:rPr>
+              <a:t>Guarantees an optimal solution</a:t>
+            </a:r>
+          </a:p>
+          <a:p>
+            <a:pPr lvl="2"/>
+            <a:r>
+              <a:rPr lang="en-US" altLang="zh-TW" dirty="0">
+                <a:solidFill>
+                  <a:srgbClr val="FF0000"/>
+                </a:solidFill>
+              </a:rPr>
+              <a:t>Inefficient for large problems due to exponential complexity</a:t>
+            </a:r>
+          </a:p>
+          <a:p>
+            <a:pPr lvl="2"/>
+            <a:r>
+              <a:rPr lang="en-US" altLang="zh-TW" dirty="0">
+                <a:solidFill>
+                  <a:srgbClr val="FF0000"/>
+                </a:solidFill>
+              </a:rPr>
+              <a:t>Typically used for problems with overlapping subproblems</a:t>
+            </a:r>
+          </a:p>
+          <a:p>
+            <a:pPr lvl="2"/>
+            <a:endParaRPr lang="en-US" altLang="zh-TW" dirty="0">
+              <a:solidFill>
+                <a:srgbClr val="FF0000"/>
+              </a:solidFill>
+            </a:endParaRPr>
+          </a:p>
+          <a:p>
+            <a:pPr lvl="1"/>
+            <a:r>
+              <a:rPr lang="en-US" altLang="zh-TW" dirty="0">
+                <a:solidFill>
+                  <a:srgbClr val="FF0000"/>
+                </a:solidFill>
+              </a:rPr>
+              <a:t>Ant Colony Optimization </a:t>
+            </a:r>
+          </a:p>
+          <a:p>
+            <a:pPr lvl="2"/>
+            <a:r>
+              <a:rPr lang="en-US" altLang="zh-TW" dirty="0">
+                <a:solidFill>
+                  <a:srgbClr val="FF0000"/>
+                </a:solidFill>
+              </a:rPr>
+              <a:t>Heuristic Algorithm</a:t>
+            </a:r>
+          </a:p>
+          <a:p>
+            <a:pPr lvl="2"/>
+            <a:r>
+              <a:rPr lang="en-US" altLang="zh-TW" dirty="0">
+                <a:solidFill>
+                  <a:srgbClr val="FF0000"/>
+                </a:solidFill>
+              </a:rPr>
+              <a:t>Finds a good solution, but not guarantee to be optimal</a:t>
+            </a:r>
+          </a:p>
+          <a:p>
+            <a:pPr lvl="2"/>
+            <a:r>
+              <a:rPr lang="en-US" altLang="zh-TW" dirty="0">
+                <a:solidFill>
+                  <a:srgbClr val="FF0000"/>
+                </a:solidFill>
+              </a:rPr>
+              <a:t>Performs better for large, complex problems</a:t>
+            </a:r>
+          </a:p>
+          <a:p>
+            <a:pPr lvl="2"/>
+            <a:r>
+              <a:rPr lang="en-US" altLang="zh-TW" dirty="0">
+                <a:solidFill>
+                  <a:srgbClr val="FF0000"/>
+                </a:solidFill>
+              </a:rPr>
+              <a:t>Suitable for complex optimization problems</a:t>
+            </a:r>
+            <a:endParaRPr lang="zh-TW" altLang="en-US" dirty="0">
+              <a:solidFill>
+                <a:srgbClr val="FF0000"/>
+              </a:solidFill>
+            </a:endParaRPr>
+          </a:p>
+          <a:p>
+            <a:endParaRPr lang="zh-TW" altLang="en-US" dirty="0"/>
+          </a:p>
+        </p:txBody>
+      </p:sp>
+      <p:sp>
+        <p:nvSpPr>
+          <p:cNvPr id="4" name="投影片編號版面配置區 3">
+            <a:extLst>
+              <a:ext uri="{FF2B5EF4-FFF2-40B4-BE49-F238E27FC236}">
+                <a16:creationId xmlns:a16="http://schemas.microsoft.com/office/drawing/2014/main" id="{D7C6B613-49F0-6F76-00F0-6D1D413CDD34}"/>
+              </a:ext>
+            </a:extLst>
+          </p:cNvPr>
+          <p:cNvSpPr>
+            <a:spLocks noGrp="1"/>
+          </p:cNvSpPr>
+          <p:nvPr>
+            <p:ph type="sldNum" sz="quarter" idx="12"/>
+          </p:nvPr>
+        </p:nvSpPr>
+        <p:spPr/>
+        <p:txBody>
+          <a:bodyPr/>
+          <a:lstStyle/>
+          <a:p>
+            <a:fld id="{A9A88A32-A370-4467-84B4-4FD87D5FB1DC}" type="slidenum">
+              <a:rPr lang="en-US" altLang="zh-TW" smtClean="0"/>
+              <a:pPr/>
+              <a:t>10</a:t>
+            </a:fld>
+            <a:endParaRPr lang="en-US" altLang="zh-TW" dirty="0"/>
+          </a:p>
+        </p:txBody>
+      </p:sp>
+    </p:spTree>
+    <p:extLst>
+      <p:ext uri="{BB962C8B-B14F-4D97-AF65-F5344CB8AC3E}">
+        <p14:creationId xmlns:p14="http://schemas.microsoft.com/office/powerpoint/2010/main" val="2905167064"/>
+      </p:ext>
+    </p:extLst>
+  </p:cSld>
+  <p:clrMapOvr>
+    <a:masterClrMapping/>
+  </p:clrMapOvr>
+</p:sld>
+</file>
+
+<file path=ppt/slides/slide11.xml><?xml version="1.0" encoding="utf-8"?>
+<p:sld xmlns:a="http://schemas.openxmlformats.org/drawingml/2006/main" xmlns:r="http://schemas.openxmlformats.org/officeDocument/2006/relationships" xmlns:p="http://schemas.openxmlformats.org/presentationml/2006/main">
+  <p:cSld>
+    <p:spTree>
+      <p:nvGrpSpPr>
+        <p:cNvPr id="1" name="">
+          <a:extLst>
+            <a:ext uri="{FF2B5EF4-FFF2-40B4-BE49-F238E27FC236}">
+              <a16:creationId xmlns:a16="http://schemas.microsoft.com/office/drawing/2014/main" id="{420E2F90-EABA-1B7A-431E-D7E24A208B08}"/>
+            </a:ext>
+          </a:extLst>
+        </p:cNvPr>
+        <p:cNvGrpSpPr/>
+        <p:nvPr/>
+      </p:nvGrpSpPr>
+      <p:grpSpPr>
+        <a:xfrm>
+          <a:off x="0" y="0"/>
+          <a:ext cx="0" cy="0"/>
+          <a:chOff x="0" y="0"/>
+          <a:chExt cx="0" cy="0"/>
+        </a:xfrm>
+      </p:grpSpPr>
+      <p:sp>
+        <p:nvSpPr>
+          <p:cNvPr id="2" name="標題 1">
+            <a:extLst>
+              <a:ext uri="{FF2B5EF4-FFF2-40B4-BE49-F238E27FC236}">
+                <a16:creationId xmlns:a16="http://schemas.microsoft.com/office/drawing/2014/main" id="{180CDE70-077A-EB27-7D10-FA186765EBC4}"/>
+              </a:ext>
+            </a:extLst>
+          </p:cNvPr>
+          <p:cNvSpPr>
+            <a:spLocks noGrp="1"/>
+          </p:cNvSpPr>
+          <p:nvPr>
+            <p:ph type="title"/>
+          </p:nvPr>
+        </p:nvSpPr>
+        <p:spPr/>
+        <p:txBody>
+          <a:bodyPr/>
+          <a:lstStyle/>
+          <a:p>
+            <a:r>
+              <a:rPr lang="en-US" altLang="zh-TW" dirty="0">
+                <a:solidFill>
+                  <a:srgbClr val="FF0000"/>
+                </a:solidFill>
+              </a:rPr>
+              <a:t>Exercise:</a:t>
+            </a:r>
+            <a:r>
+              <a:rPr lang="zh-TW" altLang="en-US" dirty="0">
+                <a:solidFill>
+                  <a:srgbClr val="FF0000"/>
+                </a:solidFill>
+              </a:rPr>
+              <a:t> </a:t>
+            </a:r>
+            <a:r>
+              <a:rPr lang="en-US" altLang="zh-TW" dirty="0">
+                <a:solidFill>
+                  <a:srgbClr val="FF0000"/>
+                </a:solidFill>
+              </a:rPr>
+              <a:t>Traveling Salesman Problem</a:t>
+            </a:r>
+            <a:endParaRPr lang="zh-TW" altLang="en-US" dirty="0"/>
+          </a:p>
+        </p:txBody>
+      </p:sp>
+      <p:sp>
+        <p:nvSpPr>
+          <p:cNvPr id="3" name="內容版面配置區 2">
+            <a:extLst>
+              <a:ext uri="{FF2B5EF4-FFF2-40B4-BE49-F238E27FC236}">
+                <a16:creationId xmlns:a16="http://schemas.microsoft.com/office/drawing/2014/main" id="{A2636C1C-8054-7B01-A27C-A3DC8099FFC3}"/>
+              </a:ext>
+            </a:extLst>
+          </p:cNvPr>
+          <p:cNvSpPr>
+            <a:spLocks noGrp="1"/>
+          </p:cNvSpPr>
+          <p:nvPr>
+            <p:ph idx="1"/>
+          </p:nvPr>
+        </p:nvSpPr>
+        <p:spPr/>
+        <p:txBody>
+          <a:bodyPr/>
+          <a:lstStyle/>
+          <a:p>
+            <a:r>
+              <a:rPr lang="en-US" altLang="zh-TW" dirty="0"/>
+              <a:t>Compare the differences between these two algorithms</a:t>
+            </a:r>
+          </a:p>
+          <a:p>
+            <a:pPr lvl="1"/>
+            <a:r>
+              <a:rPr lang="en-US" altLang="zh-TW" dirty="0">
+                <a:solidFill>
+                  <a:srgbClr val="FF0000"/>
+                </a:solidFill>
+              </a:rPr>
+              <a:t>Dynamic programming guarantees the optimal solution, whereas Ant Colony Optimization may not, particularly when the number of cities increases, but it still provides a  good solution</a:t>
+            </a:r>
+            <a:endParaRPr lang="zh-TW" altLang="en-US" dirty="0"/>
+          </a:p>
+        </p:txBody>
+      </p:sp>
+      <p:sp>
+        <p:nvSpPr>
+          <p:cNvPr id="4" name="投影片編號版面配置區 3">
+            <a:extLst>
+              <a:ext uri="{FF2B5EF4-FFF2-40B4-BE49-F238E27FC236}">
+                <a16:creationId xmlns:a16="http://schemas.microsoft.com/office/drawing/2014/main" id="{2755AC1E-099A-6C2D-A817-E998E0F7B5BF}"/>
+              </a:ext>
+            </a:extLst>
+          </p:cNvPr>
+          <p:cNvSpPr>
+            <a:spLocks noGrp="1"/>
+          </p:cNvSpPr>
+          <p:nvPr>
+            <p:ph type="sldNum" sz="quarter" idx="12"/>
+          </p:nvPr>
+        </p:nvSpPr>
+        <p:spPr/>
+        <p:txBody>
+          <a:bodyPr/>
+          <a:lstStyle/>
+          <a:p>
+            <a:fld id="{A9A88A32-A370-4467-84B4-4FD87D5FB1DC}" type="slidenum">
+              <a:rPr lang="en-US" altLang="zh-TW" smtClean="0"/>
+              <a:pPr/>
+              <a:t>11</a:t>
+            </a:fld>
+            <a:endParaRPr lang="en-US" altLang="zh-TW" dirty="0"/>
+          </a:p>
+        </p:txBody>
+      </p:sp>
+      <p:pic>
+        <p:nvPicPr>
+          <p:cNvPr id="7" name="內容版面配置區 5">
+            <a:extLst>
+              <a:ext uri="{FF2B5EF4-FFF2-40B4-BE49-F238E27FC236}">
+                <a16:creationId xmlns:a16="http://schemas.microsoft.com/office/drawing/2014/main" id="{BA8F924C-0F03-AA52-0573-8D4D45A7561F}"/>
+              </a:ext>
+            </a:extLst>
+          </p:cNvPr>
+          <p:cNvPicPr>
+            <a:picLocks noChangeAspect="1"/>
+          </p:cNvPicPr>
+          <p:nvPr/>
+        </p:nvPicPr>
+        <p:blipFill>
+          <a:blip r:embed="rId2"/>
+          <a:stretch>
+            <a:fillRect/>
+          </a:stretch>
+        </p:blipFill>
+        <p:spPr bwMode="auto">
+          <a:xfrm>
+            <a:off x="787024" y="3098053"/>
+            <a:ext cx="3626638" cy="2719979"/>
+          </a:xfrm>
+          <a:prstGeom prst="rect">
+            <a:avLst/>
+          </a:prstGeom>
+          <a:noFill/>
+          <a:ln w="9525">
+            <a:noFill/>
+            <a:miter lim="800000"/>
+            <a:headEnd/>
+            <a:tailEnd/>
+          </a:ln>
+          <a:effectLst/>
+        </p:spPr>
+      </p:pic>
+      <p:pic>
+        <p:nvPicPr>
+          <p:cNvPr id="9" name="圖片 8" descr="一張含有 文字, 行, 圖表, 螢幕擷取畫面 的圖片&#10;&#10;AI 產生的內容可能不正確。">
+            <a:extLst>
+              <a:ext uri="{FF2B5EF4-FFF2-40B4-BE49-F238E27FC236}">
+                <a16:creationId xmlns:a16="http://schemas.microsoft.com/office/drawing/2014/main" id="{D4B240B6-9053-B30D-C945-6B73A58867DA}"/>
+              </a:ext>
+            </a:extLst>
+          </p:cNvPr>
+          <p:cNvPicPr>
+            <a:picLocks noChangeAspect="1"/>
+          </p:cNvPicPr>
+          <p:nvPr/>
+        </p:nvPicPr>
+        <p:blipFill>
+          <a:blip r:embed="rId3">
+            <a:extLst>
+              <a:ext uri="{28A0092B-C50C-407E-A947-70E740481C1C}">
+                <a14:useLocalDpi xmlns:a14="http://schemas.microsoft.com/office/drawing/2010/main" val="0"/>
+              </a:ext>
+            </a:extLst>
+          </a:blip>
+          <a:stretch>
+            <a:fillRect/>
+          </a:stretch>
+        </p:blipFill>
+        <p:spPr>
+          <a:xfrm>
+            <a:off x="4572000" y="3098053"/>
+            <a:ext cx="3633738" cy="2725304"/>
+          </a:xfrm>
+          <a:prstGeom prst="rect">
+            <a:avLst/>
+          </a:prstGeom>
+        </p:spPr>
+      </p:pic>
+      <p:sp>
+        <p:nvSpPr>
+          <p:cNvPr id="10" name="流程圖: 接點 9">
+            <a:extLst>
+              <a:ext uri="{FF2B5EF4-FFF2-40B4-BE49-F238E27FC236}">
+                <a16:creationId xmlns:a16="http://schemas.microsoft.com/office/drawing/2014/main" id="{428D2169-623F-BB26-05C8-C00AF827EF4D}"/>
+              </a:ext>
+            </a:extLst>
+          </p:cNvPr>
+          <p:cNvSpPr/>
+          <p:nvPr/>
+        </p:nvSpPr>
+        <p:spPr>
+          <a:xfrm>
+            <a:off x="3776353" y="3704159"/>
+            <a:ext cx="229590" cy="232029"/>
+          </a:xfrm>
+          <a:prstGeom prst="flowChartConnector">
+            <a:avLst/>
+          </a:prstGeom>
+          <a:ln>
+            <a:solidFill>
+              <a:srgbClr val="FF0000"/>
+            </a:solidFill>
+          </a:ln>
+        </p:spPr>
+        <p:txBody>
+          <a:bodyPr wrap="none" lIns="0" tIns="0" rIns="0" bIns="0" rtlCol="0" anchor="ctr">
+            <a:spAutoFit/>
+          </a:bodyPr>
+          <a:lstStyle/>
+          <a:p>
+            <a:pPr algn="l"/>
+            <a:endParaRPr kumimoji="1" lang="zh-TW" altLang="en-US" b="1" dirty="0"/>
+          </a:p>
+        </p:txBody>
+      </p:sp>
+      <p:sp>
+        <p:nvSpPr>
+          <p:cNvPr id="11" name="流程圖: 接點 10">
+            <a:extLst>
+              <a:ext uri="{FF2B5EF4-FFF2-40B4-BE49-F238E27FC236}">
+                <a16:creationId xmlns:a16="http://schemas.microsoft.com/office/drawing/2014/main" id="{CD5BDA8C-D49F-824E-AA9E-C66FDC974DF5}"/>
+              </a:ext>
+            </a:extLst>
+          </p:cNvPr>
+          <p:cNvSpPr/>
+          <p:nvPr/>
+        </p:nvSpPr>
+        <p:spPr>
+          <a:xfrm>
+            <a:off x="7555391" y="3704159"/>
+            <a:ext cx="229590" cy="232029"/>
+          </a:xfrm>
+          <a:prstGeom prst="flowChartConnector">
+            <a:avLst/>
+          </a:prstGeom>
+          <a:ln>
+            <a:solidFill>
+              <a:srgbClr val="FF0000"/>
+            </a:solidFill>
+          </a:ln>
+        </p:spPr>
+        <p:txBody>
+          <a:bodyPr wrap="none" lIns="0" tIns="0" rIns="0" bIns="0" rtlCol="0" anchor="ctr">
+            <a:spAutoFit/>
+          </a:bodyPr>
+          <a:lstStyle/>
+          <a:p>
+            <a:pPr algn="l"/>
+            <a:endParaRPr kumimoji="1" lang="zh-TW" altLang="en-US" b="1" dirty="0"/>
+          </a:p>
+        </p:txBody>
+      </p:sp>
+      <p:sp>
+        <p:nvSpPr>
+          <p:cNvPr id="5" name="流程圖: 接點 4">
+            <a:extLst>
+              <a:ext uri="{FF2B5EF4-FFF2-40B4-BE49-F238E27FC236}">
+                <a16:creationId xmlns:a16="http://schemas.microsoft.com/office/drawing/2014/main" id="{9B43D342-C6C0-CC0E-2596-127B2B789AB1}"/>
+              </a:ext>
+            </a:extLst>
+          </p:cNvPr>
+          <p:cNvSpPr/>
+          <p:nvPr/>
+        </p:nvSpPr>
+        <p:spPr>
+          <a:xfrm>
+            <a:off x="1375675" y="4667508"/>
+            <a:ext cx="878638" cy="867916"/>
+          </a:xfrm>
+          <a:prstGeom prst="flowChartConnector">
+            <a:avLst/>
+          </a:prstGeom>
+          <a:ln>
+            <a:solidFill>
+              <a:srgbClr val="FF0000"/>
+            </a:solidFill>
+          </a:ln>
+        </p:spPr>
+        <p:txBody>
+          <a:bodyPr wrap="square" lIns="0" tIns="0" rIns="0" bIns="0" rtlCol="0" anchor="ctr">
+            <a:spAutoFit/>
+          </a:bodyPr>
+          <a:lstStyle/>
+          <a:p>
+            <a:pPr algn="l"/>
+            <a:endParaRPr kumimoji="1" lang="zh-TW" altLang="en-US" b="1" dirty="0"/>
+          </a:p>
+        </p:txBody>
+      </p:sp>
+      <p:sp>
+        <p:nvSpPr>
+          <p:cNvPr id="6" name="流程圖: 接點 5">
+            <a:extLst>
+              <a:ext uri="{FF2B5EF4-FFF2-40B4-BE49-F238E27FC236}">
+                <a16:creationId xmlns:a16="http://schemas.microsoft.com/office/drawing/2014/main" id="{7BAD20E6-0039-251A-2DF0-07ABBF129052}"/>
+              </a:ext>
+            </a:extLst>
+          </p:cNvPr>
+          <p:cNvSpPr/>
+          <p:nvPr/>
+        </p:nvSpPr>
+        <p:spPr>
+          <a:xfrm>
+            <a:off x="5158515" y="4667508"/>
+            <a:ext cx="878638" cy="867916"/>
+          </a:xfrm>
+          <a:prstGeom prst="flowChartConnector">
+            <a:avLst/>
+          </a:prstGeom>
+          <a:ln>
+            <a:solidFill>
+              <a:srgbClr val="FF0000"/>
+            </a:solidFill>
+          </a:ln>
+        </p:spPr>
+        <p:txBody>
+          <a:bodyPr wrap="square" lIns="0" tIns="0" rIns="0" bIns="0" rtlCol="0" anchor="ctr">
+            <a:spAutoFit/>
+          </a:bodyPr>
+          <a:lstStyle/>
+          <a:p>
+            <a:pPr algn="l"/>
+            <a:endParaRPr kumimoji="1" lang="zh-TW" altLang="en-US" b="1" dirty="0"/>
+          </a:p>
+        </p:txBody>
+      </p:sp>
+    </p:spTree>
+    <p:extLst>
+      <p:ext uri="{BB962C8B-B14F-4D97-AF65-F5344CB8AC3E}">
+        <p14:creationId xmlns:p14="http://schemas.microsoft.com/office/powerpoint/2010/main" val="407307563"/>
+      </p:ext>
+    </p:extLst>
+  </p:cSld>
+  <p:clrMapOvr>
+    <a:masterClrMapping/>
+  </p:clrMapOvr>
+</p:sld>
+</file>
+
+<file path=ppt/slides/slide12.xml><?xml version="1.0" encoding="utf-8"?>
+<p:sld xmlns:a="http://schemas.openxmlformats.org/drawingml/2006/main" xmlns:r="http://schemas.openxmlformats.org/officeDocument/2006/relationships" xmlns:p="http://schemas.openxmlformats.org/presentationml/2006/main">
+  <p:cSld>
+    <p:spTree>
+      <p:nvGrpSpPr>
+        <p:cNvPr id="1" name=""/>
+        <p:cNvGrpSpPr/>
+        <p:nvPr/>
+      </p:nvGrpSpPr>
+      <p:grpSpPr>
+        <a:xfrm>
+          <a:off x="0" y="0"/>
+          <a:ext cx="0" cy="0"/>
+          <a:chOff x="0" y="0"/>
+          <a:chExt cx="0" cy="0"/>
+        </a:xfrm>
+      </p:grpSpPr>
+      <p:sp>
+        <p:nvSpPr>
+          <p:cNvPr id="2" name="標題 1">
+            <a:extLst>
+              <a:ext uri="{FF2B5EF4-FFF2-40B4-BE49-F238E27FC236}">
+                <a16:creationId xmlns:a16="http://schemas.microsoft.com/office/drawing/2014/main" id="{6D19E936-0557-1469-30F5-A4B5EF748666}"/>
+              </a:ext>
+            </a:extLst>
+          </p:cNvPr>
+          <p:cNvSpPr>
+            <a:spLocks noGrp="1"/>
+          </p:cNvSpPr>
+          <p:nvPr>
+            <p:ph type="title"/>
+          </p:nvPr>
+        </p:nvSpPr>
+        <p:spPr/>
+        <p:txBody>
+          <a:bodyPr/>
+          <a:lstStyle/>
+          <a:p>
+            <a:r>
+              <a:rPr lang="en-US" altLang="zh-TW" dirty="0">
+                <a:solidFill>
+                  <a:srgbClr val="FF0000"/>
+                </a:solidFill>
+              </a:rPr>
+              <a:t>Exercise:</a:t>
+            </a:r>
+            <a:r>
+              <a:rPr lang="zh-TW" altLang="en-US" dirty="0">
+                <a:solidFill>
+                  <a:srgbClr val="FF0000"/>
+                </a:solidFill>
+              </a:rPr>
+              <a:t> </a:t>
+            </a:r>
+            <a:r>
+              <a:rPr lang="en-US" altLang="zh-TW" dirty="0">
+                <a:solidFill>
+                  <a:srgbClr val="FF0000"/>
+                </a:solidFill>
+              </a:rPr>
+              <a:t>Traveling Salesman Problem</a:t>
+            </a:r>
+            <a:endParaRPr lang="zh-TW" altLang="en-US" dirty="0"/>
+          </a:p>
+        </p:txBody>
+      </p:sp>
+      <p:sp>
+        <p:nvSpPr>
+          <p:cNvPr id="4" name="投影片編號版面配置區 3">
+            <a:extLst>
+              <a:ext uri="{FF2B5EF4-FFF2-40B4-BE49-F238E27FC236}">
+                <a16:creationId xmlns:a16="http://schemas.microsoft.com/office/drawing/2014/main" id="{447F2F27-2301-0D28-48F6-540CB59E0CB5}"/>
+              </a:ext>
+            </a:extLst>
+          </p:cNvPr>
+          <p:cNvSpPr>
+            <a:spLocks noGrp="1"/>
+          </p:cNvSpPr>
+          <p:nvPr>
+            <p:ph type="sldNum" sz="quarter" idx="12"/>
+          </p:nvPr>
+        </p:nvSpPr>
+        <p:spPr/>
+        <p:txBody>
+          <a:bodyPr/>
+          <a:lstStyle/>
+          <a:p>
+            <a:fld id="{A9A88A32-A370-4467-84B4-4FD87D5FB1DC}" type="slidenum">
+              <a:rPr lang="en-US" altLang="zh-TW" smtClean="0"/>
+              <a:pPr/>
+              <a:t>12</a:t>
+            </a:fld>
+            <a:endParaRPr lang="en-US" altLang="zh-TW" dirty="0"/>
+          </a:p>
+        </p:txBody>
+      </p:sp>
+      <mc:AlternateContent xmlns:mc="http://schemas.openxmlformats.org/markup-compatibility/2006" xmlns:a14="http://schemas.microsoft.com/office/drawing/2010/main">
+        <mc:Choice Requires="a14">
+          <p:sp>
+            <p:nvSpPr>
+              <p:cNvPr id="8" name="內容版面配置區 7">
+                <a:extLst>
+                  <a:ext uri="{FF2B5EF4-FFF2-40B4-BE49-F238E27FC236}">
+                    <a16:creationId xmlns:a16="http://schemas.microsoft.com/office/drawing/2014/main" id="{81B7E9C7-C3CC-21AC-DBF5-3BEFF2CE76E4}"/>
+                  </a:ext>
+                </a:extLst>
+              </p:cNvPr>
+              <p:cNvSpPr>
+                <a:spLocks noGrp="1"/>
+              </p:cNvSpPr>
+              <p:nvPr>
+                <p:ph idx="1"/>
+              </p:nvPr>
+            </p:nvSpPr>
+            <p:spPr/>
+            <p:txBody>
+              <a:bodyPr/>
+              <a:lstStyle/>
+              <a:p>
+                <a:r>
+                  <a:rPr lang="en-US" altLang="zh-TW" dirty="0"/>
+                  <a:t>Compare the differences between these two algorithms</a:t>
+                </a:r>
+              </a:p>
+              <a:p>
+                <a:pPr lvl="1"/>
+                <a:r>
+                  <a:rPr lang="en-US" altLang="zh-TW" dirty="0">
+                    <a:solidFill>
+                      <a:srgbClr val="FF0000"/>
+                    </a:solidFill>
+                  </a:rPr>
+                  <a:t>When </a:t>
+                </a:r>
+                <a14:m>
+                  <m:oMath xmlns:m="http://schemas.openxmlformats.org/officeDocument/2006/math">
+                    <m:r>
+                      <a:rPr lang="en-US" altLang="zh-TW" i="1" dirty="0" smtClean="0">
+                        <a:solidFill>
+                          <a:srgbClr val="FF0000"/>
+                        </a:solidFill>
+                        <a:latin typeface="Cambria Math" panose="02040503050406030204" pitchFamily="18" charset="0"/>
+                      </a:rPr>
+                      <m:t>𝑛</m:t>
+                    </m:r>
+                    <m:r>
+                      <a:rPr lang="en-US" altLang="zh-TW" i="1" dirty="0" smtClean="0">
+                        <a:solidFill>
+                          <a:srgbClr val="FF0000"/>
+                        </a:solidFill>
+                        <a:latin typeface="Cambria Math" panose="02040503050406030204" pitchFamily="18" charset="0"/>
+                      </a:rPr>
+                      <m:t>=17</m:t>
+                    </m:r>
+                  </m:oMath>
+                </a14:m>
+                <a:r>
+                  <a:rPr lang="en-US" altLang="zh-TW" dirty="0">
+                    <a:solidFill>
+                      <a:srgbClr val="FF0000"/>
+                    </a:solidFill>
+                  </a:rPr>
+                  <a:t>, the time required for DP exceeds that of ACO</a:t>
+                </a:r>
+              </a:p>
+              <a:p>
+                <a:endParaRPr lang="zh-TW" altLang="en-US" dirty="0"/>
+              </a:p>
+            </p:txBody>
+          </p:sp>
+        </mc:Choice>
+        <mc:Fallback xmlns="">
+          <p:sp>
+            <p:nvSpPr>
+              <p:cNvPr id="8" name="內容版面配置區 7">
+                <a:extLst>
+                  <a:ext uri="{FF2B5EF4-FFF2-40B4-BE49-F238E27FC236}">
+                    <a16:creationId xmlns:a16="http://schemas.microsoft.com/office/drawing/2014/main" id="{81B7E9C7-C3CC-21AC-DBF5-3BEFF2CE76E4}"/>
+                  </a:ext>
+                </a:extLst>
+              </p:cNvPr>
+              <p:cNvSpPr>
+                <a:spLocks noGrp="1" noRot="1" noChangeAspect="1" noMove="1" noResize="1" noEditPoints="1" noAdjustHandles="1" noChangeArrowheads="1" noChangeShapeType="1" noTextEdit="1"/>
+              </p:cNvSpPr>
+              <p:nvPr>
+                <p:ph idx="1"/>
+              </p:nvPr>
+            </p:nvSpPr>
+            <p:spPr>
+              <a:blipFill>
+                <a:blip r:embed="rId2"/>
+                <a:stretch>
+                  <a:fillRect l="-368" t="-945"/>
+                </a:stretch>
+              </a:blipFill>
+            </p:spPr>
+            <p:txBody>
+              <a:bodyPr/>
+              <a:lstStyle/>
+              <a:p>
+                <a:r>
+                  <a:rPr lang="zh-TW" altLang="en-US">
+                    <a:noFill/>
+                  </a:rPr>
+                  <a:t> </a:t>
+                </a:r>
+              </a:p>
+            </p:txBody>
+          </p:sp>
+        </mc:Fallback>
+      </mc:AlternateContent>
+      <p:pic>
+        <p:nvPicPr>
+          <p:cNvPr id="11" name="內容版面配置區 9">
+            <a:extLst>
+              <a:ext uri="{FF2B5EF4-FFF2-40B4-BE49-F238E27FC236}">
+                <a16:creationId xmlns:a16="http://schemas.microsoft.com/office/drawing/2014/main" id="{A2586A7D-49D5-1E9C-C295-903BAD08504D}"/>
+              </a:ext>
+            </a:extLst>
+          </p:cNvPr>
+          <p:cNvPicPr>
+            <a:picLocks noChangeAspect="1"/>
+          </p:cNvPicPr>
+          <p:nvPr/>
+        </p:nvPicPr>
+        <p:blipFill>
+          <a:blip r:embed="rId3"/>
+          <a:stretch>
+            <a:fillRect/>
+          </a:stretch>
+        </p:blipFill>
+        <p:spPr bwMode="auto">
+          <a:xfrm>
+            <a:off x="2251037" y="2309405"/>
+            <a:ext cx="4580015" cy="3435012"/>
+          </a:xfrm>
+          <a:prstGeom prst="rect">
+            <a:avLst/>
+          </a:prstGeom>
+          <a:noFill/>
+          <a:ln w="9525">
+            <a:noFill/>
+            <a:miter lim="800000"/>
+            <a:headEnd/>
+            <a:tailEnd/>
+          </a:ln>
+          <a:effectLst/>
+        </p:spPr>
+      </p:pic>
+    </p:spTree>
+    <p:extLst>
+      <p:ext uri="{BB962C8B-B14F-4D97-AF65-F5344CB8AC3E}">
+        <p14:creationId xmlns:p14="http://schemas.microsoft.com/office/powerpoint/2010/main" val="2899765048"/>
+      </p:ext>
+    </p:extLst>
+  </p:cSld>
+  <p:clrMapOvr>
+    <a:masterClrMapping/>
+  </p:clrMapOvr>
+</p:sld>
+</file>
+
 <file path=ppt/slides/slide2.xml><?xml version="1.0" encoding="utf-8"?>
 <p:sld xmlns:a="http://schemas.openxmlformats.org/drawingml/2006/main" xmlns:r="http://schemas.openxmlformats.org/officeDocument/2006/relationships" xmlns:p="http://schemas.openxmlformats.org/presentationml/2006/main">
   <p:cSld>
@@ -8405,6 +9248,989 @@
           <p:cNvPr id="2" name="標題 1">
             <a:extLst>
               <a:ext uri="{FF2B5EF4-FFF2-40B4-BE49-F238E27FC236}">
+                <a16:creationId xmlns:a16="http://schemas.microsoft.com/office/drawing/2014/main" id="{14C753BE-23E4-7F37-6C5B-0BAC7A7081C3}"/>
+              </a:ext>
+            </a:extLst>
+          </p:cNvPr>
+          <p:cNvSpPr>
+            <a:spLocks noGrp="1"/>
+          </p:cNvSpPr>
+          <p:nvPr>
+            <p:ph type="title"/>
+          </p:nvPr>
+        </p:nvSpPr>
+        <p:spPr/>
+        <p:txBody>
+          <a:bodyPr/>
+          <a:lstStyle/>
+          <a:p>
+            <a:r>
+              <a:rPr lang="en-US" altLang="zh-TW" dirty="0">
+                <a:solidFill>
+                  <a:srgbClr val="FF0000"/>
+                </a:solidFill>
+              </a:rPr>
+              <a:t>Sample Code:</a:t>
+            </a:r>
+            <a:r>
+              <a:rPr lang="zh-TW" altLang="en-US" dirty="0">
+                <a:solidFill>
+                  <a:srgbClr val="FF0000"/>
+                </a:solidFill>
+              </a:rPr>
+              <a:t> </a:t>
+            </a:r>
+            <a:r>
+              <a:rPr lang="en-US" altLang="zh-TW" dirty="0">
+                <a:solidFill>
+                  <a:srgbClr val="FF0000"/>
+                </a:solidFill>
+              </a:rPr>
+              <a:t>Dynamic Programming</a:t>
+            </a:r>
+            <a:endParaRPr lang="zh-TW" altLang="en-US" dirty="0"/>
+          </a:p>
+        </p:txBody>
+      </p:sp>
+      <p:sp>
+        <p:nvSpPr>
+          <p:cNvPr id="3" name="內容版面配置區 2">
+            <a:extLst>
+              <a:ext uri="{FF2B5EF4-FFF2-40B4-BE49-F238E27FC236}">
+                <a16:creationId xmlns:a16="http://schemas.microsoft.com/office/drawing/2014/main" id="{CE5A4CA1-F280-9283-F411-A0DBD13B73A2}"/>
+              </a:ext>
+            </a:extLst>
+          </p:cNvPr>
+          <p:cNvSpPr>
+            <a:spLocks noGrp="1"/>
+          </p:cNvSpPr>
+          <p:nvPr>
+            <p:ph idx="1"/>
+          </p:nvPr>
+        </p:nvSpPr>
+        <p:spPr/>
+        <p:txBody>
+          <a:bodyPr/>
+          <a:lstStyle/>
+          <a:p>
+            <a:r>
+              <a:rPr lang="en-US" altLang="zh-TW" dirty="0"/>
+              <a:t>Initialization</a:t>
+            </a:r>
+          </a:p>
+          <a:p>
+            <a:endParaRPr lang="en-US" altLang="zh-TW" dirty="0"/>
+          </a:p>
+          <a:p>
+            <a:endParaRPr lang="en-US" altLang="zh-TW" dirty="0"/>
+          </a:p>
+          <a:p>
+            <a:endParaRPr lang="en-US" altLang="zh-TW" dirty="0"/>
+          </a:p>
+          <a:p>
+            <a:endParaRPr lang="en-US" altLang="zh-TW" dirty="0"/>
+          </a:p>
+          <a:p>
+            <a:endParaRPr lang="en-US" altLang="zh-TW" dirty="0"/>
+          </a:p>
+          <a:p>
+            <a:r>
+              <a:rPr lang="en-US" altLang="zh-TW" dirty="0"/>
+              <a:t>Determine the optimal path and cost</a:t>
+            </a:r>
+          </a:p>
+        </p:txBody>
+      </p:sp>
+      <p:sp>
+        <p:nvSpPr>
+          <p:cNvPr id="4" name="投影片編號版面配置區 3">
+            <a:extLst>
+              <a:ext uri="{FF2B5EF4-FFF2-40B4-BE49-F238E27FC236}">
+                <a16:creationId xmlns:a16="http://schemas.microsoft.com/office/drawing/2014/main" id="{0F5AEF90-9216-7BA1-B0B1-25D44CE94DBC}"/>
+              </a:ext>
+            </a:extLst>
+          </p:cNvPr>
+          <p:cNvSpPr>
+            <a:spLocks noGrp="1"/>
+          </p:cNvSpPr>
+          <p:nvPr>
+            <p:ph type="sldNum" sz="quarter" idx="12"/>
+          </p:nvPr>
+        </p:nvSpPr>
+        <p:spPr/>
+        <p:txBody>
+          <a:bodyPr/>
+          <a:lstStyle/>
+          <a:p>
+            <a:fld id="{A9A88A32-A370-4467-84B4-4FD87D5FB1DC}" type="slidenum">
+              <a:rPr lang="en-US" altLang="zh-TW" smtClean="0"/>
+              <a:pPr/>
+              <a:t>4</a:t>
+            </a:fld>
+            <a:endParaRPr lang="en-US" altLang="zh-TW" dirty="0"/>
+          </a:p>
+        </p:txBody>
+      </p:sp>
+      <p:pic>
+        <p:nvPicPr>
+          <p:cNvPr id="8" name="圖片 7">
+            <a:extLst>
+              <a:ext uri="{FF2B5EF4-FFF2-40B4-BE49-F238E27FC236}">
+                <a16:creationId xmlns:a16="http://schemas.microsoft.com/office/drawing/2014/main" id="{E51B4932-4386-2C2E-3714-1B1197EDE4A2}"/>
+              </a:ext>
+            </a:extLst>
+          </p:cNvPr>
+          <p:cNvPicPr>
+            <a:picLocks noChangeAspect="1"/>
+          </p:cNvPicPr>
+          <p:nvPr/>
+        </p:nvPicPr>
+        <p:blipFill>
+          <a:blip r:embed="rId2"/>
+          <a:srcRect r="3606"/>
+          <a:stretch/>
+        </p:blipFill>
+        <p:spPr>
+          <a:xfrm>
+            <a:off x="457200" y="1793539"/>
+            <a:ext cx="8034951" cy="1514686"/>
+          </a:xfrm>
+          <a:prstGeom prst="rect">
+            <a:avLst/>
+          </a:prstGeom>
+        </p:spPr>
+      </p:pic>
+      <p:pic>
+        <p:nvPicPr>
+          <p:cNvPr id="12" name="圖片 11">
+            <a:extLst>
+              <a:ext uri="{FF2B5EF4-FFF2-40B4-BE49-F238E27FC236}">
+                <a16:creationId xmlns:a16="http://schemas.microsoft.com/office/drawing/2014/main" id="{49687CDB-D18B-A846-6094-71D665EB6875}"/>
+              </a:ext>
+            </a:extLst>
+          </p:cNvPr>
+          <p:cNvPicPr>
+            <a:picLocks noChangeAspect="1"/>
+          </p:cNvPicPr>
+          <p:nvPr/>
+        </p:nvPicPr>
+        <p:blipFill>
+          <a:blip r:embed="rId3"/>
+          <a:srcRect l="427" t="1100" r="-427" b="-1100"/>
+          <a:stretch/>
+        </p:blipFill>
+        <p:spPr>
+          <a:xfrm>
+            <a:off x="457199" y="4451512"/>
+            <a:ext cx="8069410" cy="791716"/>
+          </a:xfrm>
+          <a:prstGeom prst="rect">
+            <a:avLst/>
+          </a:prstGeom>
+        </p:spPr>
+      </p:pic>
+    </p:spTree>
+    <p:extLst>
+      <p:ext uri="{BB962C8B-B14F-4D97-AF65-F5344CB8AC3E}">
+        <p14:creationId xmlns:p14="http://schemas.microsoft.com/office/powerpoint/2010/main" val="1076020459"/>
+      </p:ext>
+    </p:extLst>
+  </p:cSld>
+  <p:clrMapOvr>
+    <a:masterClrMapping/>
+  </p:clrMapOvr>
+</p:sld>
+</file>
+
+<file path=ppt/slides/slide5.xml><?xml version="1.0" encoding="utf-8"?>
+<p:sld xmlns:a="http://schemas.openxmlformats.org/drawingml/2006/main" xmlns:r="http://schemas.openxmlformats.org/officeDocument/2006/relationships" xmlns:p="http://schemas.openxmlformats.org/presentationml/2006/main">
+  <p:cSld>
+    <p:spTree>
+      <p:nvGrpSpPr>
+        <p:cNvPr id="1" name=""/>
+        <p:cNvGrpSpPr/>
+        <p:nvPr/>
+      </p:nvGrpSpPr>
+      <p:grpSpPr>
+        <a:xfrm>
+          <a:off x="0" y="0"/>
+          <a:ext cx="0" cy="0"/>
+          <a:chOff x="0" y="0"/>
+          <a:chExt cx="0" cy="0"/>
+        </a:xfrm>
+      </p:grpSpPr>
+      <p:sp>
+        <p:nvSpPr>
+          <p:cNvPr id="2" name="標題 1">
+            <a:extLst>
+              <a:ext uri="{FF2B5EF4-FFF2-40B4-BE49-F238E27FC236}">
+                <a16:creationId xmlns:a16="http://schemas.microsoft.com/office/drawing/2014/main" id="{E1292033-1A8B-BF11-C371-E0A2EDD9D1B0}"/>
+              </a:ext>
+            </a:extLst>
+          </p:cNvPr>
+          <p:cNvSpPr>
+            <a:spLocks noGrp="1"/>
+          </p:cNvSpPr>
+          <p:nvPr>
+            <p:ph type="title"/>
+          </p:nvPr>
+        </p:nvSpPr>
+        <p:spPr/>
+        <p:txBody>
+          <a:bodyPr/>
+          <a:lstStyle/>
+          <a:p>
+            <a:r>
+              <a:rPr lang="en-US" altLang="zh-TW" dirty="0">
+                <a:solidFill>
+                  <a:srgbClr val="FF0000"/>
+                </a:solidFill>
+              </a:rPr>
+              <a:t>Sample Code:</a:t>
+            </a:r>
+            <a:r>
+              <a:rPr lang="zh-TW" altLang="en-US" dirty="0">
+                <a:solidFill>
+                  <a:srgbClr val="FF0000"/>
+                </a:solidFill>
+              </a:rPr>
+              <a:t> </a:t>
+            </a:r>
+            <a:r>
+              <a:rPr lang="en-US" altLang="zh-TW" dirty="0">
+                <a:solidFill>
+                  <a:srgbClr val="FF0000"/>
+                </a:solidFill>
+              </a:rPr>
+              <a:t>Dynamic Programming</a:t>
+            </a:r>
+            <a:endParaRPr lang="zh-TW" altLang="en-US" dirty="0"/>
+          </a:p>
+        </p:txBody>
+      </p:sp>
+      <p:sp>
+        <p:nvSpPr>
+          <p:cNvPr id="4" name="投影片編號版面配置區 3">
+            <a:extLst>
+              <a:ext uri="{FF2B5EF4-FFF2-40B4-BE49-F238E27FC236}">
+                <a16:creationId xmlns:a16="http://schemas.microsoft.com/office/drawing/2014/main" id="{683D2EC7-08B1-C677-815F-340ACABB91DB}"/>
+              </a:ext>
+            </a:extLst>
+          </p:cNvPr>
+          <p:cNvSpPr>
+            <a:spLocks noGrp="1"/>
+          </p:cNvSpPr>
+          <p:nvPr>
+            <p:ph type="sldNum" sz="quarter" idx="12"/>
+          </p:nvPr>
+        </p:nvSpPr>
+        <p:spPr/>
+        <p:txBody>
+          <a:bodyPr/>
+          <a:lstStyle/>
+          <a:p>
+            <a:fld id="{A9A88A32-A370-4467-84B4-4FD87D5FB1DC}" type="slidenum">
+              <a:rPr lang="en-US" altLang="zh-TW" smtClean="0"/>
+              <a:pPr/>
+              <a:t>5</a:t>
+            </a:fld>
+            <a:endParaRPr lang="en-US" altLang="zh-TW" dirty="0"/>
+          </a:p>
+        </p:txBody>
+      </p:sp>
+      <p:sp>
+        <p:nvSpPr>
+          <p:cNvPr id="8" name="內容版面配置區 7">
+            <a:extLst>
+              <a:ext uri="{FF2B5EF4-FFF2-40B4-BE49-F238E27FC236}">
+                <a16:creationId xmlns:a16="http://schemas.microsoft.com/office/drawing/2014/main" id="{14571769-B0FD-33AD-5F03-97C52D6D9A1A}"/>
+              </a:ext>
+            </a:extLst>
+          </p:cNvPr>
+          <p:cNvSpPr>
+            <a:spLocks noGrp="1"/>
+          </p:cNvSpPr>
+          <p:nvPr>
+            <p:ph idx="1"/>
+          </p:nvPr>
+        </p:nvSpPr>
+        <p:spPr/>
+        <p:txBody>
+          <a:bodyPr/>
+          <a:lstStyle/>
+          <a:p>
+            <a:r>
+              <a:rPr lang="en-US" altLang="zh-TW" dirty="0"/>
+              <a:t>Visit all cities and determine the minimum cost</a:t>
+            </a:r>
+            <a:endParaRPr lang="zh-TW" altLang="en-US" dirty="0"/>
+          </a:p>
+          <a:p>
+            <a:endParaRPr lang="zh-TW" altLang="en-US" dirty="0"/>
+          </a:p>
+        </p:txBody>
+      </p:sp>
+      <p:pic>
+        <p:nvPicPr>
+          <p:cNvPr id="9" name="內容版面配置區 5">
+            <a:extLst>
+              <a:ext uri="{FF2B5EF4-FFF2-40B4-BE49-F238E27FC236}">
+                <a16:creationId xmlns:a16="http://schemas.microsoft.com/office/drawing/2014/main" id="{B55ECA92-D835-EE0F-E1AB-D0999459762C}"/>
+              </a:ext>
+            </a:extLst>
+          </p:cNvPr>
+          <p:cNvPicPr>
+            <a:picLocks noChangeAspect="1"/>
+          </p:cNvPicPr>
+          <p:nvPr/>
+        </p:nvPicPr>
+        <p:blipFill>
+          <a:blip r:embed="rId2"/>
+          <a:srcRect r="7824"/>
+          <a:stretch/>
+        </p:blipFill>
+        <p:spPr bwMode="auto">
+          <a:xfrm>
+            <a:off x="750638" y="1836866"/>
+            <a:ext cx="7642723" cy="4076079"/>
+          </a:xfrm>
+          <a:prstGeom prst="rect">
+            <a:avLst/>
+          </a:prstGeom>
+          <a:noFill/>
+          <a:ln w="9525">
+            <a:noFill/>
+            <a:miter lim="800000"/>
+            <a:headEnd/>
+            <a:tailEnd/>
+          </a:ln>
+          <a:effectLst/>
+        </p:spPr>
+      </p:pic>
+    </p:spTree>
+    <p:extLst>
+      <p:ext uri="{BB962C8B-B14F-4D97-AF65-F5344CB8AC3E}">
+        <p14:creationId xmlns:p14="http://schemas.microsoft.com/office/powerpoint/2010/main" val="1355149490"/>
+      </p:ext>
+    </p:extLst>
+  </p:cSld>
+  <p:clrMapOvr>
+    <a:masterClrMapping/>
+  </p:clrMapOvr>
+</p:sld>
+</file>
+
+<file path=ppt/slides/slide6.xml><?xml version="1.0" encoding="utf-8"?>
+<p:sld xmlns:a="http://schemas.openxmlformats.org/drawingml/2006/main" xmlns:r="http://schemas.openxmlformats.org/officeDocument/2006/relationships" xmlns:p="http://schemas.openxmlformats.org/presentationml/2006/main">
+  <p:cSld>
+    <p:spTree>
+      <p:nvGrpSpPr>
+        <p:cNvPr id="1" name=""/>
+        <p:cNvGrpSpPr/>
+        <p:nvPr/>
+      </p:nvGrpSpPr>
+      <p:grpSpPr>
+        <a:xfrm>
+          <a:off x="0" y="0"/>
+          <a:ext cx="0" cy="0"/>
+          <a:chOff x="0" y="0"/>
+          <a:chExt cx="0" cy="0"/>
+        </a:xfrm>
+      </p:grpSpPr>
+      <p:sp>
+        <p:nvSpPr>
+          <p:cNvPr id="2" name="標題 1">
+            <a:extLst>
+              <a:ext uri="{FF2B5EF4-FFF2-40B4-BE49-F238E27FC236}">
+                <a16:creationId xmlns:a16="http://schemas.microsoft.com/office/drawing/2014/main" id="{9C3178C6-9288-0781-8336-AF40E71AB571}"/>
+              </a:ext>
+            </a:extLst>
+          </p:cNvPr>
+          <p:cNvSpPr>
+            <a:spLocks noGrp="1"/>
+          </p:cNvSpPr>
+          <p:nvPr>
+            <p:ph type="title"/>
+          </p:nvPr>
+        </p:nvSpPr>
+        <p:spPr/>
+        <p:txBody>
+          <a:bodyPr/>
+          <a:lstStyle/>
+          <a:p>
+            <a:r>
+              <a:rPr lang="en-US" altLang="zh-TW" dirty="0">
+                <a:solidFill>
+                  <a:srgbClr val="FF0000"/>
+                </a:solidFill>
+              </a:rPr>
+              <a:t>Sample Code:</a:t>
+            </a:r>
+            <a:r>
+              <a:rPr lang="zh-TW" altLang="en-US" dirty="0">
+                <a:solidFill>
+                  <a:srgbClr val="FF0000"/>
+                </a:solidFill>
+              </a:rPr>
+              <a:t> </a:t>
+            </a:r>
+            <a:r>
+              <a:rPr lang="en-US" altLang="zh-TW" dirty="0">
+                <a:solidFill>
+                  <a:srgbClr val="FF0000"/>
+                </a:solidFill>
+              </a:rPr>
+              <a:t>Dynamic Programming</a:t>
+            </a:r>
+            <a:endParaRPr lang="zh-TW" altLang="en-US" dirty="0"/>
+          </a:p>
+        </p:txBody>
+      </p:sp>
+      <p:sp>
+        <p:nvSpPr>
+          <p:cNvPr id="3" name="內容版面配置區 2">
+            <a:extLst>
+              <a:ext uri="{FF2B5EF4-FFF2-40B4-BE49-F238E27FC236}">
+                <a16:creationId xmlns:a16="http://schemas.microsoft.com/office/drawing/2014/main" id="{5FA68686-1996-50F0-C053-AE7829F90A77}"/>
+              </a:ext>
+            </a:extLst>
+          </p:cNvPr>
+          <p:cNvSpPr>
+            <a:spLocks noGrp="1"/>
+          </p:cNvSpPr>
+          <p:nvPr>
+            <p:ph idx="1"/>
+          </p:nvPr>
+        </p:nvSpPr>
+        <p:spPr/>
+        <p:txBody>
+          <a:bodyPr/>
+          <a:lstStyle/>
+          <a:p>
+            <a:r>
+              <a:rPr lang="en-US" altLang="zh-TW" dirty="0"/>
+              <a:t>Visit all cities and determine the optimal route</a:t>
+            </a:r>
+            <a:endParaRPr lang="zh-TW" altLang="en-US" dirty="0"/>
+          </a:p>
+          <a:p>
+            <a:endParaRPr lang="zh-TW" altLang="en-US" dirty="0"/>
+          </a:p>
+        </p:txBody>
+      </p:sp>
+      <p:sp>
+        <p:nvSpPr>
+          <p:cNvPr id="4" name="投影片編號版面配置區 3">
+            <a:extLst>
+              <a:ext uri="{FF2B5EF4-FFF2-40B4-BE49-F238E27FC236}">
+                <a16:creationId xmlns:a16="http://schemas.microsoft.com/office/drawing/2014/main" id="{09BF5AA3-71FD-4F50-0857-DEF923C289AD}"/>
+              </a:ext>
+            </a:extLst>
+          </p:cNvPr>
+          <p:cNvSpPr>
+            <a:spLocks noGrp="1"/>
+          </p:cNvSpPr>
+          <p:nvPr>
+            <p:ph type="sldNum" sz="quarter" idx="12"/>
+          </p:nvPr>
+        </p:nvSpPr>
+        <p:spPr/>
+        <p:txBody>
+          <a:bodyPr/>
+          <a:lstStyle/>
+          <a:p>
+            <a:fld id="{A9A88A32-A370-4467-84B4-4FD87D5FB1DC}" type="slidenum">
+              <a:rPr lang="en-US" altLang="zh-TW" smtClean="0"/>
+              <a:pPr/>
+              <a:t>6</a:t>
+            </a:fld>
+            <a:endParaRPr lang="en-US" altLang="zh-TW" dirty="0"/>
+          </a:p>
+        </p:txBody>
+      </p:sp>
+      <p:pic>
+        <p:nvPicPr>
+          <p:cNvPr id="8" name="圖片 7">
+            <a:extLst>
+              <a:ext uri="{FF2B5EF4-FFF2-40B4-BE49-F238E27FC236}">
+                <a16:creationId xmlns:a16="http://schemas.microsoft.com/office/drawing/2014/main" id="{72596AD1-3559-D20A-0EBB-59FC5776AD27}"/>
+              </a:ext>
+            </a:extLst>
+          </p:cNvPr>
+          <p:cNvPicPr>
+            <a:picLocks noChangeAspect="1"/>
+          </p:cNvPicPr>
+          <p:nvPr/>
+        </p:nvPicPr>
+        <p:blipFill>
+          <a:blip r:embed="rId2"/>
+          <a:srcRect r="5522"/>
+          <a:stretch/>
+        </p:blipFill>
+        <p:spPr>
+          <a:xfrm>
+            <a:off x="526913" y="1858303"/>
+            <a:ext cx="8028263" cy="2305372"/>
+          </a:xfrm>
+          <a:prstGeom prst="rect">
+            <a:avLst/>
+          </a:prstGeom>
+        </p:spPr>
+      </p:pic>
+    </p:spTree>
+    <p:extLst>
+      <p:ext uri="{BB962C8B-B14F-4D97-AF65-F5344CB8AC3E}">
+        <p14:creationId xmlns:p14="http://schemas.microsoft.com/office/powerpoint/2010/main" val="3242046050"/>
+      </p:ext>
+    </p:extLst>
+  </p:cSld>
+  <p:clrMapOvr>
+    <a:masterClrMapping/>
+  </p:clrMapOvr>
+</p:sld>
+</file>
+
+<file path=ppt/slides/slide7.xml><?xml version="1.0" encoding="utf-8"?>
+<p:sld xmlns:a="http://schemas.openxmlformats.org/drawingml/2006/main" xmlns:r="http://schemas.openxmlformats.org/officeDocument/2006/relationships" xmlns:p="http://schemas.openxmlformats.org/presentationml/2006/main">
+  <p:cSld>
+    <p:spTree>
+      <p:nvGrpSpPr>
+        <p:cNvPr id="1" name="">
+          <a:extLst>
+            <a:ext uri="{FF2B5EF4-FFF2-40B4-BE49-F238E27FC236}">
+              <a16:creationId xmlns:a16="http://schemas.microsoft.com/office/drawing/2014/main" id="{062D1744-B19C-DEBC-65A1-E0B9980899E8}"/>
+            </a:ext>
+          </a:extLst>
+        </p:cNvPr>
+        <p:cNvGrpSpPr/>
+        <p:nvPr/>
+      </p:nvGrpSpPr>
+      <p:grpSpPr>
+        <a:xfrm>
+          <a:off x="0" y="0"/>
+          <a:ext cx="0" cy="0"/>
+          <a:chOff x="0" y="0"/>
+          <a:chExt cx="0" cy="0"/>
+        </a:xfrm>
+      </p:grpSpPr>
+      <p:sp>
+        <p:nvSpPr>
+          <p:cNvPr id="2" name="標題 1">
+            <a:extLst>
+              <a:ext uri="{FF2B5EF4-FFF2-40B4-BE49-F238E27FC236}">
+                <a16:creationId xmlns:a16="http://schemas.microsoft.com/office/drawing/2014/main" id="{49F2AC93-6B02-7E66-7AFB-BD6A19B69690}"/>
+              </a:ext>
+            </a:extLst>
+          </p:cNvPr>
+          <p:cNvSpPr>
+            <a:spLocks noGrp="1"/>
+          </p:cNvSpPr>
+          <p:nvPr>
+            <p:ph type="title"/>
+          </p:nvPr>
+        </p:nvSpPr>
+        <p:spPr/>
+        <p:txBody>
+          <a:bodyPr/>
+          <a:lstStyle/>
+          <a:p>
+            <a:r>
+              <a:rPr lang="en-US" altLang="zh-TW" dirty="0">
+                <a:solidFill>
+                  <a:srgbClr val="FF0000"/>
+                </a:solidFill>
+              </a:rPr>
+              <a:t>Sample Code:</a:t>
+            </a:r>
+            <a:r>
+              <a:rPr lang="zh-TW" altLang="en-US" dirty="0">
+                <a:solidFill>
+                  <a:srgbClr val="FF0000"/>
+                </a:solidFill>
+              </a:rPr>
+              <a:t> </a:t>
+            </a:r>
+            <a:r>
+              <a:rPr lang="en-US" altLang="zh-TW" dirty="0">
+                <a:solidFill>
+                  <a:srgbClr val="FF0000"/>
+                </a:solidFill>
+              </a:rPr>
+              <a:t>Ant Colony Optimization</a:t>
+            </a:r>
+            <a:endParaRPr lang="zh-TW" altLang="en-US" dirty="0"/>
+          </a:p>
+        </p:txBody>
+      </p:sp>
+      <p:sp>
+        <p:nvSpPr>
+          <p:cNvPr id="3" name="內容版面配置區 2">
+            <a:extLst>
+              <a:ext uri="{FF2B5EF4-FFF2-40B4-BE49-F238E27FC236}">
+                <a16:creationId xmlns:a16="http://schemas.microsoft.com/office/drawing/2014/main" id="{F43A1A96-7C04-EE0F-70AE-661EA9C398CB}"/>
+              </a:ext>
+            </a:extLst>
+          </p:cNvPr>
+          <p:cNvSpPr>
+            <a:spLocks noGrp="1"/>
+          </p:cNvSpPr>
+          <p:nvPr>
+            <p:ph idx="1"/>
+          </p:nvPr>
+        </p:nvSpPr>
+        <p:spPr/>
+        <p:txBody>
+          <a:bodyPr/>
+          <a:lstStyle/>
+          <a:p>
+            <a:r>
+              <a:rPr lang="en-US" altLang="zh-TW" dirty="0"/>
+              <a:t>Initialization</a:t>
+            </a:r>
+          </a:p>
+          <a:p>
+            <a:endParaRPr lang="en-US" altLang="zh-TW" dirty="0"/>
+          </a:p>
+          <a:p>
+            <a:endParaRPr lang="en-US" altLang="zh-TW" dirty="0"/>
+          </a:p>
+          <a:p>
+            <a:endParaRPr lang="en-US" altLang="zh-TW" dirty="0"/>
+          </a:p>
+          <a:p>
+            <a:endParaRPr lang="en-US" altLang="zh-TW" dirty="0"/>
+          </a:p>
+          <a:p>
+            <a:r>
+              <a:rPr lang="en-US" altLang="zh-TW" dirty="0"/>
+              <a:t>Define the variables utilized in each iteration</a:t>
+            </a:r>
+            <a:endParaRPr lang="zh-TW" altLang="en-US" dirty="0"/>
+          </a:p>
+        </p:txBody>
+      </p:sp>
+      <p:sp>
+        <p:nvSpPr>
+          <p:cNvPr id="4" name="投影片編號版面配置區 3">
+            <a:extLst>
+              <a:ext uri="{FF2B5EF4-FFF2-40B4-BE49-F238E27FC236}">
+                <a16:creationId xmlns:a16="http://schemas.microsoft.com/office/drawing/2014/main" id="{9312D0AC-300C-0504-5F62-0731EACFB4E3}"/>
+              </a:ext>
+            </a:extLst>
+          </p:cNvPr>
+          <p:cNvSpPr>
+            <a:spLocks noGrp="1"/>
+          </p:cNvSpPr>
+          <p:nvPr>
+            <p:ph type="sldNum" sz="quarter" idx="12"/>
+          </p:nvPr>
+        </p:nvSpPr>
+        <p:spPr/>
+        <p:txBody>
+          <a:bodyPr/>
+          <a:lstStyle/>
+          <a:p>
+            <a:fld id="{A9A88A32-A370-4467-84B4-4FD87D5FB1DC}" type="slidenum">
+              <a:rPr lang="en-US" altLang="zh-TW" smtClean="0"/>
+              <a:pPr/>
+              <a:t>7</a:t>
+            </a:fld>
+            <a:endParaRPr lang="en-US" altLang="zh-TW" dirty="0"/>
+          </a:p>
+        </p:txBody>
+      </p:sp>
+      <p:pic>
+        <p:nvPicPr>
+          <p:cNvPr id="6" name="圖片 5">
+            <a:extLst>
+              <a:ext uri="{FF2B5EF4-FFF2-40B4-BE49-F238E27FC236}">
+                <a16:creationId xmlns:a16="http://schemas.microsoft.com/office/drawing/2014/main" id="{84B30219-DFF4-AC38-5B85-1D92AC77A3EF}"/>
+              </a:ext>
+            </a:extLst>
+          </p:cNvPr>
+          <p:cNvPicPr>
+            <a:picLocks noChangeAspect="1"/>
+          </p:cNvPicPr>
+          <p:nvPr/>
+        </p:nvPicPr>
+        <p:blipFill>
+          <a:blip r:embed="rId2"/>
+          <a:srcRect r="2365"/>
+          <a:stretch/>
+        </p:blipFill>
+        <p:spPr>
+          <a:xfrm>
+            <a:off x="457200" y="1740549"/>
+            <a:ext cx="8034951" cy="1360264"/>
+          </a:xfrm>
+          <a:prstGeom prst="rect">
+            <a:avLst/>
+          </a:prstGeom>
+        </p:spPr>
+      </p:pic>
+      <p:pic>
+        <p:nvPicPr>
+          <p:cNvPr id="7" name="圖片 6">
+            <a:extLst>
+              <a:ext uri="{FF2B5EF4-FFF2-40B4-BE49-F238E27FC236}">
+                <a16:creationId xmlns:a16="http://schemas.microsoft.com/office/drawing/2014/main" id="{015AF05C-192F-5889-39E8-8991C69767A4}"/>
+              </a:ext>
+            </a:extLst>
+          </p:cNvPr>
+          <p:cNvPicPr>
+            <a:picLocks noChangeAspect="1"/>
+          </p:cNvPicPr>
+          <p:nvPr/>
+        </p:nvPicPr>
+        <p:blipFill>
+          <a:blip r:embed="rId3"/>
+          <a:stretch>
+            <a:fillRect/>
+          </a:stretch>
+        </p:blipFill>
+        <p:spPr>
+          <a:xfrm>
+            <a:off x="457200" y="3951416"/>
+            <a:ext cx="8034951" cy="1791908"/>
+          </a:xfrm>
+          <a:prstGeom prst="rect">
+            <a:avLst/>
+          </a:prstGeom>
+        </p:spPr>
+      </p:pic>
+    </p:spTree>
+    <p:extLst>
+      <p:ext uri="{BB962C8B-B14F-4D97-AF65-F5344CB8AC3E}">
+        <p14:creationId xmlns:p14="http://schemas.microsoft.com/office/powerpoint/2010/main" val="3454420282"/>
+      </p:ext>
+    </p:extLst>
+  </p:cSld>
+  <p:clrMapOvr>
+    <a:masterClrMapping/>
+  </p:clrMapOvr>
+</p:sld>
+</file>
+
+<file path=ppt/slides/slide8.xml><?xml version="1.0" encoding="utf-8"?>
+<p:sld xmlns:a="http://schemas.openxmlformats.org/drawingml/2006/main" xmlns:r="http://schemas.openxmlformats.org/officeDocument/2006/relationships" xmlns:p="http://schemas.openxmlformats.org/presentationml/2006/main">
+  <p:cSld>
+    <p:spTree>
+      <p:nvGrpSpPr>
+        <p:cNvPr id="1" name=""/>
+        <p:cNvGrpSpPr/>
+        <p:nvPr/>
+      </p:nvGrpSpPr>
+      <p:grpSpPr>
+        <a:xfrm>
+          <a:off x="0" y="0"/>
+          <a:ext cx="0" cy="0"/>
+          <a:chOff x="0" y="0"/>
+          <a:chExt cx="0" cy="0"/>
+        </a:xfrm>
+      </p:grpSpPr>
+      <p:sp>
+        <p:nvSpPr>
+          <p:cNvPr id="2" name="標題 1">
+            <a:extLst>
+              <a:ext uri="{FF2B5EF4-FFF2-40B4-BE49-F238E27FC236}">
+                <a16:creationId xmlns:a16="http://schemas.microsoft.com/office/drawing/2014/main" id="{4E2A0817-CB9D-4C1D-9DBD-414C54B2E34E}"/>
+              </a:ext>
+            </a:extLst>
+          </p:cNvPr>
+          <p:cNvSpPr>
+            <a:spLocks noGrp="1"/>
+          </p:cNvSpPr>
+          <p:nvPr>
+            <p:ph type="title"/>
+          </p:nvPr>
+        </p:nvSpPr>
+        <p:spPr/>
+        <p:txBody>
+          <a:bodyPr/>
+          <a:lstStyle/>
+          <a:p>
+            <a:r>
+              <a:rPr lang="en-US" altLang="zh-TW" dirty="0">
+                <a:solidFill>
+                  <a:srgbClr val="FF0000"/>
+                </a:solidFill>
+              </a:rPr>
+              <a:t>Sample Code:</a:t>
+            </a:r>
+            <a:r>
+              <a:rPr lang="zh-TW" altLang="en-US" dirty="0">
+                <a:solidFill>
+                  <a:srgbClr val="FF0000"/>
+                </a:solidFill>
+              </a:rPr>
+              <a:t> </a:t>
+            </a:r>
+            <a:r>
+              <a:rPr lang="en-US" altLang="zh-TW" dirty="0">
+                <a:solidFill>
+                  <a:srgbClr val="FF0000"/>
+                </a:solidFill>
+              </a:rPr>
+              <a:t>Ant Colony Optimization</a:t>
+            </a:r>
+            <a:endParaRPr lang="zh-TW" altLang="en-US" dirty="0"/>
+          </a:p>
+        </p:txBody>
+      </p:sp>
+      <p:sp>
+        <p:nvSpPr>
+          <p:cNvPr id="3" name="內容版面配置區 2">
+            <a:extLst>
+              <a:ext uri="{FF2B5EF4-FFF2-40B4-BE49-F238E27FC236}">
+                <a16:creationId xmlns:a16="http://schemas.microsoft.com/office/drawing/2014/main" id="{E4EA9397-5188-A102-BC8E-04FE4446795C}"/>
+              </a:ext>
+            </a:extLst>
+          </p:cNvPr>
+          <p:cNvSpPr>
+            <a:spLocks noGrp="1"/>
+          </p:cNvSpPr>
+          <p:nvPr>
+            <p:ph idx="1"/>
+          </p:nvPr>
+        </p:nvSpPr>
+        <p:spPr/>
+        <p:txBody>
+          <a:bodyPr/>
+          <a:lstStyle/>
+          <a:p>
+            <a:r>
+              <a:rPr lang="en-US" altLang="zh-TW" dirty="0"/>
+              <a:t>Visit all cities and determine the optimal route</a:t>
+            </a:r>
+            <a:endParaRPr lang="zh-TW" altLang="en-US" dirty="0"/>
+          </a:p>
+        </p:txBody>
+      </p:sp>
+      <p:sp>
+        <p:nvSpPr>
+          <p:cNvPr id="4" name="投影片編號版面配置區 3">
+            <a:extLst>
+              <a:ext uri="{FF2B5EF4-FFF2-40B4-BE49-F238E27FC236}">
+                <a16:creationId xmlns:a16="http://schemas.microsoft.com/office/drawing/2014/main" id="{98A43936-4A27-FB18-D9AF-360703A210D2}"/>
+              </a:ext>
+            </a:extLst>
+          </p:cNvPr>
+          <p:cNvSpPr>
+            <a:spLocks noGrp="1"/>
+          </p:cNvSpPr>
+          <p:nvPr>
+            <p:ph type="sldNum" sz="quarter" idx="12"/>
+          </p:nvPr>
+        </p:nvSpPr>
+        <p:spPr/>
+        <p:txBody>
+          <a:bodyPr/>
+          <a:lstStyle/>
+          <a:p>
+            <a:fld id="{A9A88A32-A370-4467-84B4-4FD87D5FB1DC}" type="slidenum">
+              <a:rPr lang="en-US" altLang="zh-TW" smtClean="0"/>
+              <a:pPr/>
+              <a:t>8</a:t>
+            </a:fld>
+            <a:endParaRPr lang="en-US" altLang="zh-TW" dirty="0"/>
+          </a:p>
+        </p:txBody>
+      </p:sp>
+      <p:pic>
+        <p:nvPicPr>
+          <p:cNvPr id="5" name="圖片 4">
+            <a:extLst>
+              <a:ext uri="{FF2B5EF4-FFF2-40B4-BE49-F238E27FC236}">
+                <a16:creationId xmlns:a16="http://schemas.microsoft.com/office/drawing/2014/main" id="{90C32DE7-8CFC-09B2-9701-62AEDFE0E76F}"/>
+              </a:ext>
+            </a:extLst>
+          </p:cNvPr>
+          <p:cNvPicPr>
+            <a:picLocks noChangeAspect="1"/>
+          </p:cNvPicPr>
+          <p:nvPr/>
+        </p:nvPicPr>
+        <p:blipFill>
+          <a:blip r:embed="rId2"/>
+          <a:stretch>
+            <a:fillRect/>
+          </a:stretch>
+        </p:blipFill>
+        <p:spPr>
+          <a:xfrm>
+            <a:off x="685325" y="1764081"/>
+            <a:ext cx="7711440" cy="3176103"/>
+          </a:xfrm>
+          <a:prstGeom prst="rect">
+            <a:avLst/>
+          </a:prstGeom>
+        </p:spPr>
+      </p:pic>
+      <p:pic>
+        <p:nvPicPr>
+          <p:cNvPr id="6" name="圖片 5">
+            <a:extLst>
+              <a:ext uri="{FF2B5EF4-FFF2-40B4-BE49-F238E27FC236}">
+                <a16:creationId xmlns:a16="http://schemas.microsoft.com/office/drawing/2014/main" id="{B68DB7A0-5024-2E27-496A-52F766B24FD1}"/>
+              </a:ext>
+            </a:extLst>
+          </p:cNvPr>
+          <p:cNvPicPr>
+            <a:picLocks noChangeAspect="1"/>
+          </p:cNvPicPr>
+          <p:nvPr/>
+        </p:nvPicPr>
+        <p:blipFill>
+          <a:blip r:embed="rId3"/>
+          <a:stretch>
+            <a:fillRect/>
+          </a:stretch>
+        </p:blipFill>
+        <p:spPr>
+          <a:xfrm>
+            <a:off x="685325" y="4948420"/>
+            <a:ext cx="7711440" cy="1476828"/>
+          </a:xfrm>
+          <a:prstGeom prst="rect">
+            <a:avLst/>
+          </a:prstGeom>
+        </p:spPr>
+      </p:pic>
+    </p:spTree>
+    <p:extLst>
+      <p:ext uri="{BB962C8B-B14F-4D97-AF65-F5344CB8AC3E}">
+        <p14:creationId xmlns:p14="http://schemas.microsoft.com/office/powerpoint/2010/main" val="3764088536"/>
+      </p:ext>
+    </p:extLst>
+  </p:cSld>
+  <p:clrMapOvr>
+    <a:masterClrMapping/>
+  </p:clrMapOvr>
+</p:sld>
+</file>
+
+<file path=ppt/slides/slide9.xml><?xml version="1.0" encoding="utf-8"?>
+<p:sld xmlns:a="http://schemas.openxmlformats.org/drawingml/2006/main" xmlns:r="http://schemas.openxmlformats.org/officeDocument/2006/relationships" xmlns:p="http://schemas.openxmlformats.org/presentationml/2006/main">
+  <p:cSld>
+    <p:spTree>
+      <p:nvGrpSpPr>
+        <p:cNvPr id="1" name=""/>
+        <p:cNvGrpSpPr/>
+        <p:nvPr/>
+      </p:nvGrpSpPr>
+      <p:grpSpPr>
+        <a:xfrm>
+          <a:off x="0" y="0"/>
+          <a:ext cx="0" cy="0"/>
+          <a:chOff x="0" y="0"/>
+          <a:chExt cx="0" cy="0"/>
+        </a:xfrm>
+      </p:grpSpPr>
+      <p:sp>
+        <p:nvSpPr>
+          <p:cNvPr id="2" name="標題 1">
+            <a:extLst>
+              <a:ext uri="{FF2B5EF4-FFF2-40B4-BE49-F238E27FC236}">
                 <a16:creationId xmlns:a16="http://schemas.microsoft.com/office/drawing/2014/main" id="{C1B5EDD8-F229-75C0-D3F9-12801902F8BD}"/>
               </a:ext>
             </a:extLst>
@@ -8473,14 +10299,14 @@
             <a:fld id="{A9A88A32-A370-4467-84B4-4FD87D5FB1DC}" type="slidenum">
               <a:rPr lang="en-US" altLang="zh-TW" smtClean="0"/>
               <a:pPr/>
-              <a:t>4</a:t>
+              <a:t>9</a:t>
             </a:fld>
             <a:endParaRPr lang="en-US" altLang="zh-TW" dirty="0"/>
           </a:p>
         </p:txBody>
       </p:sp>
-      <mc:AlternateContent xmlns:mc="http://schemas.openxmlformats.org/markup-compatibility/2006">
-        <mc:Choice xmlns:a14="http://schemas.microsoft.com/office/drawing/2010/main" Requires="a14">
+      <mc:AlternateContent xmlns:mc="http://schemas.openxmlformats.org/markup-compatibility/2006" xmlns:a14="http://schemas.microsoft.com/office/drawing/2010/main">
+        <mc:Choice Requires="a14">
           <p:sp>
             <p:nvSpPr>
               <p:cNvPr id="8" name="內容版面配置區 7">
@@ -8685,7 +10511,7 @@
             </p:txBody>
           </p:sp>
         </mc:Choice>
-        <mc:Fallback>
+        <mc:Fallback xmlns="">
           <p:sp>
             <p:nvSpPr>
               <p:cNvPr id="8" name="內容版面配置區 7">
@@ -8801,834 +10627,6 @@
     <p:extLst>
       <p:ext uri="{BB962C8B-B14F-4D97-AF65-F5344CB8AC3E}">
         <p14:creationId xmlns:p14="http://schemas.microsoft.com/office/powerpoint/2010/main" val="4280444802"/>
-      </p:ext>
-    </p:extLst>
-  </p:cSld>
-  <p:clrMapOvr>
-    <a:masterClrMapping/>
-  </p:clrMapOvr>
-</p:sld>
-</file>
-
-<file path=ppt/slides/slide5.xml><?xml version="1.0" encoding="utf-8"?>
-<p:sld xmlns:a="http://schemas.openxmlformats.org/drawingml/2006/main" xmlns:r="http://schemas.openxmlformats.org/officeDocument/2006/relationships" xmlns:p="http://schemas.openxmlformats.org/presentationml/2006/main">
-  <p:cSld>
-    <p:spTree>
-      <p:nvGrpSpPr>
-        <p:cNvPr id="1" name=""/>
-        <p:cNvGrpSpPr/>
-        <p:nvPr/>
-      </p:nvGrpSpPr>
-      <p:grpSpPr>
-        <a:xfrm>
-          <a:off x="0" y="0"/>
-          <a:ext cx="0" cy="0"/>
-          <a:chOff x="0" y="0"/>
-          <a:chExt cx="0" cy="0"/>
-        </a:xfrm>
-      </p:grpSpPr>
-      <p:sp>
-        <p:nvSpPr>
-          <p:cNvPr id="2" name="標題 1">
-            <a:extLst>
-              <a:ext uri="{FF2B5EF4-FFF2-40B4-BE49-F238E27FC236}">
-                <a16:creationId xmlns:a16="http://schemas.microsoft.com/office/drawing/2014/main" id="{2EB7B835-E899-B7BA-2DDF-A787679811BD}"/>
-              </a:ext>
-            </a:extLst>
-          </p:cNvPr>
-          <p:cNvSpPr>
-            <a:spLocks noGrp="1"/>
-          </p:cNvSpPr>
-          <p:nvPr>
-            <p:ph type="title"/>
-          </p:nvPr>
-        </p:nvSpPr>
-        <p:spPr/>
-        <p:txBody>
-          <a:bodyPr/>
-          <a:lstStyle/>
-          <a:p>
-            <a:r>
-              <a:rPr lang="en-US" altLang="zh-TW" dirty="0">
-                <a:solidFill>
-                  <a:srgbClr val="FF0000"/>
-                </a:solidFill>
-              </a:rPr>
-              <a:t>Exercise:</a:t>
-            </a:r>
-            <a:r>
-              <a:rPr lang="zh-TW" altLang="en-US" dirty="0">
-                <a:solidFill>
-                  <a:srgbClr val="FF0000"/>
-                </a:solidFill>
-              </a:rPr>
-              <a:t> </a:t>
-            </a:r>
-            <a:r>
-              <a:rPr lang="en-US" altLang="zh-TW" dirty="0">
-                <a:solidFill>
-                  <a:srgbClr val="FF0000"/>
-                </a:solidFill>
-              </a:rPr>
-              <a:t>Traveling Salesman Problem</a:t>
-            </a:r>
-            <a:endParaRPr lang="zh-TW" altLang="en-US" dirty="0"/>
-          </a:p>
-        </p:txBody>
-      </p:sp>
-      <p:sp>
-        <p:nvSpPr>
-          <p:cNvPr id="3" name="內容版面配置區 2">
-            <a:extLst>
-              <a:ext uri="{FF2B5EF4-FFF2-40B4-BE49-F238E27FC236}">
-                <a16:creationId xmlns:a16="http://schemas.microsoft.com/office/drawing/2014/main" id="{D956ADEA-F96D-5B52-6FAD-A44CAAF1F784}"/>
-              </a:ext>
-            </a:extLst>
-          </p:cNvPr>
-          <p:cNvSpPr>
-            <a:spLocks noGrp="1"/>
-          </p:cNvSpPr>
-          <p:nvPr>
-            <p:ph idx="1"/>
-          </p:nvPr>
-        </p:nvSpPr>
-        <p:spPr/>
-        <p:txBody>
-          <a:bodyPr/>
-          <a:lstStyle/>
-          <a:p>
-            <a:r>
-              <a:rPr lang="en-US" altLang="zh-TW" dirty="0"/>
-              <a:t>Compare the differences between these two algorithms</a:t>
-            </a:r>
-          </a:p>
-          <a:p>
-            <a:pPr lvl="1"/>
-            <a:r>
-              <a:rPr lang="en-US" altLang="zh-TW" dirty="0">
-                <a:solidFill>
-                  <a:srgbClr val="FF0000"/>
-                </a:solidFill>
-              </a:rPr>
-              <a:t>Dynamic Programming </a:t>
-            </a:r>
-          </a:p>
-          <a:p>
-            <a:pPr lvl="2"/>
-            <a:r>
-              <a:rPr lang="en-US" altLang="zh-TW" dirty="0">
-                <a:solidFill>
-                  <a:srgbClr val="FF0000"/>
-                </a:solidFill>
-              </a:rPr>
-              <a:t>Exact Algorithm</a:t>
-            </a:r>
-          </a:p>
-          <a:p>
-            <a:pPr lvl="2"/>
-            <a:r>
-              <a:rPr lang="en-US" altLang="zh-TW" dirty="0">
-                <a:solidFill>
-                  <a:srgbClr val="FF0000"/>
-                </a:solidFill>
-              </a:rPr>
-              <a:t>Guarantees an optimal solution</a:t>
-            </a:r>
-          </a:p>
-          <a:p>
-            <a:pPr lvl="2"/>
-            <a:r>
-              <a:rPr lang="en-US" altLang="zh-TW" dirty="0">
-                <a:solidFill>
-                  <a:srgbClr val="FF0000"/>
-                </a:solidFill>
-              </a:rPr>
-              <a:t>Inefficient for large problems due to exponential complexity</a:t>
-            </a:r>
-          </a:p>
-          <a:p>
-            <a:pPr lvl="2"/>
-            <a:r>
-              <a:rPr lang="en-US" altLang="zh-TW" dirty="0">
-                <a:solidFill>
-                  <a:srgbClr val="FF0000"/>
-                </a:solidFill>
-              </a:rPr>
-              <a:t>Typically used for problems with overlapping subproblems</a:t>
-            </a:r>
-          </a:p>
-          <a:p>
-            <a:pPr lvl="2"/>
-            <a:endParaRPr lang="en-US" altLang="zh-TW" dirty="0">
-              <a:solidFill>
-                <a:srgbClr val="FF0000"/>
-              </a:solidFill>
-            </a:endParaRPr>
-          </a:p>
-          <a:p>
-            <a:pPr lvl="1"/>
-            <a:r>
-              <a:rPr lang="en-US" altLang="zh-TW" dirty="0">
-                <a:solidFill>
-                  <a:srgbClr val="FF0000"/>
-                </a:solidFill>
-              </a:rPr>
-              <a:t>Ant Colony Optimization </a:t>
-            </a:r>
-          </a:p>
-          <a:p>
-            <a:pPr lvl="2"/>
-            <a:r>
-              <a:rPr lang="en-US" altLang="zh-TW" dirty="0">
-                <a:solidFill>
-                  <a:srgbClr val="FF0000"/>
-                </a:solidFill>
-              </a:rPr>
-              <a:t>Heuristic Algorithm</a:t>
-            </a:r>
-          </a:p>
-          <a:p>
-            <a:pPr lvl="2"/>
-            <a:r>
-              <a:rPr lang="en-US" altLang="zh-TW" dirty="0">
-                <a:solidFill>
-                  <a:srgbClr val="FF0000"/>
-                </a:solidFill>
-              </a:rPr>
-              <a:t>Finds a good solution, but not guarantee to be optimal</a:t>
-            </a:r>
-          </a:p>
-          <a:p>
-            <a:pPr lvl="2"/>
-            <a:r>
-              <a:rPr lang="en-US" altLang="zh-TW" dirty="0">
-                <a:solidFill>
-                  <a:srgbClr val="FF0000"/>
-                </a:solidFill>
-              </a:rPr>
-              <a:t>Performs better for large, complex problems</a:t>
-            </a:r>
-          </a:p>
-          <a:p>
-            <a:pPr lvl="2"/>
-            <a:r>
-              <a:rPr lang="en-US" altLang="zh-TW" dirty="0">
-                <a:solidFill>
-                  <a:srgbClr val="FF0000"/>
-                </a:solidFill>
-              </a:rPr>
-              <a:t>Suitable for complex optimization problems</a:t>
-            </a:r>
-            <a:endParaRPr lang="zh-TW" altLang="en-US" dirty="0">
-              <a:solidFill>
-                <a:srgbClr val="FF0000"/>
-              </a:solidFill>
-            </a:endParaRPr>
-          </a:p>
-          <a:p>
-            <a:endParaRPr lang="zh-TW" altLang="en-US" dirty="0"/>
-          </a:p>
-        </p:txBody>
-      </p:sp>
-      <p:sp>
-        <p:nvSpPr>
-          <p:cNvPr id="4" name="投影片編號版面配置區 3">
-            <a:extLst>
-              <a:ext uri="{FF2B5EF4-FFF2-40B4-BE49-F238E27FC236}">
-                <a16:creationId xmlns:a16="http://schemas.microsoft.com/office/drawing/2014/main" id="{D7C6B613-49F0-6F76-00F0-6D1D413CDD34}"/>
-              </a:ext>
-            </a:extLst>
-          </p:cNvPr>
-          <p:cNvSpPr>
-            <a:spLocks noGrp="1"/>
-          </p:cNvSpPr>
-          <p:nvPr>
-            <p:ph type="sldNum" sz="quarter" idx="12"/>
-          </p:nvPr>
-        </p:nvSpPr>
-        <p:spPr/>
-        <p:txBody>
-          <a:bodyPr/>
-          <a:lstStyle/>
-          <a:p>
-            <a:fld id="{A9A88A32-A370-4467-84B4-4FD87D5FB1DC}" type="slidenum">
-              <a:rPr lang="en-US" altLang="zh-TW" smtClean="0"/>
-              <a:pPr/>
-              <a:t>5</a:t>
-            </a:fld>
-            <a:endParaRPr lang="en-US" altLang="zh-TW" dirty="0"/>
-          </a:p>
-        </p:txBody>
-      </p:sp>
-    </p:spTree>
-    <p:extLst>
-      <p:ext uri="{BB962C8B-B14F-4D97-AF65-F5344CB8AC3E}">
-        <p14:creationId xmlns:p14="http://schemas.microsoft.com/office/powerpoint/2010/main" val="2905167064"/>
-      </p:ext>
-    </p:extLst>
-  </p:cSld>
-  <p:clrMapOvr>
-    <a:masterClrMapping/>
-  </p:clrMapOvr>
-</p:sld>
-</file>
-
-<file path=ppt/slides/slide6.xml><?xml version="1.0" encoding="utf-8"?>
-<p:sld xmlns:a="http://schemas.openxmlformats.org/drawingml/2006/main" xmlns:r="http://schemas.openxmlformats.org/officeDocument/2006/relationships" xmlns:p="http://schemas.openxmlformats.org/presentationml/2006/main">
-  <p:cSld>
-    <p:spTree>
-      <p:nvGrpSpPr>
-        <p:cNvPr id="1" name="">
-          <a:extLst>
-            <a:ext uri="{FF2B5EF4-FFF2-40B4-BE49-F238E27FC236}">
-              <a16:creationId xmlns:a16="http://schemas.microsoft.com/office/drawing/2014/main" id="{420E2F90-EABA-1B7A-431E-D7E24A208B08}"/>
-            </a:ext>
-          </a:extLst>
-        </p:cNvPr>
-        <p:cNvGrpSpPr/>
-        <p:nvPr/>
-      </p:nvGrpSpPr>
-      <p:grpSpPr>
-        <a:xfrm>
-          <a:off x="0" y="0"/>
-          <a:ext cx="0" cy="0"/>
-          <a:chOff x="0" y="0"/>
-          <a:chExt cx="0" cy="0"/>
-        </a:xfrm>
-      </p:grpSpPr>
-      <p:sp>
-        <p:nvSpPr>
-          <p:cNvPr id="2" name="標題 1">
-            <a:extLst>
-              <a:ext uri="{FF2B5EF4-FFF2-40B4-BE49-F238E27FC236}">
-                <a16:creationId xmlns:a16="http://schemas.microsoft.com/office/drawing/2014/main" id="{180CDE70-077A-EB27-7D10-FA186765EBC4}"/>
-              </a:ext>
-            </a:extLst>
-          </p:cNvPr>
-          <p:cNvSpPr>
-            <a:spLocks noGrp="1"/>
-          </p:cNvSpPr>
-          <p:nvPr>
-            <p:ph type="title"/>
-          </p:nvPr>
-        </p:nvSpPr>
-        <p:spPr/>
-        <p:txBody>
-          <a:bodyPr/>
-          <a:lstStyle/>
-          <a:p>
-            <a:r>
-              <a:rPr lang="en-US" altLang="zh-TW" dirty="0">
-                <a:solidFill>
-                  <a:srgbClr val="FF0000"/>
-                </a:solidFill>
-              </a:rPr>
-              <a:t>Exercise:</a:t>
-            </a:r>
-            <a:r>
-              <a:rPr lang="zh-TW" altLang="en-US" dirty="0">
-                <a:solidFill>
-                  <a:srgbClr val="FF0000"/>
-                </a:solidFill>
-              </a:rPr>
-              <a:t> </a:t>
-            </a:r>
-            <a:r>
-              <a:rPr lang="en-US" altLang="zh-TW" dirty="0">
-                <a:solidFill>
-                  <a:srgbClr val="FF0000"/>
-                </a:solidFill>
-              </a:rPr>
-              <a:t>Traveling Salesman Problem</a:t>
-            </a:r>
-            <a:endParaRPr lang="zh-TW" altLang="en-US" dirty="0"/>
-          </a:p>
-        </p:txBody>
-      </p:sp>
-      <p:sp>
-        <p:nvSpPr>
-          <p:cNvPr id="3" name="內容版面配置區 2">
-            <a:extLst>
-              <a:ext uri="{FF2B5EF4-FFF2-40B4-BE49-F238E27FC236}">
-                <a16:creationId xmlns:a16="http://schemas.microsoft.com/office/drawing/2014/main" id="{A2636C1C-8054-7B01-A27C-A3DC8099FFC3}"/>
-              </a:ext>
-            </a:extLst>
-          </p:cNvPr>
-          <p:cNvSpPr>
-            <a:spLocks noGrp="1"/>
-          </p:cNvSpPr>
-          <p:nvPr>
-            <p:ph idx="1"/>
-          </p:nvPr>
-        </p:nvSpPr>
-        <p:spPr/>
-        <p:txBody>
-          <a:bodyPr/>
-          <a:lstStyle/>
-          <a:p>
-            <a:r>
-              <a:rPr lang="en-US" altLang="zh-TW" dirty="0"/>
-              <a:t>Compare the differences between these two algorithms</a:t>
-            </a:r>
-          </a:p>
-          <a:p>
-            <a:pPr lvl="1"/>
-            <a:r>
-              <a:rPr lang="en-US" altLang="zh-TW" dirty="0">
-                <a:solidFill>
-                  <a:srgbClr val="FF0000"/>
-                </a:solidFill>
-              </a:rPr>
-              <a:t>Dynamic programming guarantees the optimal solution, whereas Ant Colony Optimization may not, particularly when the number of cities increases, but it still provides a  good solution</a:t>
-            </a:r>
-            <a:endParaRPr lang="zh-TW" altLang="en-US" dirty="0"/>
-          </a:p>
-        </p:txBody>
-      </p:sp>
-      <p:sp>
-        <p:nvSpPr>
-          <p:cNvPr id="4" name="投影片編號版面配置區 3">
-            <a:extLst>
-              <a:ext uri="{FF2B5EF4-FFF2-40B4-BE49-F238E27FC236}">
-                <a16:creationId xmlns:a16="http://schemas.microsoft.com/office/drawing/2014/main" id="{2755AC1E-099A-6C2D-A817-E998E0F7B5BF}"/>
-              </a:ext>
-            </a:extLst>
-          </p:cNvPr>
-          <p:cNvSpPr>
-            <a:spLocks noGrp="1"/>
-          </p:cNvSpPr>
-          <p:nvPr>
-            <p:ph type="sldNum" sz="quarter" idx="12"/>
-          </p:nvPr>
-        </p:nvSpPr>
-        <p:spPr/>
-        <p:txBody>
-          <a:bodyPr/>
-          <a:lstStyle/>
-          <a:p>
-            <a:fld id="{A9A88A32-A370-4467-84B4-4FD87D5FB1DC}" type="slidenum">
-              <a:rPr lang="en-US" altLang="zh-TW" smtClean="0"/>
-              <a:pPr/>
-              <a:t>6</a:t>
-            </a:fld>
-            <a:endParaRPr lang="en-US" altLang="zh-TW" dirty="0"/>
-          </a:p>
-        </p:txBody>
-      </p:sp>
-      <p:pic>
-        <p:nvPicPr>
-          <p:cNvPr id="7" name="內容版面配置區 5">
-            <a:extLst>
-              <a:ext uri="{FF2B5EF4-FFF2-40B4-BE49-F238E27FC236}">
-                <a16:creationId xmlns:a16="http://schemas.microsoft.com/office/drawing/2014/main" id="{BA8F924C-0F03-AA52-0573-8D4D45A7561F}"/>
-              </a:ext>
-            </a:extLst>
-          </p:cNvPr>
-          <p:cNvPicPr>
-            <a:picLocks noChangeAspect="1"/>
-          </p:cNvPicPr>
-          <p:nvPr/>
-        </p:nvPicPr>
-        <p:blipFill>
-          <a:blip r:embed="rId2"/>
-          <a:stretch>
-            <a:fillRect/>
-          </a:stretch>
-        </p:blipFill>
-        <p:spPr bwMode="auto">
-          <a:xfrm>
-            <a:off x="787024" y="3098053"/>
-            <a:ext cx="3626638" cy="2719979"/>
-          </a:xfrm>
-          <a:prstGeom prst="rect">
-            <a:avLst/>
-          </a:prstGeom>
-          <a:noFill/>
-          <a:ln w="9525">
-            <a:noFill/>
-            <a:miter lim="800000"/>
-            <a:headEnd/>
-            <a:tailEnd/>
-          </a:ln>
-          <a:effectLst/>
-        </p:spPr>
-      </p:pic>
-      <p:pic>
-        <p:nvPicPr>
-          <p:cNvPr id="9" name="圖片 8" descr="一張含有 文字, 行, 圖表, 螢幕擷取畫面 的圖片&#10;&#10;AI 產生的內容可能不正確。">
-            <a:extLst>
-              <a:ext uri="{FF2B5EF4-FFF2-40B4-BE49-F238E27FC236}">
-                <a16:creationId xmlns:a16="http://schemas.microsoft.com/office/drawing/2014/main" id="{D4B240B6-9053-B30D-C945-6B73A58867DA}"/>
-              </a:ext>
-            </a:extLst>
-          </p:cNvPr>
-          <p:cNvPicPr>
-            <a:picLocks noChangeAspect="1"/>
-          </p:cNvPicPr>
-          <p:nvPr/>
-        </p:nvPicPr>
-        <p:blipFill>
-          <a:blip r:embed="rId3">
-            <a:extLst>
-              <a:ext uri="{28A0092B-C50C-407E-A947-70E740481C1C}">
-                <a14:useLocalDpi xmlns:a14="http://schemas.microsoft.com/office/drawing/2010/main" val="0"/>
-              </a:ext>
-            </a:extLst>
-          </a:blip>
-          <a:stretch>
-            <a:fillRect/>
-          </a:stretch>
-        </p:blipFill>
-        <p:spPr>
-          <a:xfrm>
-            <a:off x="4572000" y="3098053"/>
-            <a:ext cx="3633738" cy="2725304"/>
-          </a:xfrm>
-          <a:prstGeom prst="rect">
-            <a:avLst/>
-          </a:prstGeom>
-        </p:spPr>
-      </p:pic>
-      <p:sp>
-        <p:nvSpPr>
-          <p:cNvPr id="10" name="流程圖: 接點 9">
-            <a:extLst>
-              <a:ext uri="{FF2B5EF4-FFF2-40B4-BE49-F238E27FC236}">
-                <a16:creationId xmlns:a16="http://schemas.microsoft.com/office/drawing/2014/main" id="{428D2169-623F-BB26-05C8-C00AF827EF4D}"/>
-              </a:ext>
-            </a:extLst>
-          </p:cNvPr>
-          <p:cNvSpPr/>
-          <p:nvPr/>
-        </p:nvSpPr>
-        <p:spPr>
-          <a:xfrm>
-            <a:off x="3776353" y="3704159"/>
-            <a:ext cx="229590" cy="232029"/>
-          </a:xfrm>
-          <a:prstGeom prst="flowChartConnector">
-            <a:avLst/>
-          </a:prstGeom>
-          <a:ln>
-            <a:solidFill>
-              <a:srgbClr val="FF0000"/>
-            </a:solidFill>
-          </a:ln>
-        </p:spPr>
-        <p:txBody>
-          <a:bodyPr wrap="none" lIns="0" tIns="0" rIns="0" bIns="0" rtlCol="0" anchor="ctr">
-            <a:spAutoFit/>
-          </a:bodyPr>
-          <a:lstStyle/>
-          <a:p>
-            <a:pPr algn="l"/>
-            <a:endParaRPr kumimoji="1" lang="zh-TW" altLang="en-US" b="1" dirty="0"/>
-          </a:p>
-        </p:txBody>
-      </p:sp>
-      <p:sp>
-        <p:nvSpPr>
-          <p:cNvPr id="11" name="流程圖: 接點 10">
-            <a:extLst>
-              <a:ext uri="{FF2B5EF4-FFF2-40B4-BE49-F238E27FC236}">
-                <a16:creationId xmlns:a16="http://schemas.microsoft.com/office/drawing/2014/main" id="{CD5BDA8C-D49F-824E-AA9E-C66FDC974DF5}"/>
-              </a:ext>
-            </a:extLst>
-          </p:cNvPr>
-          <p:cNvSpPr/>
-          <p:nvPr/>
-        </p:nvSpPr>
-        <p:spPr>
-          <a:xfrm>
-            <a:off x="7555391" y="3704159"/>
-            <a:ext cx="229590" cy="232029"/>
-          </a:xfrm>
-          <a:prstGeom prst="flowChartConnector">
-            <a:avLst/>
-          </a:prstGeom>
-          <a:ln>
-            <a:solidFill>
-              <a:srgbClr val="FF0000"/>
-            </a:solidFill>
-          </a:ln>
-        </p:spPr>
-        <p:txBody>
-          <a:bodyPr wrap="none" lIns="0" tIns="0" rIns="0" bIns="0" rtlCol="0" anchor="ctr">
-            <a:spAutoFit/>
-          </a:bodyPr>
-          <a:lstStyle/>
-          <a:p>
-            <a:pPr algn="l"/>
-            <a:endParaRPr kumimoji="1" lang="zh-TW" altLang="en-US" b="1" dirty="0"/>
-          </a:p>
-        </p:txBody>
-      </p:sp>
-    </p:spTree>
-    <p:extLst>
-      <p:ext uri="{BB962C8B-B14F-4D97-AF65-F5344CB8AC3E}">
-        <p14:creationId xmlns:p14="http://schemas.microsoft.com/office/powerpoint/2010/main" val="407307563"/>
-      </p:ext>
-    </p:extLst>
-  </p:cSld>
-  <p:clrMapOvr>
-    <a:masterClrMapping/>
-  </p:clrMapOvr>
-</p:sld>
-</file>
-
-<file path=ppt/slides/slide7.xml><?xml version="1.0" encoding="utf-8"?>
-<p:sld xmlns:a="http://schemas.openxmlformats.org/drawingml/2006/main" xmlns:r="http://schemas.openxmlformats.org/officeDocument/2006/relationships" xmlns:p="http://schemas.openxmlformats.org/presentationml/2006/main">
-  <p:cSld>
-    <p:spTree>
-      <p:nvGrpSpPr>
-        <p:cNvPr id="1" name=""/>
-        <p:cNvGrpSpPr/>
-        <p:nvPr/>
-      </p:nvGrpSpPr>
-      <p:grpSpPr>
-        <a:xfrm>
-          <a:off x="0" y="0"/>
-          <a:ext cx="0" cy="0"/>
-          <a:chOff x="0" y="0"/>
-          <a:chExt cx="0" cy="0"/>
-        </a:xfrm>
-      </p:grpSpPr>
-      <p:sp>
-        <p:nvSpPr>
-          <p:cNvPr id="2" name="標題 1">
-            <a:extLst>
-              <a:ext uri="{FF2B5EF4-FFF2-40B4-BE49-F238E27FC236}">
-                <a16:creationId xmlns:a16="http://schemas.microsoft.com/office/drawing/2014/main" id="{6D19E936-0557-1469-30F5-A4B5EF748666}"/>
-              </a:ext>
-            </a:extLst>
-          </p:cNvPr>
-          <p:cNvSpPr>
-            <a:spLocks noGrp="1"/>
-          </p:cNvSpPr>
-          <p:nvPr>
-            <p:ph type="title"/>
-          </p:nvPr>
-        </p:nvSpPr>
-        <p:spPr/>
-        <p:txBody>
-          <a:bodyPr/>
-          <a:lstStyle/>
-          <a:p>
-            <a:r>
-              <a:rPr lang="en-US" altLang="zh-TW" dirty="0">
-                <a:solidFill>
-                  <a:srgbClr val="FF0000"/>
-                </a:solidFill>
-              </a:rPr>
-              <a:t>Exercise:</a:t>
-            </a:r>
-            <a:r>
-              <a:rPr lang="zh-TW" altLang="en-US" dirty="0">
-                <a:solidFill>
-                  <a:srgbClr val="FF0000"/>
-                </a:solidFill>
-              </a:rPr>
-              <a:t> </a:t>
-            </a:r>
-            <a:r>
-              <a:rPr lang="en-US" altLang="zh-TW" dirty="0">
-                <a:solidFill>
-                  <a:srgbClr val="FF0000"/>
-                </a:solidFill>
-              </a:rPr>
-              <a:t>Traveling Salesman Problem</a:t>
-            </a:r>
-            <a:endParaRPr lang="zh-TW" altLang="en-US" dirty="0"/>
-          </a:p>
-        </p:txBody>
-      </p:sp>
-      <p:sp>
-        <p:nvSpPr>
-          <p:cNvPr id="4" name="投影片編號版面配置區 3">
-            <a:extLst>
-              <a:ext uri="{FF2B5EF4-FFF2-40B4-BE49-F238E27FC236}">
-                <a16:creationId xmlns:a16="http://schemas.microsoft.com/office/drawing/2014/main" id="{447F2F27-2301-0D28-48F6-540CB59E0CB5}"/>
-              </a:ext>
-            </a:extLst>
-          </p:cNvPr>
-          <p:cNvSpPr>
-            <a:spLocks noGrp="1"/>
-          </p:cNvSpPr>
-          <p:nvPr>
-            <p:ph type="sldNum" sz="quarter" idx="12"/>
-          </p:nvPr>
-        </p:nvSpPr>
-        <p:spPr/>
-        <p:txBody>
-          <a:bodyPr/>
-          <a:lstStyle/>
-          <a:p>
-            <a:fld id="{A9A88A32-A370-4467-84B4-4FD87D5FB1DC}" type="slidenum">
-              <a:rPr lang="en-US" altLang="zh-TW" smtClean="0"/>
-              <a:pPr/>
-              <a:t>7</a:t>
-            </a:fld>
-            <a:endParaRPr lang="en-US" altLang="zh-TW" dirty="0"/>
-          </a:p>
-        </p:txBody>
-      </p:sp>
-      <mc:AlternateContent xmlns:mc="http://schemas.openxmlformats.org/markup-compatibility/2006">
-        <mc:Choice xmlns:a14="http://schemas.microsoft.com/office/drawing/2010/main" Requires="a14">
-          <p:sp>
-            <p:nvSpPr>
-              <p:cNvPr id="8" name="內容版面配置區 7">
-                <a:extLst>
-                  <a:ext uri="{FF2B5EF4-FFF2-40B4-BE49-F238E27FC236}">
-                    <a16:creationId xmlns:a16="http://schemas.microsoft.com/office/drawing/2014/main" id="{81B7E9C7-C3CC-21AC-DBF5-3BEFF2CE76E4}"/>
-                  </a:ext>
-                </a:extLst>
-              </p:cNvPr>
-              <p:cNvSpPr>
-                <a:spLocks noGrp="1"/>
-              </p:cNvSpPr>
-              <p:nvPr>
-                <p:ph idx="1"/>
-              </p:nvPr>
-            </p:nvSpPr>
-            <p:spPr/>
-            <p:txBody>
-              <a:bodyPr/>
-              <a:lstStyle/>
-              <a:p>
-                <a:r>
-                  <a:rPr lang="en-US" altLang="zh-TW" dirty="0"/>
-                  <a:t>Compare the differences between these two algorithms</a:t>
-                </a:r>
-              </a:p>
-              <a:p>
-                <a:pPr lvl="1"/>
-                <a:r>
-                  <a:rPr lang="en-US" altLang="zh-TW" dirty="0">
-                    <a:solidFill>
-                      <a:srgbClr val="FF0000"/>
-                    </a:solidFill>
-                  </a:rPr>
-                  <a:t>When </a:t>
-                </a:r>
-                <a14:m>
-                  <m:oMath xmlns:m="http://schemas.openxmlformats.org/officeDocument/2006/math">
-                    <m:r>
-                      <a:rPr lang="en-US" altLang="zh-TW" i="1" dirty="0" smtClean="0">
-                        <a:solidFill>
-                          <a:srgbClr val="FF0000"/>
-                        </a:solidFill>
-                        <a:latin typeface="Cambria Math" panose="02040503050406030204" pitchFamily="18" charset="0"/>
-                      </a:rPr>
-                      <m:t>𝑛</m:t>
-                    </m:r>
-                    <m:r>
-                      <a:rPr lang="en-US" altLang="zh-TW" i="1" dirty="0" smtClean="0">
-                        <a:solidFill>
-                          <a:srgbClr val="FF0000"/>
-                        </a:solidFill>
-                        <a:latin typeface="Cambria Math" panose="02040503050406030204" pitchFamily="18" charset="0"/>
-                      </a:rPr>
-                      <m:t>=17</m:t>
-                    </m:r>
-                  </m:oMath>
-                </a14:m>
-                <a:r>
-                  <a:rPr lang="en-US" altLang="zh-TW" dirty="0">
-                    <a:solidFill>
-                      <a:srgbClr val="FF0000"/>
-                    </a:solidFill>
-                  </a:rPr>
-                  <a:t>, the time required for DP exceeds that of ACO</a:t>
-                </a:r>
-              </a:p>
-              <a:p>
-                <a:endParaRPr lang="zh-TW" altLang="en-US" dirty="0"/>
-              </a:p>
-            </p:txBody>
-          </p:sp>
-        </mc:Choice>
-        <mc:Fallback>
-          <p:sp>
-            <p:nvSpPr>
-              <p:cNvPr id="8" name="內容版面配置區 7">
-                <a:extLst>
-                  <a:ext uri="{FF2B5EF4-FFF2-40B4-BE49-F238E27FC236}">
-                    <a16:creationId xmlns:a16="http://schemas.microsoft.com/office/drawing/2014/main" id="{81B7E9C7-C3CC-21AC-DBF5-3BEFF2CE76E4}"/>
-                  </a:ext>
-                </a:extLst>
-              </p:cNvPr>
-              <p:cNvSpPr>
-                <a:spLocks noGrp="1" noRot="1" noChangeAspect="1" noMove="1" noResize="1" noEditPoints="1" noAdjustHandles="1" noChangeArrowheads="1" noChangeShapeType="1" noTextEdit="1"/>
-              </p:cNvSpPr>
-              <p:nvPr>
-                <p:ph idx="1"/>
-              </p:nvPr>
-            </p:nvSpPr>
-            <p:spPr>
-              <a:blipFill>
-                <a:blip r:embed="rId2"/>
-                <a:stretch>
-                  <a:fillRect l="-368" t="-945"/>
-                </a:stretch>
-              </a:blipFill>
-            </p:spPr>
-            <p:txBody>
-              <a:bodyPr/>
-              <a:lstStyle/>
-              <a:p>
-                <a:r>
-                  <a:rPr lang="zh-TW" altLang="en-US">
-                    <a:noFill/>
-                  </a:rPr>
-                  <a:t> </a:t>
-                </a:r>
-              </a:p>
-            </p:txBody>
-          </p:sp>
-        </mc:Fallback>
-      </mc:AlternateContent>
-      <p:pic>
-        <p:nvPicPr>
-          <p:cNvPr id="11" name="內容版面配置區 9">
-            <a:extLst>
-              <a:ext uri="{FF2B5EF4-FFF2-40B4-BE49-F238E27FC236}">
-                <a16:creationId xmlns:a16="http://schemas.microsoft.com/office/drawing/2014/main" id="{A2586A7D-49D5-1E9C-C295-903BAD08504D}"/>
-              </a:ext>
-            </a:extLst>
-          </p:cNvPr>
-          <p:cNvPicPr>
-            <a:picLocks noChangeAspect="1"/>
-          </p:cNvPicPr>
-          <p:nvPr/>
-        </p:nvPicPr>
-        <p:blipFill>
-          <a:blip r:embed="rId3"/>
-          <a:stretch>
-            <a:fillRect/>
-          </a:stretch>
-        </p:blipFill>
-        <p:spPr bwMode="auto">
-          <a:xfrm>
-            <a:off x="2251037" y="2309405"/>
-            <a:ext cx="4580015" cy="3435012"/>
-          </a:xfrm>
-          <a:prstGeom prst="rect">
-            <a:avLst/>
-          </a:prstGeom>
-          <a:noFill/>
-          <a:ln w="9525">
-            <a:noFill/>
-            <a:miter lim="800000"/>
-            <a:headEnd/>
-            <a:tailEnd/>
-          </a:ln>
-          <a:effectLst/>
-        </p:spPr>
-      </p:pic>
-    </p:spTree>
-    <p:extLst>
-      <p:ext uri="{BB962C8B-B14F-4D97-AF65-F5344CB8AC3E}">
-        <p14:creationId xmlns:p14="http://schemas.microsoft.com/office/powerpoint/2010/main" val="2899765048"/>
       </p:ext>
     </p:extLst>
   </p:cSld>

--- a/AI_presentation/aco_presentation_solution.pptx
+++ b/AI_presentation/aco_presentation_solution.pptx
@@ -5,7 +5,7 @@
     <p:sldMasterId id="2147483663" r:id="rId1"/>
   </p:sldMasterIdLst>
   <p:notesMasterIdLst>
-    <p:notesMasterId r:id="rId14"/>
+    <p:notesMasterId r:id="rId16"/>
   </p:notesMasterIdLst>
   <p:sldIdLst>
     <p:sldId id="325" r:id="rId2"/>
@@ -19,7 +19,9 @@
     <p:sldId id="734" r:id="rId10"/>
     <p:sldId id="733" r:id="rId11"/>
     <p:sldId id="737" r:id="rId12"/>
-    <p:sldId id="673" r:id="rId13"/>
+    <p:sldId id="745" r:id="rId13"/>
+    <p:sldId id="746" r:id="rId14"/>
+    <p:sldId id="673" r:id="rId15"/>
   </p:sldIdLst>
   <p:sldSz cx="9144000" cy="6858000" type="screen4x3"/>
   <p:notesSz cx="6797675" cy="9926638"/>
@@ -149,7 +151,7 @@
 <file path=ppt/revisionInfo.xml><?xml version="1.0" encoding="utf-8"?>
 <p1510:revInfo xmlns:a="http://schemas.openxmlformats.org/drawingml/2006/main" xmlns:r="http://schemas.openxmlformats.org/officeDocument/2006/relationships" xmlns:p1510="http://schemas.microsoft.com/office/powerpoint/2015/10/main">
   <p1510:revLst>
-    <p1510:client id="{F788D4C0-ED1F-4555-BBF0-AC30F242B945}" v="23" dt="2025-02-25T07:42:07.829"/>
+    <p1510:client id="{F788D4C0-ED1F-4555-BBF0-AC30F242B945}" v="28" dt="2025-03-04T09:04:59.242"/>
   </p1510:revLst>
 </p1510:revInfo>
 </file>
@@ -159,7 +161,7 @@
   <pc:docChgLst>
     <pc:chgData name="宏傑 楊" userId="ee57404c450d34c3" providerId="LiveId" clId="{F788D4C0-ED1F-4555-BBF0-AC30F242B945}"/>
     <pc:docChg chg="undo redo custSel addSld delSld modSld sldOrd">
-      <pc:chgData name="宏傑 楊" userId="ee57404c450d34c3" providerId="LiveId" clId="{F788D4C0-ED1F-4555-BBF0-AC30F242B945}" dt="2025-02-25T07:48:49.787" v="1382" actId="20577"/>
+      <pc:chgData name="宏傑 楊" userId="ee57404c450d34c3" providerId="LiveId" clId="{F788D4C0-ED1F-4555-BBF0-AC30F242B945}" dt="2025-03-04T09:05:11.961" v="1592" actId="478"/>
       <pc:docMkLst>
         <pc:docMk/>
       </pc:docMkLst>
@@ -210,13 +212,13 @@
         </pc:spChg>
       </pc:sldChg>
       <pc:sldChg chg="modSp mod">
-        <pc:chgData name="宏傑 楊" userId="ee57404c450d34c3" providerId="LiveId" clId="{F788D4C0-ED1F-4555-BBF0-AC30F242B945}" dt="2025-02-18T08:49:03.422" v="815" actId="20577"/>
+        <pc:chgData name="宏傑 楊" userId="ee57404c450d34c3" providerId="LiveId" clId="{F788D4C0-ED1F-4555-BBF0-AC30F242B945}" dt="2025-03-03T01:20:15.332" v="1388" actId="20577"/>
         <pc:sldMkLst>
           <pc:docMk/>
           <pc:sldMk cId="4280444802" sldId="734"/>
         </pc:sldMkLst>
         <pc:spChg chg="mod">
-          <ac:chgData name="宏傑 楊" userId="ee57404c450d34c3" providerId="LiveId" clId="{F788D4C0-ED1F-4555-BBF0-AC30F242B945}" dt="2025-02-18T08:49:03.422" v="815" actId="20577"/>
+          <ac:chgData name="宏傑 楊" userId="ee57404c450d34c3" providerId="LiveId" clId="{F788D4C0-ED1F-4555-BBF0-AC30F242B945}" dt="2025-03-03T01:20:15.332" v="1388" actId="20577"/>
           <ac:spMkLst>
             <pc:docMk/>
             <pc:sldMk cId="4280444802" sldId="734"/>
@@ -314,46 +316,6 @@
           <pc:docMk/>
           <pc:sldMk cId="2892009767" sldId="738"/>
         </pc:sldMkLst>
-        <pc:spChg chg="mod">
-          <ac:chgData name="宏傑 楊" userId="ee57404c450d34c3" providerId="LiveId" clId="{F788D4C0-ED1F-4555-BBF0-AC30F242B945}" dt="2025-02-25T05:15:53.317" v="1041" actId="20577"/>
-          <ac:spMkLst>
-            <pc:docMk/>
-            <pc:sldMk cId="2892009767" sldId="738"/>
-            <ac:spMk id="2" creationId="{1F46E874-20A5-0FB3-4670-E3E4359D3652}"/>
-          </ac:spMkLst>
-        </pc:spChg>
-        <pc:spChg chg="del">
-          <ac:chgData name="宏傑 楊" userId="ee57404c450d34c3" providerId="LiveId" clId="{F788D4C0-ED1F-4555-BBF0-AC30F242B945}" dt="2025-02-25T05:25:15.295" v="1049" actId="478"/>
-          <ac:spMkLst>
-            <pc:docMk/>
-            <pc:sldMk cId="2892009767" sldId="738"/>
-            <ac:spMk id="3" creationId="{CB798714-1200-7138-1E3B-3B6BFEEB253B}"/>
-          </ac:spMkLst>
-        </pc:spChg>
-        <pc:picChg chg="add mod modCrop">
-          <ac:chgData name="宏傑 楊" userId="ee57404c450d34c3" providerId="LiveId" clId="{F788D4C0-ED1F-4555-BBF0-AC30F242B945}" dt="2025-02-25T05:34:08.887" v="1066" actId="1076"/>
-          <ac:picMkLst>
-            <pc:docMk/>
-            <pc:sldMk cId="2892009767" sldId="738"/>
-            <ac:picMk id="6" creationId="{F706BA4F-CF36-AF1E-8537-F2537E07C937}"/>
-          </ac:picMkLst>
-        </pc:picChg>
-        <pc:picChg chg="add del mod">
-          <ac:chgData name="宏傑 楊" userId="ee57404c450d34c3" providerId="LiveId" clId="{F788D4C0-ED1F-4555-BBF0-AC30F242B945}" dt="2025-02-25T05:33:53.984" v="1059" actId="478"/>
-          <ac:picMkLst>
-            <pc:docMk/>
-            <pc:sldMk cId="2892009767" sldId="738"/>
-            <ac:picMk id="8" creationId="{74C67CAE-0609-8466-624A-30FDE9A1C0B8}"/>
-          </ac:picMkLst>
-        </pc:picChg>
-        <pc:picChg chg="add mod">
-          <ac:chgData name="宏傑 楊" userId="ee57404c450d34c3" providerId="LiveId" clId="{F788D4C0-ED1F-4555-BBF0-AC30F242B945}" dt="2025-02-25T05:34:13.984" v="1067" actId="1076"/>
-          <ac:picMkLst>
-            <pc:docMk/>
-            <pc:sldMk cId="2892009767" sldId="738"/>
-            <ac:picMk id="10" creationId="{846842DD-BAA0-0ED3-BAB1-27CBB111939B}"/>
-          </ac:picMkLst>
-        </pc:picChg>
       </pc:sldChg>
       <pc:sldChg chg="addSp delSp modSp new del mod">
         <pc:chgData name="宏傑 楊" userId="ee57404c450d34c3" providerId="LiveId" clId="{F788D4C0-ED1F-4555-BBF0-AC30F242B945}" dt="2025-02-25T06:44:08.745" v="1259" actId="47"/>
@@ -361,62 +323,6 @@
           <pc:docMk/>
           <pc:sldMk cId="1072418056" sldId="739"/>
         </pc:sldMkLst>
-        <pc:spChg chg="mod">
-          <ac:chgData name="宏傑 楊" userId="ee57404c450d34c3" providerId="LiveId" clId="{F788D4C0-ED1F-4555-BBF0-AC30F242B945}" dt="2025-02-25T05:25:35.324" v="1053"/>
-          <ac:spMkLst>
-            <pc:docMk/>
-            <pc:sldMk cId="1072418056" sldId="739"/>
-            <ac:spMk id="2" creationId="{A17A31D5-817A-3EBC-657D-A2EF57715A59}"/>
-          </ac:spMkLst>
-        </pc:spChg>
-        <pc:spChg chg="del">
-          <ac:chgData name="宏傑 楊" userId="ee57404c450d34c3" providerId="LiveId" clId="{F788D4C0-ED1F-4555-BBF0-AC30F242B945}" dt="2025-02-25T05:27:24.547" v="1054" actId="478"/>
-          <ac:spMkLst>
-            <pc:docMk/>
-            <pc:sldMk cId="1072418056" sldId="739"/>
-            <ac:spMk id="3" creationId="{1DFD4C53-3D28-B5CE-1DF9-DD58FA150264}"/>
-          </ac:spMkLst>
-        </pc:spChg>
-        <pc:picChg chg="add del mod">
-          <ac:chgData name="宏傑 楊" userId="ee57404c450d34c3" providerId="LiveId" clId="{F788D4C0-ED1F-4555-BBF0-AC30F242B945}" dt="2025-02-25T05:28:54.122" v="1057" actId="478"/>
-          <ac:picMkLst>
-            <pc:docMk/>
-            <pc:sldMk cId="1072418056" sldId="739"/>
-            <ac:picMk id="5" creationId="{3CEEC3D9-D263-56AA-9EDF-B353FBEEAC18}"/>
-          </ac:picMkLst>
-        </pc:picChg>
-        <pc:picChg chg="add del mod">
-          <ac:chgData name="宏傑 楊" userId="ee57404c450d34c3" providerId="LiveId" clId="{F788D4C0-ED1F-4555-BBF0-AC30F242B945}" dt="2025-02-25T05:35:05.118" v="1076" actId="478"/>
-          <ac:picMkLst>
-            <pc:docMk/>
-            <pc:sldMk cId="1072418056" sldId="739"/>
-            <ac:picMk id="7" creationId="{12C90CB6-637B-7D6F-09DC-BD94C69F7734}"/>
-          </ac:picMkLst>
-        </pc:picChg>
-        <pc:picChg chg="add mod">
-          <ac:chgData name="宏傑 楊" userId="ee57404c450d34c3" providerId="LiveId" clId="{F788D4C0-ED1F-4555-BBF0-AC30F242B945}" dt="2025-02-25T05:34:22.219" v="1069" actId="571"/>
-          <ac:picMkLst>
-            <pc:docMk/>
-            <pc:sldMk cId="1072418056" sldId="739"/>
-            <ac:picMk id="8" creationId="{B1239AC6-765C-97D1-2865-0945573E42D7}"/>
-          </ac:picMkLst>
-        </pc:picChg>
-        <pc:picChg chg="add mod">
-          <ac:chgData name="宏傑 楊" userId="ee57404c450d34c3" providerId="LiveId" clId="{F788D4C0-ED1F-4555-BBF0-AC30F242B945}" dt="2025-02-25T06:42:33.116" v="1234" actId="1076"/>
-          <ac:picMkLst>
-            <pc:docMk/>
-            <pc:sldMk cId="1072418056" sldId="739"/>
-            <ac:picMk id="10" creationId="{5109ABF3-AF64-FE95-F908-F7F615BC4A21}"/>
-          </ac:picMkLst>
-        </pc:picChg>
-        <pc:picChg chg="add mod">
-          <ac:chgData name="宏傑 楊" userId="ee57404c450d34c3" providerId="LiveId" clId="{F788D4C0-ED1F-4555-BBF0-AC30F242B945}" dt="2025-02-25T06:42:30.900" v="1233" actId="14100"/>
-          <ac:picMkLst>
-            <pc:docMk/>
-            <pc:sldMk cId="1072418056" sldId="739"/>
-            <ac:picMk id="12" creationId="{901F23AC-E0D8-5F83-7ED3-9BDBB28E3EDE}"/>
-          </ac:picMkLst>
-        </pc:picChg>
       </pc:sldChg>
       <pc:sldChg chg="addSp delSp modSp new mod ord">
         <pc:chgData name="宏傑 楊" userId="ee57404c450d34c3" providerId="LiveId" clId="{F788D4C0-ED1F-4555-BBF0-AC30F242B945}" dt="2025-02-25T07:46:37.903" v="1354"/>
@@ -440,44 +346,12 @@
             <ac:spMk id="3" creationId="{CE5A4CA1-F280-9283-F411-A0DBD13B73A2}"/>
           </ac:spMkLst>
         </pc:spChg>
-        <pc:picChg chg="add mod">
-          <ac:chgData name="宏傑 楊" userId="ee57404c450d34c3" providerId="LiveId" clId="{F788D4C0-ED1F-4555-BBF0-AC30F242B945}" dt="2025-02-25T05:35:44.216" v="1083"/>
-          <ac:picMkLst>
-            <pc:docMk/>
-            <pc:sldMk cId="1076020459" sldId="740"/>
-            <ac:picMk id="5" creationId="{D41435E8-83BA-CBF4-A364-7EF11E464256}"/>
-          </ac:picMkLst>
-        </pc:picChg>
-        <pc:picChg chg="add del mod">
-          <ac:chgData name="宏傑 楊" userId="ee57404c450d34c3" providerId="LiveId" clId="{F788D4C0-ED1F-4555-BBF0-AC30F242B945}" dt="2025-02-25T07:35:55.110" v="1298" actId="478"/>
-          <ac:picMkLst>
-            <pc:docMk/>
-            <pc:sldMk cId="1076020459" sldId="740"/>
-            <ac:picMk id="6" creationId="{FC9058F7-7FB6-B8D9-82A9-6125AC1ECBC2}"/>
-          </ac:picMkLst>
-        </pc:picChg>
-        <pc:picChg chg="add del mod">
-          <ac:chgData name="宏傑 楊" userId="ee57404c450d34c3" providerId="LiveId" clId="{F788D4C0-ED1F-4555-BBF0-AC30F242B945}" dt="2025-02-25T07:38:39.251" v="1303" actId="478"/>
-          <ac:picMkLst>
-            <pc:docMk/>
-            <pc:sldMk cId="1076020459" sldId="740"/>
-            <ac:picMk id="7" creationId="{AF412D76-BF56-5272-AD8F-D53840B1DD96}"/>
-          </ac:picMkLst>
-        </pc:picChg>
         <pc:picChg chg="add mod modCrop">
           <ac:chgData name="宏傑 楊" userId="ee57404c450d34c3" providerId="LiveId" clId="{F788D4C0-ED1F-4555-BBF0-AC30F242B945}" dt="2025-02-25T07:36:16.419" v="1302" actId="1076"/>
           <ac:picMkLst>
             <pc:docMk/>
             <pc:sldMk cId="1076020459" sldId="740"/>
             <ac:picMk id="8" creationId="{E51B4932-4386-2C2E-3714-1B1197EDE4A2}"/>
-          </ac:picMkLst>
-        </pc:picChg>
-        <pc:picChg chg="add del mod">
-          <ac:chgData name="宏傑 楊" userId="ee57404c450d34c3" providerId="LiveId" clId="{F788D4C0-ED1F-4555-BBF0-AC30F242B945}" dt="2025-02-25T07:44:38.594" v="1321" actId="478"/>
-          <ac:picMkLst>
-            <pc:docMk/>
-            <pc:sldMk cId="1076020459" sldId="740"/>
-            <ac:picMk id="10" creationId="{82219BA5-6A7A-FDBE-43F6-18D4C2700641}"/>
           </ac:picMkLst>
         </pc:picChg>
         <pc:picChg chg="add mod modCrop">
@@ -489,8 +363,8 @@
           </ac:picMkLst>
         </pc:picChg>
       </pc:sldChg>
-      <pc:sldChg chg="addSp modSp new mod">
-        <pc:chgData name="宏傑 楊" userId="ee57404c450d34c3" providerId="LiveId" clId="{F788D4C0-ED1F-4555-BBF0-AC30F242B945}" dt="2025-02-25T06:48:21.251" v="1277" actId="20577"/>
+      <pc:sldChg chg="addSp delSp modSp new mod">
+        <pc:chgData name="宏傑 楊" userId="ee57404c450d34c3" providerId="LiveId" clId="{F788D4C0-ED1F-4555-BBF0-AC30F242B945}" dt="2025-03-03T01:20:00.147" v="1387" actId="1076"/>
         <pc:sldMkLst>
           <pc:docMk/>
           <pc:sldMk cId="3764088536" sldId="741"/>
@@ -511,8 +385,8 @@
             <ac:spMk id="3" creationId="{E4EA9397-5188-A102-BC8E-04FE4446795C}"/>
           </ac:spMkLst>
         </pc:spChg>
-        <pc:picChg chg="add mod">
-          <ac:chgData name="宏傑 楊" userId="ee57404c450d34c3" providerId="LiveId" clId="{F788D4C0-ED1F-4555-BBF0-AC30F242B945}" dt="2025-02-25T06:42:51.871" v="1243" actId="1076"/>
+        <pc:picChg chg="add del mod">
+          <ac:chgData name="宏傑 楊" userId="ee57404c450d34c3" providerId="LiveId" clId="{F788D4C0-ED1F-4555-BBF0-AC30F242B945}" dt="2025-03-03T01:19:46.718" v="1383" actId="478"/>
           <ac:picMkLst>
             <pc:docMk/>
             <pc:sldMk cId="3764088536" sldId="741"/>
@@ -525,6 +399,14 @@
             <pc:docMk/>
             <pc:sldMk cId="3764088536" sldId="741"/>
             <ac:picMk id="6" creationId="{B68DB7A0-5024-2E27-496A-52F766B24FD1}"/>
+          </ac:picMkLst>
+        </pc:picChg>
+        <pc:picChg chg="add mod">
+          <ac:chgData name="宏傑 楊" userId="ee57404c450d34c3" providerId="LiveId" clId="{F788D4C0-ED1F-4555-BBF0-AC30F242B945}" dt="2025-03-03T01:20:00.147" v="1387" actId="1076"/>
+          <ac:picMkLst>
+            <pc:docMk/>
+            <pc:sldMk cId="3764088536" sldId="741"/>
+            <ac:picMk id="8" creationId="{F8012FFC-4D33-A508-8081-72FEE7466F03}"/>
           </ac:picMkLst>
         </pc:picChg>
       </pc:sldChg>
@@ -549,14 +431,6 @@
             <ac:spMk id="2" creationId="{E1292033-1A8B-BF11-C371-E0A2EDD9D1B0}"/>
           </ac:spMkLst>
         </pc:spChg>
-        <pc:spChg chg="del">
-          <ac:chgData name="宏傑 楊" userId="ee57404c450d34c3" providerId="LiveId" clId="{F788D4C0-ED1F-4555-BBF0-AC30F242B945}" dt="2025-02-25T07:41:56.925" v="1309" actId="22"/>
-          <ac:spMkLst>
-            <pc:docMk/>
-            <pc:sldMk cId="1355149490" sldId="743"/>
-            <ac:spMk id="3" creationId="{8924E9E9-6C87-EA08-5D25-CBDC573A8D2D}"/>
-          </ac:spMkLst>
-        </pc:spChg>
         <pc:spChg chg="add mod">
           <ac:chgData name="宏傑 楊" userId="ee57404c450d34c3" providerId="LiveId" clId="{F788D4C0-ED1F-4555-BBF0-AC30F242B945}" dt="2025-02-25T07:48:49.787" v="1382" actId="20577"/>
           <ac:spMkLst>
@@ -565,14 +439,6 @@
             <ac:spMk id="8" creationId="{14571769-B0FD-33AD-5F03-97C52D6D9A1A}"/>
           </ac:spMkLst>
         </pc:spChg>
-        <pc:picChg chg="add del mod ord modCrop">
-          <ac:chgData name="宏傑 楊" userId="ee57404c450d34c3" providerId="LiveId" clId="{F788D4C0-ED1F-4555-BBF0-AC30F242B945}" dt="2025-02-25T07:42:05.479" v="1312" actId="21"/>
-          <ac:picMkLst>
-            <pc:docMk/>
-            <pc:sldMk cId="1355149490" sldId="743"/>
-            <ac:picMk id="6" creationId="{B55ECA92-D835-EE0F-E1AB-D0999459762C}"/>
-          </ac:picMkLst>
-        </pc:picChg>
         <pc:picChg chg="add mod">
           <ac:chgData name="宏傑 楊" userId="ee57404c450d34c3" providerId="LiveId" clId="{F788D4C0-ED1F-4555-BBF0-AC30F242B945}" dt="2025-02-25T07:42:26.210" v="1320" actId="1076"/>
           <ac:picMkLst>
@@ -604,20 +470,90 @@
             <ac:spMk id="3" creationId="{5FA68686-1996-50F0-C053-AE7829F90A77}"/>
           </ac:spMkLst>
         </pc:spChg>
-        <pc:picChg chg="add del mod">
-          <ac:chgData name="宏傑 楊" userId="ee57404c450d34c3" providerId="LiveId" clId="{F788D4C0-ED1F-4555-BBF0-AC30F242B945}" dt="2025-02-25T07:48:14.667" v="1360" actId="478"/>
-          <ac:picMkLst>
-            <pc:docMk/>
-            <pc:sldMk cId="3242046050" sldId="744"/>
-            <ac:picMk id="6" creationId="{977D68AE-ABDA-1C52-8F55-7AF5FD454391}"/>
-          </ac:picMkLst>
-        </pc:picChg>
         <pc:picChg chg="add mod modCrop">
           <ac:chgData name="宏傑 楊" userId="ee57404c450d34c3" providerId="LiveId" clId="{F788D4C0-ED1F-4555-BBF0-AC30F242B945}" dt="2025-02-25T07:48:31.261" v="1364" actId="1076"/>
           <ac:picMkLst>
             <pc:docMk/>
             <pc:sldMk cId="3242046050" sldId="744"/>
             <ac:picMk id="8" creationId="{72596AD1-3559-D20A-0EBB-59FC5776AD27}"/>
+          </ac:picMkLst>
+        </pc:picChg>
+      </pc:sldChg>
+      <pc:sldChg chg="addSp modSp new mod ord">
+        <pc:chgData name="宏傑 楊" userId="ee57404c450d34c3" providerId="LiveId" clId="{F788D4C0-ED1F-4555-BBF0-AC30F242B945}" dt="2025-03-04T08:54:20.035" v="1543" actId="1076"/>
+        <pc:sldMkLst>
+          <pc:docMk/>
+          <pc:sldMk cId="1412675483" sldId="745"/>
+        </pc:sldMkLst>
+        <pc:spChg chg="mod">
+          <ac:chgData name="宏傑 楊" userId="ee57404c450d34c3" providerId="LiveId" clId="{F788D4C0-ED1F-4555-BBF0-AC30F242B945}" dt="2025-03-04T08:50:47.686" v="1395"/>
+          <ac:spMkLst>
+            <pc:docMk/>
+            <pc:sldMk cId="1412675483" sldId="745"/>
+            <ac:spMk id="2" creationId="{C5501374-9227-4FB0-2AE8-E449F5149A01}"/>
+          </ac:spMkLst>
+        </pc:spChg>
+        <pc:spChg chg="mod">
+          <ac:chgData name="宏傑 楊" userId="ee57404c450d34c3" providerId="LiveId" clId="{F788D4C0-ED1F-4555-BBF0-AC30F242B945}" dt="2025-03-04T08:54:17.109" v="1542" actId="20577"/>
+          <ac:spMkLst>
+            <pc:docMk/>
+            <pc:sldMk cId="1412675483" sldId="745"/>
+            <ac:spMk id="3" creationId="{0E505B4F-771B-CB06-BD29-EE80B397B87A}"/>
+          </ac:spMkLst>
+        </pc:spChg>
+        <pc:picChg chg="add mod">
+          <ac:chgData name="宏傑 楊" userId="ee57404c450d34c3" providerId="LiveId" clId="{F788D4C0-ED1F-4555-BBF0-AC30F242B945}" dt="2025-03-04T08:54:20.035" v="1543" actId="1076"/>
+          <ac:picMkLst>
+            <pc:docMk/>
+            <pc:sldMk cId="1412675483" sldId="745"/>
+            <ac:picMk id="5" creationId="{9D0759AE-BF21-D6FC-25C2-5DF7D666EFA1}"/>
+          </ac:picMkLst>
+        </pc:picChg>
+      </pc:sldChg>
+      <pc:sldChg chg="addSp delSp modSp new mod ord">
+        <pc:chgData name="宏傑 楊" userId="ee57404c450d34c3" providerId="LiveId" clId="{F788D4C0-ED1F-4555-BBF0-AC30F242B945}" dt="2025-03-04T09:05:11.961" v="1592" actId="478"/>
+        <pc:sldMkLst>
+          <pc:docMk/>
+          <pc:sldMk cId="2723518008" sldId="746"/>
+        </pc:sldMkLst>
+        <pc:spChg chg="mod">
+          <ac:chgData name="宏傑 楊" userId="ee57404c450d34c3" providerId="LiveId" clId="{F788D4C0-ED1F-4555-BBF0-AC30F242B945}" dt="2025-03-04T08:50:49.174" v="1396"/>
+          <ac:spMkLst>
+            <pc:docMk/>
+            <pc:sldMk cId="2723518008" sldId="746"/>
+            <ac:spMk id="2" creationId="{B9A324FC-8105-FCFC-A844-50B32953CDE8}"/>
+          </ac:spMkLst>
+        </pc:spChg>
+        <pc:spChg chg="mod">
+          <ac:chgData name="宏傑 楊" userId="ee57404c450d34c3" providerId="LiveId" clId="{F788D4C0-ED1F-4555-BBF0-AC30F242B945}" dt="2025-03-04T08:55:28.816" v="1587" actId="20577"/>
+          <ac:spMkLst>
+            <pc:docMk/>
+            <pc:sldMk cId="2723518008" sldId="746"/>
+            <ac:spMk id="3" creationId="{7D5E454E-A88E-EF24-E701-D17E2D61726F}"/>
+          </ac:spMkLst>
+        </pc:spChg>
+        <pc:picChg chg="add mod">
+          <ac:chgData name="宏傑 楊" userId="ee57404c450d34c3" providerId="LiveId" clId="{F788D4C0-ED1F-4555-BBF0-AC30F242B945}" dt="2025-03-04T08:51:18.101" v="1403" actId="1076"/>
+          <ac:picMkLst>
+            <pc:docMk/>
+            <pc:sldMk cId="2723518008" sldId="746"/>
+            <ac:picMk id="5" creationId="{0F85A821-D72D-C787-F986-9943BA08D922}"/>
+          </ac:picMkLst>
+        </pc:picChg>
+        <pc:picChg chg="add mod">
+          <ac:chgData name="宏傑 楊" userId="ee57404c450d34c3" providerId="LiveId" clId="{F788D4C0-ED1F-4555-BBF0-AC30F242B945}" dt="2025-03-04T09:05:09.369" v="1591" actId="1076"/>
+          <ac:picMkLst>
+            <pc:docMk/>
+            <pc:sldMk cId="2723518008" sldId="746"/>
+            <ac:picMk id="6" creationId="{2174F58C-78F0-EAAC-8A9A-4212625F88E4}"/>
+          </ac:picMkLst>
+        </pc:picChg>
+        <pc:picChg chg="add del mod">
+          <ac:chgData name="宏傑 楊" userId="ee57404c450d34c3" providerId="LiveId" clId="{F788D4C0-ED1F-4555-BBF0-AC30F242B945}" dt="2025-03-04T09:05:11.961" v="1592" actId="478"/>
+          <ac:picMkLst>
+            <pc:docMk/>
+            <pc:sldMk cId="2723518008" sldId="746"/>
+            <ac:picMk id="7" creationId="{F0D1791E-8E68-F227-15B6-E0A4698569DD}"/>
           </ac:picMkLst>
         </pc:picChg>
       </pc:sldChg>
@@ -857,7 +793,7 @@
           <a:p>
             <a:fld id="{236E2DC6-5F02-4BAC-8FEE-35E3F54D4DA8}" type="datetimeFigureOut">
               <a:rPr lang="zh-TW" altLang="en-US" smtClean="0"/>
-              <a:t>2025/2/25</a:t>
+              <a:t>2025/3/4</a:t>
             </a:fld>
             <a:endParaRPr lang="zh-TW" altLang="en-US"/>
           </a:p>
@@ -1201,7 +1137,7 @@
                 <a:latin typeface="Times New Roman" pitchFamily="18" charset="0"/>
               </a:rPr>
               <a:pPr/>
-              <a:t>February 25, 2025</a:t>
+              <a:t>March 4, 2025</a:t>
             </a:fld>
             <a:endParaRPr lang="en-US" altLang="zh-TW">
               <a:latin typeface="Times New Roman" pitchFamily="18" charset="0"/>
@@ -3495,7 +3431,7 @@
           <p:cNvPr id="2" name="標題 1">
             <a:extLst>
               <a:ext uri="{FF2B5EF4-FFF2-40B4-BE49-F238E27FC236}">
-                <a16:creationId xmlns:a16="http://schemas.microsoft.com/office/drawing/2014/main" id="{6D19E936-0557-1469-30F5-A4B5EF748666}"/>
+                <a16:creationId xmlns:a16="http://schemas.microsoft.com/office/drawing/2014/main" id="{C5501374-9227-4FB0-2AE8-E449F5149A01}"/>
               </a:ext>
             </a:extLst>
           </p:cNvPr>
@@ -3541,6 +3477,387 @@
       </p:sp>
       <p:sp>
         <p:nvSpPr>
+          <p:cNvPr id="3" name="內容版面配置區 2">
+            <a:extLst>
+              <a:ext uri="{FF2B5EF4-FFF2-40B4-BE49-F238E27FC236}">
+                <a16:creationId xmlns:a16="http://schemas.microsoft.com/office/drawing/2014/main" id="{0E505B4F-771B-CB06-BD29-EE80B397B87A}"/>
+              </a:ext>
+            </a:extLst>
+          </p:cNvPr>
+          <p:cNvSpPr>
+            <a:spLocks noGrp="1"/>
+          </p:cNvSpPr>
+          <p:nvPr>
+            <p:ph idx="1"/>
+          </p:nvPr>
+        </p:nvSpPr>
+        <p:spPr/>
+        <p:txBody>
+          <a:bodyPr/>
+          <a:lstStyle/>
+          <a:p>
+            <a:r>
+              <a:rPr lang="en-US" altLang="zh-TW" dirty="0"/>
+              <a:t>Scatter Plot</a:t>
+            </a:r>
+          </a:p>
+          <a:p>
+            <a:pPr lvl="1"/>
+            <a:r>
+              <a:rPr lang="en-US" altLang="zh-TW" dirty="0"/>
+              <a:t>X-axis (Cities)</a:t>
+            </a:r>
+          </a:p>
+          <a:p>
+            <a:pPr lvl="1"/>
+            <a:r>
+              <a:rPr lang="en-US" altLang="zh-TW" dirty="0"/>
+              <a:t>Y-axis (Dynamic Programming Time Cost)</a:t>
+            </a:r>
+          </a:p>
+          <a:p>
+            <a:pPr lvl="1"/>
+            <a:endParaRPr lang="zh-TW" altLang="en-US" dirty="0"/>
+          </a:p>
+        </p:txBody>
+      </p:sp>
+      <p:sp>
+        <p:nvSpPr>
+          <p:cNvPr id="4" name="投影片編號版面配置區 3">
+            <a:extLst>
+              <a:ext uri="{FF2B5EF4-FFF2-40B4-BE49-F238E27FC236}">
+                <a16:creationId xmlns:a16="http://schemas.microsoft.com/office/drawing/2014/main" id="{C28CB7B1-E13A-8702-A99B-D5FEDDD1A265}"/>
+              </a:ext>
+            </a:extLst>
+          </p:cNvPr>
+          <p:cNvSpPr>
+            <a:spLocks noGrp="1"/>
+          </p:cNvSpPr>
+          <p:nvPr>
+            <p:ph type="sldNum" sz="quarter" idx="12"/>
+          </p:nvPr>
+        </p:nvSpPr>
+        <p:spPr/>
+        <p:txBody>
+          <a:bodyPr/>
+          <a:lstStyle/>
+          <a:p>
+            <a:fld id="{A9A88A32-A370-4467-84B4-4FD87D5FB1DC}" type="slidenum">
+              <a:rPr lang="en-US" altLang="zh-TW" smtClean="0"/>
+              <a:pPr/>
+              <a:t>12</a:t>
+            </a:fld>
+            <a:endParaRPr lang="en-US" altLang="zh-TW" dirty="0"/>
+          </a:p>
+        </p:txBody>
+      </p:sp>
+      <p:pic>
+        <p:nvPicPr>
+          <p:cNvPr id="5" name="圖片 4" descr="一張含有 行, 文字, 繪圖, 收據 的圖片&#10;&#10;AI 產生的內容可能不正確。">
+            <a:extLst>
+              <a:ext uri="{FF2B5EF4-FFF2-40B4-BE49-F238E27FC236}">
+                <a16:creationId xmlns:a16="http://schemas.microsoft.com/office/drawing/2014/main" id="{9D0759AE-BF21-D6FC-25C2-5DF7D666EFA1}"/>
+              </a:ext>
+            </a:extLst>
+          </p:cNvPr>
+          <p:cNvPicPr>
+            <a:picLocks noChangeAspect="1"/>
+          </p:cNvPicPr>
+          <p:nvPr/>
+        </p:nvPicPr>
+        <p:blipFill>
+          <a:blip r:embed="rId2">
+            <a:extLst>
+              <a:ext uri="{28A0092B-C50C-407E-A947-70E740481C1C}">
+                <a14:useLocalDpi xmlns:a14="http://schemas.microsoft.com/office/drawing/2010/main" val="0"/>
+              </a:ext>
+            </a:extLst>
+          </a:blip>
+          <a:stretch>
+            <a:fillRect/>
+          </a:stretch>
+        </p:blipFill>
+        <p:spPr>
+          <a:xfrm>
+            <a:off x="415636" y="2969017"/>
+            <a:ext cx="8312727" cy="2664335"/>
+          </a:xfrm>
+          <a:prstGeom prst="rect">
+            <a:avLst/>
+          </a:prstGeom>
+        </p:spPr>
+      </p:pic>
+    </p:spTree>
+    <p:extLst>
+      <p:ext uri="{BB962C8B-B14F-4D97-AF65-F5344CB8AC3E}">
+        <p14:creationId xmlns:p14="http://schemas.microsoft.com/office/powerpoint/2010/main" val="1412675483"/>
+      </p:ext>
+    </p:extLst>
+  </p:cSld>
+  <p:clrMapOvr>
+    <a:masterClrMapping/>
+  </p:clrMapOvr>
+</p:sld>
+</file>
+
+<file path=ppt/slides/slide13.xml><?xml version="1.0" encoding="utf-8"?>
+<p:sld xmlns:a="http://schemas.openxmlformats.org/drawingml/2006/main" xmlns:r="http://schemas.openxmlformats.org/officeDocument/2006/relationships" xmlns:p="http://schemas.openxmlformats.org/presentationml/2006/main">
+  <p:cSld>
+    <p:spTree>
+      <p:nvGrpSpPr>
+        <p:cNvPr id="1" name=""/>
+        <p:cNvGrpSpPr/>
+        <p:nvPr/>
+      </p:nvGrpSpPr>
+      <p:grpSpPr>
+        <a:xfrm>
+          <a:off x="0" y="0"/>
+          <a:ext cx="0" cy="0"/>
+          <a:chOff x="0" y="0"/>
+          <a:chExt cx="0" cy="0"/>
+        </a:xfrm>
+      </p:grpSpPr>
+      <p:sp>
+        <p:nvSpPr>
+          <p:cNvPr id="2" name="標題 1">
+            <a:extLst>
+              <a:ext uri="{FF2B5EF4-FFF2-40B4-BE49-F238E27FC236}">
+                <a16:creationId xmlns:a16="http://schemas.microsoft.com/office/drawing/2014/main" id="{B9A324FC-8105-FCFC-A844-50B32953CDE8}"/>
+              </a:ext>
+            </a:extLst>
+          </p:cNvPr>
+          <p:cNvSpPr>
+            <a:spLocks noGrp="1"/>
+          </p:cNvSpPr>
+          <p:nvPr>
+            <p:ph type="title"/>
+          </p:nvPr>
+        </p:nvSpPr>
+        <p:spPr/>
+        <p:txBody>
+          <a:bodyPr/>
+          <a:lstStyle/>
+          <a:p>
+            <a:r>
+              <a:rPr lang="en-US" altLang="zh-TW" dirty="0">
+                <a:solidFill>
+                  <a:srgbClr val="FF0000"/>
+                </a:solidFill>
+              </a:rPr>
+              <a:t>Exercise:</a:t>
+            </a:r>
+            <a:r>
+              <a:rPr lang="zh-TW" altLang="en-US" dirty="0">
+                <a:solidFill>
+                  <a:srgbClr val="FF0000"/>
+                </a:solidFill>
+              </a:rPr>
+              <a:t> </a:t>
+            </a:r>
+            <a:r>
+              <a:rPr lang="en-US" altLang="zh-TW" dirty="0">
+                <a:solidFill>
+                  <a:srgbClr val="FF0000"/>
+                </a:solidFill>
+              </a:rPr>
+              <a:t>Traveling Salesman Problem</a:t>
+            </a:r>
+            <a:endParaRPr lang="zh-TW" altLang="en-US" dirty="0"/>
+          </a:p>
+        </p:txBody>
+      </p:sp>
+      <p:sp>
+        <p:nvSpPr>
+          <p:cNvPr id="3" name="內容版面配置區 2">
+            <a:extLst>
+              <a:ext uri="{FF2B5EF4-FFF2-40B4-BE49-F238E27FC236}">
+                <a16:creationId xmlns:a16="http://schemas.microsoft.com/office/drawing/2014/main" id="{7D5E454E-A88E-EF24-E701-D17E2D61726F}"/>
+              </a:ext>
+            </a:extLst>
+          </p:cNvPr>
+          <p:cNvSpPr>
+            <a:spLocks noGrp="1"/>
+          </p:cNvSpPr>
+          <p:nvPr>
+            <p:ph idx="1"/>
+          </p:nvPr>
+        </p:nvSpPr>
+        <p:spPr/>
+        <p:txBody>
+          <a:bodyPr/>
+          <a:lstStyle/>
+          <a:p>
+            <a:r>
+              <a:rPr lang="en-US" altLang="zh-TW" dirty="0"/>
+              <a:t>Scatter Plot</a:t>
+            </a:r>
+          </a:p>
+          <a:p>
+            <a:pPr lvl="1"/>
+            <a:r>
+              <a:rPr lang="en-US" altLang="zh-TW" dirty="0"/>
+              <a:t>X-axis (Cities)</a:t>
+            </a:r>
+          </a:p>
+          <a:p>
+            <a:pPr lvl="1"/>
+            <a:r>
+              <a:rPr lang="en-US" altLang="zh-TW" dirty="0"/>
+              <a:t>Y-axis (Ant Colony Optimization Time Cost)</a:t>
+            </a:r>
+          </a:p>
+          <a:p>
+            <a:endParaRPr lang="zh-TW" altLang="en-US" dirty="0"/>
+          </a:p>
+        </p:txBody>
+      </p:sp>
+      <p:sp>
+        <p:nvSpPr>
+          <p:cNvPr id="4" name="投影片編號版面配置區 3">
+            <a:extLst>
+              <a:ext uri="{FF2B5EF4-FFF2-40B4-BE49-F238E27FC236}">
+                <a16:creationId xmlns:a16="http://schemas.microsoft.com/office/drawing/2014/main" id="{213400D7-0F69-6BBE-FCDC-4A31F51C6114}"/>
+              </a:ext>
+            </a:extLst>
+          </p:cNvPr>
+          <p:cNvSpPr>
+            <a:spLocks noGrp="1"/>
+          </p:cNvSpPr>
+          <p:nvPr>
+            <p:ph type="sldNum" sz="quarter" idx="12"/>
+          </p:nvPr>
+        </p:nvSpPr>
+        <p:spPr/>
+        <p:txBody>
+          <a:bodyPr/>
+          <a:lstStyle/>
+          <a:p>
+            <a:fld id="{A9A88A32-A370-4467-84B4-4FD87D5FB1DC}" type="slidenum">
+              <a:rPr lang="en-US" altLang="zh-TW" smtClean="0"/>
+              <a:pPr/>
+              <a:t>13</a:t>
+            </a:fld>
+            <a:endParaRPr lang="en-US" altLang="zh-TW" dirty="0"/>
+          </a:p>
+        </p:txBody>
+      </p:sp>
+      <p:pic>
+        <p:nvPicPr>
+          <p:cNvPr id="6" name="圖片 5" descr="一張含有 行, 繪圖, 圖表, 文字 的圖片&#10;&#10;AI 產生的內容可能不正確。">
+            <a:extLst>
+              <a:ext uri="{FF2B5EF4-FFF2-40B4-BE49-F238E27FC236}">
+                <a16:creationId xmlns:a16="http://schemas.microsoft.com/office/drawing/2014/main" id="{2174F58C-78F0-EAAC-8A9A-4212625F88E4}"/>
+              </a:ext>
+            </a:extLst>
+          </p:cNvPr>
+          <p:cNvPicPr>
+            <a:picLocks noChangeAspect="1"/>
+          </p:cNvPicPr>
+          <p:nvPr/>
+        </p:nvPicPr>
+        <p:blipFill>
+          <a:blip r:embed="rId2">
+            <a:extLst>
+              <a:ext uri="{28A0092B-C50C-407E-A947-70E740481C1C}">
+                <a14:useLocalDpi xmlns:a14="http://schemas.microsoft.com/office/drawing/2010/main" val="0"/>
+              </a:ext>
+            </a:extLst>
+          </a:blip>
+          <a:stretch>
+            <a:fillRect/>
+          </a:stretch>
+        </p:blipFill>
+        <p:spPr>
+          <a:xfrm>
+            <a:off x="415636" y="2960781"/>
+            <a:ext cx="8312727" cy="2664335"/>
+          </a:xfrm>
+          <a:prstGeom prst="rect">
+            <a:avLst/>
+          </a:prstGeom>
+        </p:spPr>
+      </p:pic>
+    </p:spTree>
+    <p:extLst>
+      <p:ext uri="{BB962C8B-B14F-4D97-AF65-F5344CB8AC3E}">
+        <p14:creationId xmlns:p14="http://schemas.microsoft.com/office/powerpoint/2010/main" val="2723518008"/>
+      </p:ext>
+    </p:extLst>
+  </p:cSld>
+  <p:clrMapOvr>
+    <a:masterClrMapping/>
+  </p:clrMapOvr>
+</p:sld>
+</file>
+
+<file path=ppt/slides/slide14.xml><?xml version="1.0" encoding="utf-8"?>
+<p:sld xmlns:a="http://schemas.openxmlformats.org/drawingml/2006/main" xmlns:r="http://schemas.openxmlformats.org/officeDocument/2006/relationships" xmlns:p="http://schemas.openxmlformats.org/presentationml/2006/main">
+  <p:cSld>
+    <p:spTree>
+      <p:nvGrpSpPr>
+        <p:cNvPr id="1" name=""/>
+        <p:cNvGrpSpPr/>
+        <p:nvPr/>
+      </p:nvGrpSpPr>
+      <p:grpSpPr>
+        <a:xfrm>
+          <a:off x="0" y="0"/>
+          <a:ext cx="0" cy="0"/>
+          <a:chOff x="0" y="0"/>
+          <a:chExt cx="0" cy="0"/>
+        </a:xfrm>
+      </p:grpSpPr>
+      <p:sp>
+        <p:nvSpPr>
+          <p:cNvPr id="2" name="標題 1">
+            <a:extLst>
+              <a:ext uri="{FF2B5EF4-FFF2-40B4-BE49-F238E27FC236}">
+                <a16:creationId xmlns:a16="http://schemas.microsoft.com/office/drawing/2014/main" id="{6D19E936-0557-1469-30F5-A4B5EF748666}"/>
+              </a:ext>
+            </a:extLst>
+          </p:cNvPr>
+          <p:cNvSpPr>
+            <a:spLocks noGrp="1"/>
+          </p:cNvSpPr>
+          <p:nvPr>
+            <p:ph type="title"/>
+          </p:nvPr>
+        </p:nvSpPr>
+        <p:spPr/>
+        <p:txBody>
+          <a:bodyPr/>
+          <a:lstStyle/>
+          <a:p>
+            <a:r>
+              <a:rPr lang="en-US" altLang="zh-TW" dirty="0">
+                <a:solidFill>
+                  <a:srgbClr val="FF0000"/>
+                </a:solidFill>
+              </a:rPr>
+              <a:t>Exercise:</a:t>
+            </a:r>
+            <a:r>
+              <a:rPr lang="zh-TW" altLang="en-US" dirty="0">
+                <a:solidFill>
+                  <a:srgbClr val="FF0000"/>
+                </a:solidFill>
+              </a:rPr>
+              <a:t> </a:t>
+            </a:r>
+            <a:r>
+              <a:rPr lang="en-US" altLang="zh-TW" dirty="0">
+                <a:solidFill>
+                  <a:srgbClr val="FF0000"/>
+                </a:solidFill>
+              </a:rPr>
+              <a:t>Traveling Salesman Problem</a:t>
+            </a:r>
+            <a:endParaRPr lang="zh-TW" altLang="en-US" dirty="0"/>
+          </a:p>
+        </p:txBody>
+      </p:sp>
+      <p:sp>
+        <p:nvSpPr>
           <p:cNvPr id="4" name="投影片編號版面配置區 3">
             <a:extLst>
               <a:ext uri="{FF2B5EF4-FFF2-40B4-BE49-F238E27FC236}">
@@ -3563,7 +3880,7 @@
             <a:fld id="{A9A88A32-A370-4467-84B4-4FD87D5FB1DC}" type="slidenum">
               <a:rPr lang="en-US" altLang="zh-TW" smtClean="0"/>
               <a:pPr/>
-              <a:t>12</a:t>
+              <a:t>14</a:t>
             </a:fld>
             <a:endParaRPr lang="en-US" altLang="zh-TW" dirty="0"/>
           </a:p>
@@ -10138,10 +10455,10 @@
       </p:sp>
       <p:pic>
         <p:nvPicPr>
-          <p:cNvPr id="5" name="圖片 4">
+          <p:cNvPr id="6" name="圖片 5">
             <a:extLst>
               <a:ext uri="{FF2B5EF4-FFF2-40B4-BE49-F238E27FC236}">
-                <a16:creationId xmlns:a16="http://schemas.microsoft.com/office/drawing/2014/main" id="{90C32DE7-8CFC-09B2-9701-62AEDFE0E76F}"/>
+                <a16:creationId xmlns:a16="http://schemas.microsoft.com/office/drawing/2014/main" id="{B68DB7A0-5024-2E27-496A-52F766B24FD1}"/>
               </a:ext>
             </a:extLst>
           </p:cNvPr>
@@ -10158,8 +10475,8 @@
         </p:blipFill>
         <p:spPr>
           <a:xfrm>
-            <a:off x="685325" y="1764081"/>
-            <a:ext cx="7711440" cy="3176103"/>
+            <a:off x="685325" y="4948420"/>
+            <a:ext cx="7711440" cy="1476828"/>
           </a:xfrm>
           <a:prstGeom prst="rect">
             <a:avLst/>
@@ -10168,10 +10485,10 @@
       </p:pic>
       <p:pic>
         <p:nvPicPr>
-          <p:cNvPr id="6" name="圖片 5">
+          <p:cNvPr id="8" name="圖片 7">
             <a:extLst>
               <a:ext uri="{FF2B5EF4-FFF2-40B4-BE49-F238E27FC236}">
-                <a16:creationId xmlns:a16="http://schemas.microsoft.com/office/drawing/2014/main" id="{B68DB7A0-5024-2E27-496A-52F766B24FD1}"/>
+                <a16:creationId xmlns:a16="http://schemas.microsoft.com/office/drawing/2014/main" id="{F8012FFC-4D33-A508-8081-72FEE7466F03}"/>
               </a:ext>
             </a:extLst>
           </p:cNvPr>
@@ -10188,8 +10505,8 @@
         </p:blipFill>
         <p:spPr>
           <a:xfrm>
-            <a:off x="685325" y="4948420"/>
-            <a:ext cx="7711440" cy="1476828"/>
+            <a:off x="685325" y="1705179"/>
+            <a:ext cx="7711440" cy="3149458"/>
           </a:xfrm>
           <a:prstGeom prst="rect">
             <a:avLst/>
@@ -10492,15 +10809,7 @@
                       <a:srgbClr val="FF0000"/>
                     </a:solidFill>
                   </a:rPr>
-                  <a:t>ACO does not guarantee an optimal </a:t>
-                </a:r>
-                <a:r>
-                  <a:rPr lang="en-US" altLang="zh-TW" dirty="0" err="1">
-                    <a:solidFill>
-                      <a:srgbClr val="FF0000"/>
-                    </a:solidFill>
-                  </a:rPr>
-                  <a:t>soluition</a:t>
+                  <a:t>ACO does not guarantee an optimal solution</a:t>
                 </a:r>
                 <a:endParaRPr lang="zh-TW" altLang="en-US" dirty="0">
                   <a:solidFill>
